--- a/Презентация.pptx
+++ b/Презентация.pptx
@@ -5,21 +5,25 @@
     <p:sldMasterId id="2147484343" r:id="rId1"/>
   </p:sldMasterIdLst>
   <p:notesMasterIdLst>
-    <p:notesMasterId r:id="rId14"/>
+    <p:notesMasterId r:id="rId18"/>
   </p:notesMasterIdLst>
   <p:sldIdLst>
     <p:sldId id="256" r:id="rId2"/>
     <p:sldId id="258" r:id="rId3"/>
-    <p:sldId id="308" r:id="rId4"/>
-    <p:sldId id="297" r:id="rId5"/>
-    <p:sldId id="302" r:id="rId6"/>
-    <p:sldId id="303" r:id="rId7"/>
-    <p:sldId id="304" r:id="rId8"/>
-    <p:sldId id="305" r:id="rId9"/>
-    <p:sldId id="306" r:id="rId10"/>
+    <p:sldId id="309" r:id="rId4"/>
+    <p:sldId id="313" r:id="rId5"/>
+    <p:sldId id="308" r:id="rId6"/>
+    <p:sldId id="314" r:id="rId7"/>
+    <p:sldId id="310" r:id="rId8"/>
+    <p:sldId id="311" r:id="rId9"/>
+    <p:sldId id="305" r:id="rId10"/>
     <p:sldId id="307" r:id="rId11"/>
-    <p:sldId id="296" r:id="rId12"/>
-    <p:sldId id="286" r:id="rId13"/>
+    <p:sldId id="306" r:id="rId12"/>
+    <p:sldId id="315" r:id="rId13"/>
+    <p:sldId id="316" r:id="rId14"/>
+    <p:sldId id="317" r:id="rId15"/>
+    <p:sldId id="296" r:id="rId16"/>
+    <p:sldId id="286" r:id="rId17"/>
   </p:sldIdLst>
   <p:sldSz cx="12192000" cy="6858000"/>
   <p:notesSz cx="6858000" cy="9144000"/>
@@ -231,7 +235,7 @@
           <a:p>
             <a:fld id="{68534EB5-739C-4925-AEE7-24B2B6CC23A7}" type="datetimeFigureOut">
               <a:rPr lang="ru-RU" smtClean="0"/>
-              <a:t>19.06.2018</a:t>
+              <a:t>20.06.2018</a:t>
             </a:fld>
             <a:endParaRPr lang="ru-RU"/>
           </a:p>
@@ -771,7 +775,7 @@
           <a:p>
             <a:fld id="{950BD6EE-5961-4C33-9843-C74A1C74E3BD}" type="datetime1">
               <a:rPr lang="ru-RU" smtClean="0"/>
-              <a:t>19.06.2018</a:t>
+              <a:t>20.06.2018</a:t>
             </a:fld>
             <a:endParaRPr lang="ru-RU"/>
           </a:p>
@@ -1110,7 +1114,7 @@
           <a:p>
             <a:fld id="{CB535AAF-F428-4F06-9184-38885AEC57FE}" type="datetime1">
               <a:rPr lang="ru-RU" smtClean="0"/>
-              <a:t>19.06.2018</a:t>
+              <a:t>20.06.2018</a:t>
             </a:fld>
             <a:endParaRPr lang="ru-RU"/>
           </a:p>
@@ -1512,7 +1516,7 @@
           <a:p>
             <a:fld id="{CB535AAF-F428-4F06-9184-38885AEC57FE}" type="datetime1">
               <a:rPr lang="ru-RU" smtClean="0"/>
-              <a:t>19.06.2018</a:t>
+              <a:t>20.06.2018</a:t>
             </a:fld>
             <a:endParaRPr lang="ru-RU"/>
           </a:p>
@@ -1849,7 +1853,7 @@
           <a:p>
             <a:fld id="{CB535AAF-F428-4F06-9184-38885AEC57FE}" type="datetime1">
               <a:rPr lang="ru-RU" smtClean="0"/>
-              <a:t>19.06.2018</a:t>
+              <a:t>20.06.2018</a:t>
             </a:fld>
             <a:endParaRPr lang="ru-RU"/>
           </a:p>
@@ -2170,7 +2174,7 @@
           <a:p>
             <a:fld id="{CB535AAF-F428-4F06-9184-38885AEC57FE}" type="datetime1">
               <a:rPr lang="ru-RU" smtClean="0"/>
-              <a:t>19.06.2018</a:t>
+              <a:t>20.06.2018</a:t>
             </a:fld>
             <a:endParaRPr lang="ru-RU"/>
           </a:p>
@@ -2567,7 +2571,7 @@
           <a:p>
             <a:fld id="{CB535AAF-F428-4F06-9184-38885AEC57FE}" type="datetime1">
               <a:rPr lang="ru-RU" smtClean="0"/>
-              <a:t>19.06.2018</a:t>
+              <a:t>20.06.2018</a:t>
             </a:fld>
             <a:endParaRPr lang="ru-RU"/>
           </a:p>
@@ -2825,7 +2829,7 @@
           <a:p>
             <a:fld id="{482EA05E-4BA0-456A-8F8C-6BB29F5B5783}" type="datetime1">
               <a:rPr lang="ru-RU" smtClean="0"/>
-              <a:t>19.06.2018</a:t>
+              <a:t>20.06.2018</a:t>
             </a:fld>
             <a:endParaRPr lang="ru-RU"/>
           </a:p>
@@ -3087,7 +3091,7 @@
           <a:p>
             <a:fld id="{DD98E56F-08AA-4F34-9A24-BA3C31945B97}" type="datetime1">
               <a:rPr lang="ru-RU" smtClean="0"/>
-              <a:t>19.06.2018</a:t>
+              <a:t>20.06.2018</a:t>
             </a:fld>
             <a:endParaRPr lang="ru-RU"/>
           </a:p>
@@ -3349,7 +3353,7 @@
           <a:p>
             <a:fld id="{B3EF04C9-9EEA-4A79-8DD5-C366F0922F81}" type="datetime1">
               <a:rPr lang="ru-RU" smtClean="0"/>
-              <a:t>19.06.2018</a:t>
+              <a:t>20.06.2018</a:t>
             </a:fld>
             <a:endParaRPr lang="ru-RU"/>
           </a:p>
@@ -3679,7 +3683,7 @@
           <a:p>
             <a:fld id="{99382322-2CA7-4B7D-A5D2-9E9B2B939612}" type="datetime1">
               <a:rPr lang="ru-RU" smtClean="0"/>
-              <a:t>19.06.2018</a:t>
+              <a:t>20.06.2018</a:t>
             </a:fld>
             <a:endParaRPr lang="ru-RU"/>
           </a:p>
@@ -4002,7 +4006,7 @@
           <a:p>
             <a:fld id="{4E5416AA-A555-461B-BC6E-B989F8E431D0}" type="datetime1">
               <a:rPr lang="ru-RU" smtClean="0"/>
-              <a:t>19.06.2018</a:t>
+              <a:t>20.06.2018</a:t>
             </a:fld>
             <a:endParaRPr lang="ru-RU"/>
           </a:p>
@@ -4459,7 +4463,7 @@
           <a:p>
             <a:fld id="{12DB5391-B3F5-40A2-9814-DD245D72184A}" type="datetime1">
               <a:rPr lang="ru-RU" smtClean="0"/>
-              <a:t>19.06.2018</a:t>
+              <a:t>20.06.2018</a:t>
             </a:fld>
             <a:endParaRPr lang="ru-RU"/>
           </a:p>
@@ -4664,7 +4668,7 @@
           <a:p>
             <a:fld id="{9B89105F-8924-472A-B4DA-5715BB3ED2B8}" type="datetime1">
               <a:rPr lang="ru-RU" smtClean="0"/>
-              <a:t>19.06.2018</a:t>
+              <a:t>20.06.2018</a:t>
             </a:fld>
             <a:endParaRPr lang="ru-RU"/>
           </a:p>
@@ -4841,7 +4845,7 @@
           <a:p>
             <a:fld id="{C6FF70E1-58B6-4E31-8251-AA99832F35F4}" type="datetime1">
               <a:rPr lang="ru-RU" smtClean="0"/>
-              <a:t>19.06.2018</a:t>
+              <a:t>20.06.2018</a:t>
             </a:fld>
             <a:endParaRPr lang="ru-RU"/>
           </a:p>
@@ -5174,7 +5178,7 @@
           <a:p>
             <a:fld id="{FC751579-A389-4EFF-88B6-1EB0DF6DE14C}" type="datetime1">
               <a:rPr lang="ru-RU" smtClean="0"/>
-              <a:t>19.06.2018</a:t>
+              <a:t>20.06.2018</a:t>
             </a:fld>
             <a:endParaRPr lang="ru-RU"/>
           </a:p>
@@ -5519,7 +5523,7 @@
           <a:p>
             <a:fld id="{BD0B26AD-9614-4F0E-895E-18BF6E375419}" type="datetime1">
               <a:rPr lang="ru-RU" smtClean="0"/>
-              <a:t>19.06.2018</a:t>
+              <a:t>20.06.2018</a:t>
             </a:fld>
             <a:endParaRPr lang="ru-RU"/>
           </a:p>
@@ -7636,7 +7640,7 @@
           <a:p>
             <a:fld id="{CB535AAF-F428-4F06-9184-38885AEC57FE}" type="datetime1">
               <a:rPr lang="ru-RU" smtClean="0"/>
-              <a:t>19.06.2018</a:t>
+              <a:t>20.06.2018</a:t>
             </a:fld>
             <a:endParaRPr lang="ru-RU"/>
           </a:p>
@@ -8167,7 +8171,7 @@
         </p:nvSpPr>
         <p:spPr>
           <a:xfrm>
-            <a:off x="1343246" y="1754372"/>
+            <a:off x="1267046" y="1185081"/>
             <a:ext cx="10139916" cy="957832"/>
           </a:xfrm>
         </p:spPr>
@@ -8227,35 +8231,34 @@
       </p:sp>
       <p:sp>
         <p:nvSpPr>
-          <p:cNvPr id="6" name="TextBox 5"/>
-          <p:cNvSpPr txBox="1"/>
+          <p:cNvPr id="5" name="Прямоугольник 4"/>
+          <p:cNvSpPr/>
           <p:nvPr/>
         </p:nvSpPr>
         <p:spPr>
           <a:xfrm>
-            <a:off x="10058400" y="3793937"/>
-            <a:ext cx="2133600" cy="646331"/>
+            <a:off x="9406099" y="2445933"/>
+            <a:ext cx="3264197" cy="3676969"/>
           </a:xfrm>
           <a:prstGeom prst="rect">
             <a:avLst/>
           </a:prstGeom>
-          <a:noFill/>
         </p:spPr>
         <p:txBody>
-          <a:bodyPr wrap="square" rtlCol="0">
+          <a:bodyPr wrap="square">
             <a:spAutoFit/>
           </a:bodyPr>
           <a:lstStyle/>
           <a:p>
             <a:r>
-              <a:rPr lang="ru-RU" dirty="0">
+              <a:rPr lang="ru-RU" sz="1600" dirty="0">
                 <a:latin typeface="Areal"/>
                 <a:cs typeface="Times New Roman" panose="02020603050405020304" pitchFamily="18" charset="0"/>
               </a:rPr>
               <a:t>Выполнил</a:t>
             </a:r>
             <a:r>
-              <a:rPr lang="en-US" dirty="0">
+              <a:rPr lang="en-US" sz="1600" dirty="0">
                 <a:latin typeface="Areal"/>
                 <a:cs typeface="Times New Roman" panose="02020603050405020304" pitchFamily="18" charset="0"/>
               </a:rPr>
@@ -8264,28 +8267,284 @@
           </a:p>
           <a:p>
             <a:r>
-              <a:rPr lang="ru-RU" dirty="0">
+              <a:rPr lang="ru-RU" sz="1600" dirty="0">
                 <a:latin typeface="Areal"/>
                 <a:cs typeface="Times New Roman" panose="02020603050405020304" pitchFamily="18" charset="0"/>
               </a:rPr>
-              <a:t>Гаан С.Е. </a:t>
-            </a:r>
-            <a:r>
-              <a:rPr lang="ru-RU" dirty="0" smtClean="0">
-                <a:latin typeface="Areal"/>
-                <a:cs typeface="Times New Roman" panose="02020603050405020304" pitchFamily="18" charset="0"/>
-              </a:rPr>
-              <a:t>586-</a:t>
-            </a:r>
-            <a:r>
-              <a:rPr lang="en-US" dirty="0" smtClean="0">
+              <a:t>Гаан С.Е. 586-</a:t>
+            </a:r>
+            <a:r>
+              <a:rPr lang="en-US" sz="1600" dirty="0">
                 <a:latin typeface="Areal"/>
                 <a:cs typeface="Times New Roman" panose="02020603050405020304" pitchFamily="18" charset="0"/>
               </a:rPr>
               <a:t>M1</a:t>
             </a:r>
-            <a:endParaRPr lang="ru-RU" dirty="0">
+            <a:endParaRPr lang="ru-RU" sz="1600" dirty="0">
               <a:latin typeface="Areal"/>
+              <a:cs typeface="Times New Roman" panose="02020603050405020304" pitchFamily="18" charset="0"/>
+            </a:endParaRPr>
+          </a:p>
+          <a:p>
+            <a:pPr>
+              <a:lnSpc>
+                <a:spcPct val="107000"/>
+              </a:lnSpc>
+              <a:spcAft>
+                <a:spcPts val="0"/>
+              </a:spcAft>
+            </a:pPr>
+            <a:endParaRPr lang="ru-RU" sz="1600" dirty="0" smtClean="0">
+              <a:latin typeface="Areal"/>
+              <a:ea typeface="Calibri" panose="020F0502020204030204" pitchFamily="34" charset="0"/>
+              <a:cs typeface="Times New Roman" panose="02020603050405020304" pitchFamily="18" charset="0"/>
+            </a:endParaRPr>
+          </a:p>
+          <a:p>
+            <a:pPr>
+              <a:lnSpc>
+                <a:spcPct val="107000"/>
+              </a:lnSpc>
+              <a:spcAft>
+                <a:spcPts val="0"/>
+              </a:spcAft>
+            </a:pPr>
+            <a:r>
+              <a:rPr lang="ru-RU" sz="1600" dirty="0" smtClean="0">
+                <a:latin typeface="Areal"/>
+                <a:ea typeface="Calibri" panose="020F0502020204030204" pitchFamily="34" charset="0"/>
+                <a:cs typeface="Times New Roman" panose="02020603050405020304" pitchFamily="18" charset="0"/>
+              </a:rPr>
+              <a:t>Научный </a:t>
+            </a:r>
+            <a:r>
+              <a:rPr lang="ru-RU" sz="1600" dirty="0">
+                <a:latin typeface="Areal"/>
+                <a:ea typeface="Calibri" panose="020F0502020204030204" pitchFamily="34" charset="0"/>
+                <a:cs typeface="Times New Roman" panose="02020603050405020304" pitchFamily="18" charset="0"/>
+              </a:rPr>
+              <a:t>руководитель:   </a:t>
+            </a:r>
+            <a:endParaRPr lang="ru-RU" sz="1200" dirty="0">
+              <a:latin typeface="Areal"/>
+              <a:ea typeface="Calibri" panose="020F0502020204030204" pitchFamily="34" charset="0"/>
+              <a:cs typeface="Times New Roman" panose="02020603050405020304" pitchFamily="18" charset="0"/>
+            </a:endParaRPr>
+          </a:p>
+          <a:p>
+            <a:pPr>
+              <a:lnSpc>
+                <a:spcPct val="107000"/>
+              </a:lnSpc>
+              <a:spcAft>
+                <a:spcPts val="0"/>
+              </a:spcAft>
+            </a:pPr>
+            <a:r>
+              <a:rPr lang="ru-RU" sz="1600" dirty="0">
+                <a:latin typeface="Areal"/>
+                <a:ea typeface="Calibri" panose="020F0502020204030204" pitchFamily="34" charset="0"/>
+                <a:cs typeface="Times New Roman" panose="02020603050405020304" pitchFamily="18" charset="0"/>
+              </a:rPr>
+              <a:t>Доктор технических наук, </a:t>
+            </a:r>
+            <a:endParaRPr lang="ru-RU" sz="1600" dirty="0" smtClean="0">
+              <a:latin typeface="Areal"/>
+              <a:ea typeface="Calibri" panose="020F0502020204030204" pitchFamily="34" charset="0"/>
+              <a:cs typeface="Times New Roman" panose="02020603050405020304" pitchFamily="18" charset="0"/>
+            </a:endParaRPr>
+          </a:p>
+          <a:p>
+            <a:pPr>
+              <a:lnSpc>
+                <a:spcPct val="107000"/>
+              </a:lnSpc>
+              <a:spcAft>
+                <a:spcPts val="0"/>
+              </a:spcAft>
+            </a:pPr>
+            <a:r>
+              <a:rPr lang="ru-RU" sz="1600" dirty="0" smtClean="0">
+                <a:latin typeface="Areal"/>
+                <a:ea typeface="Calibri" panose="020F0502020204030204" pitchFamily="34" charset="0"/>
+                <a:cs typeface="Times New Roman" panose="02020603050405020304" pitchFamily="18" charset="0"/>
+              </a:rPr>
+              <a:t>профессор</a:t>
+            </a:r>
+            <a:r>
+              <a:rPr lang="ru-RU" sz="1600" dirty="0">
+                <a:latin typeface="Areal"/>
+                <a:ea typeface="Calibri" panose="020F0502020204030204" pitchFamily="34" charset="0"/>
+                <a:cs typeface="Times New Roman" panose="02020603050405020304" pitchFamily="18" charset="0"/>
+              </a:rPr>
+              <a:t>.</a:t>
+            </a:r>
+            <a:endParaRPr lang="ru-RU" sz="1200" dirty="0">
+              <a:latin typeface="Areal"/>
+              <a:ea typeface="Calibri" panose="020F0502020204030204" pitchFamily="34" charset="0"/>
+              <a:cs typeface="Times New Roman" panose="02020603050405020304" pitchFamily="18" charset="0"/>
+            </a:endParaRPr>
+          </a:p>
+          <a:p>
+            <a:pPr>
+              <a:lnSpc>
+                <a:spcPct val="107000"/>
+              </a:lnSpc>
+              <a:spcAft>
+                <a:spcPts val="0"/>
+              </a:spcAft>
+            </a:pPr>
+            <a:r>
+              <a:rPr lang="ru-RU" sz="1600" dirty="0" smtClean="0">
+                <a:latin typeface="Areal"/>
+                <a:ea typeface="Calibri" panose="020F0502020204030204" pitchFamily="34" charset="0"/>
+                <a:cs typeface="Times New Roman" panose="02020603050405020304" pitchFamily="18" charset="0"/>
+              </a:rPr>
+              <a:t>Ю</a:t>
+            </a:r>
+            <a:r>
+              <a:rPr lang="ru-RU" sz="1600" dirty="0">
+                <a:latin typeface="Areal"/>
+                <a:ea typeface="Calibri" panose="020F0502020204030204" pitchFamily="34" charset="0"/>
+                <a:cs typeface="Times New Roman" panose="02020603050405020304" pitchFamily="18" charset="0"/>
+              </a:rPr>
+              <a:t>. А. Шурыгин</a:t>
+            </a:r>
+            <a:endParaRPr lang="ru-RU" sz="1200" dirty="0">
+              <a:latin typeface="Areal"/>
+              <a:ea typeface="Calibri" panose="020F0502020204030204" pitchFamily="34" charset="0"/>
+              <a:cs typeface="Times New Roman" panose="02020603050405020304" pitchFamily="18" charset="0"/>
+            </a:endParaRPr>
+          </a:p>
+          <a:p>
+            <a:pPr>
+              <a:lnSpc>
+                <a:spcPct val="107000"/>
+              </a:lnSpc>
+              <a:spcAft>
+                <a:spcPts val="1000"/>
+              </a:spcAft>
+            </a:pPr>
+            <a:r>
+              <a:rPr lang="ru-RU" sz="1600" dirty="0">
+                <a:latin typeface="Areal"/>
+                <a:ea typeface="Calibri" panose="020F0502020204030204" pitchFamily="34" charset="0"/>
+                <a:cs typeface="Times New Roman" panose="02020603050405020304" pitchFamily="18" charset="0"/>
+              </a:rPr>
+              <a:t> </a:t>
+            </a:r>
+            <a:endParaRPr lang="ru-RU" sz="1200" dirty="0">
+              <a:latin typeface="Areal"/>
+              <a:ea typeface="Calibri" panose="020F0502020204030204" pitchFamily="34" charset="0"/>
+              <a:cs typeface="Times New Roman" panose="02020603050405020304" pitchFamily="18" charset="0"/>
+            </a:endParaRPr>
+          </a:p>
+          <a:p>
+            <a:pPr>
+              <a:lnSpc>
+                <a:spcPct val="107000"/>
+              </a:lnSpc>
+              <a:spcAft>
+                <a:spcPts val="0"/>
+              </a:spcAft>
+            </a:pPr>
+            <a:r>
+              <a:rPr lang="ru-RU" sz="1600" dirty="0">
+                <a:latin typeface="Areal"/>
+                <a:ea typeface="Calibri" panose="020F0502020204030204" pitchFamily="34" charset="0"/>
+                <a:cs typeface="Times New Roman" panose="02020603050405020304" pitchFamily="18" charset="0"/>
+              </a:rPr>
+              <a:t>Консультант:   </a:t>
+            </a:r>
+            <a:endParaRPr lang="ru-RU" sz="1200" dirty="0">
+              <a:latin typeface="Areal"/>
+              <a:ea typeface="Calibri" panose="020F0502020204030204" pitchFamily="34" charset="0"/>
+              <a:cs typeface="Times New Roman" panose="02020603050405020304" pitchFamily="18" charset="0"/>
+            </a:endParaRPr>
+          </a:p>
+          <a:p>
+            <a:pPr>
+              <a:lnSpc>
+                <a:spcPct val="107000"/>
+              </a:lnSpc>
+              <a:spcAft>
+                <a:spcPts val="0"/>
+              </a:spcAft>
+            </a:pPr>
+            <a:r>
+              <a:rPr lang="ru-RU" sz="1600" dirty="0">
+                <a:latin typeface="Areal"/>
+                <a:ea typeface="Calibri" panose="020F0502020204030204" pitchFamily="34" charset="0"/>
+                <a:cs typeface="Times New Roman" panose="02020603050405020304" pitchFamily="18" charset="0"/>
+              </a:rPr>
+              <a:t>Руководитель отдела обеспечения </a:t>
+            </a:r>
+            <a:endParaRPr lang="ru-RU" sz="1600" dirty="0" smtClean="0">
+              <a:latin typeface="Areal"/>
+              <a:ea typeface="Calibri" panose="020F0502020204030204" pitchFamily="34" charset="0"/>
+              <a:cs typeface="Times New Roman" panose="02020603050405020304" pitchFamily="18" charset="0"/>
+            </a:endParaRPr>
+          </a:p>
+          <a:p>
+            <a:pPr>
+              <a:lnSpc>
+                <a:spcPct val="107000"/>
+              </a:lnSpc>
+              <a:spcAft>
+                <a:spcPts val="0"/>
+              </a:spcAft>
+            </a:pPr>
+            <a:r>
+              <a:rPr lang="ru-RU" sz="1600" dirty="0" smtClean="0">
+                <a:latin typeface="Areal"/>
+                <a:ea typeface="Calibri" panose="020F0502020204030204" pitchFamily="34" charset="0"/>
+                <a:cs typeface="Times New Roman" panose="02020603050405020304" pitchFamily="18" charset="0"/>
+              </a:rPr>
+              <a:t>качества </a:t>
+            </a:r>
+            <a:r>
+              <a:rPr lang="ru-RU" sz="1600" dirty="0">
+                <a:latin typeface="Areal"/>
+                <a:ea typeface="Calibri" panose="020F0502020204030204" pitchFamily="34" charset="0"/>
+                <a:cs typeface="Times New Roman" panose="02020603050405020304" pitchFamily="18" charset="0"/>
+              </a:rPr>
+              <a:t>«Атомик Софт»</a:t>
+            </a:r>
+            <a:endParaRPr lang="ru-RU" sz="1200" dirty="0">
+              <a:latin typeface="Areal"/>
+              <a:ea typeface="Calibri" panose="020F0502020204030204" pitchFamily="34" charset="0"/>
+              <a:cs typeface="Times New Roman" panose="02020603050405020304" pitchFamily="18" charset="0"/>
+            </a:endParaRPr>
+          </a:p>
+          <a:p>
+            <a:pPr>
+              <a:lnSpc>
+                <a:spcPct val="107000"/>
+              </a:lnSpc>
+              <a:spcAft>
+                <a:spcPts val="0"/>
+              </a:spcAft>
+            </a:pPr>
+            <a:r>
+              <a:rPr lang="ru-RU" sz="1600" dirty="0" smtClean="0">
+                <a:latin typeface="Areal"/>
+                <a:ea typeface="Calibri" panose="020F0502020204030204" pitchFamily="34" charset="0"/>
+                <a:cs typeface="Times New Roman" panose="02020603050405020304" pitchFamily="18" charset="0"/>
+              </a:rPr>
+              <a:t>В.Я</a:t>
+            </a:r>
+            <a:r>
+              <a:rPr lang="ru-RU" sz="1600" dirty="0">
+                <a:latin typeface="Areal"/>
+                <a:ea typeface="Calibri" panose="020F0502020204030204" pitchFamily="34" charset="0"/>
+                <a:cs typeface="Times New Roman" panose="02020603050405020304" pitchFamily="18" charset="0"/>
+              </a:rPr>
+              <a:t>. Гуревич</a:t>
+            </a:r>
+            <a:endParaRPr lang="ru-RU" sz="1200" dirty="0">
+              <a:effectLst/>
+              <a:latin typeface="Areal"/>
+              <a:ea typeface="Calibri" panose="020F0502020204030204" pitchFamily="34" charset="0"/>
               <a:cs typeface="Times New Roman" panose="02020603050405020304" pitchFamily="18" charset="0"/>
             </a:endParaRPr>
           </a:p>
@@ -8338,16 +8597,23 @@
             <p:ph type="title"/>
           </p:nvPr>
         </p:nvSpPr>
-        <p:spPr/>
+        <p:spPr>
+          <a:xfrm>
+            <a:off x="2869372" y="624109"/>
+            <a:ext cx="8911687" cy="1280890"/>
+          </a:xfrm>
+        </p:spPr>
         <p:txBody>
           <a:bodyPr>
             <a:normAutofit fontScale="90000"/>
           </a:bodyPr>
           <a:lstStyle/>
           <a:p>
-            <a:pPr algn="ctr"/>
-            <a:r>
-              <a:rPr lang="ru-RU" dirty="0"/>
+            <a:pPr algn="r"/>
+            <a:r>
+              <a:rPr lang="ru-RU" b="1" dirty="0">
+                <a:latin typeface="Areal"/>
+              </a:rPr>
               <a:t>Диаграмма последовательности выполнения автоматизированных тестов</a:t>
             </a:r>
           </a:p>
@@ -8377,8 +8643,8 @@
         </p:blipFill>
         <p:spPr>
           <a:xfrm>
-            <a:off x="2592925" y="2080437"/>
-            <a:ext cx="8608598" cy="4414884"/>
+            <a:off x="2157495" y="1904999"/>
+            <a:ext cx="9105993" cy="4669971"/>
           </a:xfrm>
         </p:spPr>
       </p:pic>
@@ -8416,6 +8682,13 @@
   <p:clrMapOvr>
     <a:masterClrMapping/>
   </p:clrMapOvr>
+  <p:timing>
+    <p:tnLst>
+      <p:par>
+        <p:cTn id="1" dur="indefinite" restart="never" nodeType="tmRoot"/>
+      </p:par>
+    </p:tnLst>
+  </p:timing>
 </p:sld>
 </file>
 
@@ -8438,543 +8711,6 @@
       </p:grpSpPr>
       <p:sp>
         <p:nvSpPr>
-          <p:cNvPr id="4" name="Заголовок 1"/>
-          <p:cNvSpPr>
-            <a:spLocks noGrp="1"/>
-          </p:cNvSpPr>
-          <p:nvPr>
-            <p:ph type="title"/>
-          </p:nvPr>
-        </p:nvSpPr>
-        <p:spPr>
-          <a:xfrm>
-            <a:off x="1618770" y="766536"/>
-            <a:ext cx="8802827" cy="1293028"/>
-          </a:xfrm>
-        </p:spPr>
-        <p:txBody>
-          <a:bodyPr>
-            <a:normAutofit/>
-          </a:bodyPr>
-          <a:lstStyle/>
-          <a:p>
-            <a:pPr algn="ctr"/>
-            <a:r>
-              <a:rPr lang="ru-RU" sz="3600" b="1" dirty="0" smtClean="0">
-                <a:latin typeface="Areal"/>
-                <a:cs typeface="Times New Roman" panose="02020603050405020304" pitchFamily="18" charset="0"/>
-              </a:rPr>
-              <a:t>Вывод</a:t>
-            </a:r>
-            <a:endParaRPr lang="ru-RU" sz="3600" b="1" dirty="0">
-              <a:latin typeface="Areal"/>
-              <a:cs typeface="Times New Roman" panose="02020603050405020304" pitchFamily="18" charset="0"/>
-            </a:endParaRPr>
-          </a:p>
-        </p:txBody>
-      </p:sp>
-      <p:sp>
-        <p:nvSpPr>
-          <p:cNvPr id="7" name="Объект 2"/>
-          <p:cNvSpPr>
-            <a:spLocks noGrp="1"/>
-          </p:cNvSpPr>
-          <p:nvPr>
-            <p:ph idx="1"/>
-          </p:nvPr>
-        </p:nvSpPr>
-        <p:spPr>
-          <a:xfrm>
-            <a:off x="1215784" y="1789158"/>
-            <a:ext cx="9608797" cy="4002042"/>
-          </a:xfrm>
-        </p:spPr>
-        <p:txBody>
-          <a:bodyPr>
-            <a:noAutofit/>
-          </a:bodyPr>
-          <a:lstStyle/>
-          <a:p>
-            <a:pPr marL="0" indent="0" algn="just">
-              <a:lnSpc>
-                <a:spcPct val="150000"/>
-              </a:lnSpc>
-              <a:buNone/>
-            </a:pPr>
-            <a:r>
-              <a:rPr lang="ru-RU" sz="2400" dirty="0" smtClean="0">
-                <a:latin typeface="Areal"/>
-              </a:rPr>
-              <a:t>	</a:t>
-            </a:r>
-            <a:endParaRPr lang="ru-RU" sz="2400" dirty="0">
-              <a:latin typeface="Areal"/>
-            </a:endParaRPr>
-          </a:p>
-        </p:txBody>
-      </p:sp>
-      <p:sp>
-        <p:nvSpPr>
-          <p:cNvPr id="5" name="Номер слайда 4"/>
-          <p:cNvSpPr>
-            <a:spLocks noGrp="1"/>
-          </p:cNvSpPr>
-          <p:nvPr>
-            <p:ph type="sldNum" sz="quarter" idx="12"/>
-          </p:nvPr>
-        </p:nvSpPr>
-        <p:spPr/>
-        <p:txBody>
-          <a:bodyPr/>
-          <a:lstStyle/>
-          <a:p>
-            <a:fld id="{56BE2FE7-2BDA-41F3-A8F8-8456B6B69E41}" type="slidenum">
-              <a:rPr lang="ru-RU" sz="1400" smtClean="0"/>
-              <a:pPr/>
-              <a:t>11</a:t>
-            </a:fld>
-            <a:endParaRPr lang="ru-RU" sz="1400" dirty="0"/>
-          </a:p>
-        </p:txBody>
-      </p:sp>
-      <p:sp>
-        <p:nvSpPr>
-          <p:cNvPr id="2" name="Прямоугольник 1"/>
-          <p:cNvSpPr/>
-          <p:nvPr/>
-        </p:nvSpPr>
-        <p:spPr>
-          <a:xfrm>
-            <a:off x="5715000" y="2059564"/>
-            <a:ext cx="6096000" cy="1338828"/>
-          </a:xfrm>
-          <a:prstGeom prst="rect">
-            <a:avLst/>
-          </a:prstGeom>
-        </p:spPr>
-        <p:txBody>
-          <a:bodyPr>
-            <a:spAutoFit/>
-          </a:bodyPr>
-          <a:lstStyle/>
-          <a:p>
-            <a:pPr indent="449580" algn="just">
-              <a:lnSpc>
-                <a:spcPct val="150000"/>
-              </a:lnSpc>
-              <a:spcAft>
-                <a:spcPts val="0"/>
-              </a:spcAft>
-            </a:pPr>
-            <a:r>
-              <a:rPr lang="ru-RU" dirty="0">
-                <a:latin typeface="Times New Roman" panose="02020603050405020304" pitchFamily="18" charset="0"/>
-                <a:ea typeface="Calibri" panose="020F0502020204030204" pitchFamily="34" charset="0"/>
-                <a:cs typeface="Times New Roman" panose="02020603050405020304" pitchFamily="18" charset="0"/>
-              </a:rPr>
-              <a:t>Для </a:t>
-            </a:r>
-            <a:r>
-              <a:rPr lang="en-US" dirty="0">
-                <a:latin typeface="Times New Roman" panose="02020603050405020304" pitchFamily="18" charset="0"/>
-                <a:ea typeface="Calibri" panose="020F0502020204030204" pitchFamily="34" charset="0"/>
-                <a:cs typeface="Times New Roman" panose="02020603050405020304" pitchFamily="18" charset="0"/>
-              </a:rPr>
-              <a:t>Alpha</a:t>
-            </a:r>
-            <a:r>
-              <a:rPr lang="ru-RU" dirty="0">
-                <a:latin typeface="Times New Roman" panose="02020603050405020304" pitchFamily="18" charset="0"/>
-                <a:ea typeface="Calibri" panose="020F0502020204030204" pitchFamily="34" charset="0"/>
-                <a:cs typeface="Times New Roman" panose="02020603050405020304" pitchFamily="18" charset="0"/>
-              </a:rPr>
-              <a:t>.</a:t>
-            </a:r>
-            <a:r>
-              <a:rPr lang="en-US" dirty="0">
-                <a:latin typeface="Times New Roman" panose="02020603050405020304" pitchFamily="18" charset="0"/>
-                <a:ea typeface="Calibri" panose="020F0502020204030204" pitchFamily="34" charset="0"/>
-                <a:cs typeface="Times New Roman" panose="02020603050405020304" pitchFamily="18" charset="0"/>
-              </a:rPr>
-              <a:t>Alarms</a:t>
-            </a:r>
-            <a:r>
-              <a:rPr lang="ru-RU" dirty="0">
-                <a:latin typeface="Times New Roman" panose="02020603050405020304" pitchFamily="18" charset="0"/>
-                <a:ea typeface="Calibri" panose="020F0502020204030204" pitchFamily="34" charset="0"/>
-                <a:cs typeface="Times New Roman" panose="02020603050405020304" pitchFamily="18" charset="0"/>
-              </a:rPr>
-              <a:t> существует ряд ручных тестов в системе </a:t>
-            </a:r>
-            <a:r>
-              <a:rPr lang="en-US" dirty="0">
-                <a:latin typeface="Times New Roman" panose="02020603050405020304" pitchFamily="18" charset="0"/>
-                <a:ea typeface="Calibri" panose="020F0502020204030204" pitchFamily="34" charset="0"/>
-                <a:cs typeface="Times New Roman" panose="02020603050405020304" pitchFamily="18" charset="0"/>
-              </a:rPr>
-              <a:t>TestLink</a:t>
-            </a:r>
-            <a:r>
-              <a:rPr lang="ru-RU" dirty="0">
-                <a:latin typeface="Times New Roman" panose="02020603050405020304" pitchFamily="18" charset="0"/>
-                <a:ea typeface="Calibri" panose="020F0502020204030204" pitchFamily="34" charset="0"/>
-                <a:cs typeface="Times New Roman" panose="02020603050405020304" pitchFamily="18" charset="0"/>
-              </a:rPr>
-              <a:t>. В будущем планируется автоматизация ручных тестов с использованием библиотеки </a:t>
-            </a:r>
-            <a:r>
-              <a:rPr lang="en-US" dirty="0">
-                <a:latin typeface="Times New Roman" panose="02020603050405020304" pitchFamily="18" charset="0"/>
-                <a:ea typeface="Calibri" panose="020F0502020204030204" pitchFamily="34" charset="0"/>
-                <a:cs typeface="Times New Roman" panose="02020603050405020304" pitchFamily="18" charset="0"/>
-              </a:rPr>
-              <a:t>NUnit</a:t>
-            </a:r>
-            <a:r>
-              <a:rPr lang="ru-RU" dirty="0">
-                <a:latin typeface="Times New Roman" panose="02020603050405020304" pitchFamily="18" charset="0"/>
-                <a:ea typeface="Calibri" panose="020F0502020204030204" pitchFamily="34" charset="0"/>
-                <a:cs typeface="Times New Roman" panose="02020603050405020304" pitchFamily="18" charset="0"/>
-              </a:rPr>
-              <a:t>.</a:t>
-            </a:r>
-            <a:endParaRPr lang="ru-RU" sz="1400" dirty="0">
-              <a:effectLst/>
-              <a:latin typeface="Calibri" panose="020F0502020204030204" pitchFamily="34" charset="0"/>
-              <a:ea typeface="Calibri" panose="020F0502020204030204" pitchFamily="34" charset="0"/>
-              <a:cs typeface="Times New Roman" panose="02020603050405020304" pitchFamily="18" charset="0"/>
-            </a:endParaRPr>
-          </a:p>
-        </p:txBody>
-      </p:sp>
-    </p:spTree>
-    <p:extLst>
-      <p:ext uri="{BB962C8B-B14F-4D97-AF65-F5344CB8AC3E}">
-        <p14:creationId xmlns:p14="http://schemas.microsoft.com/office/powerpoint/2010/main" val="3895185052"/>
-      </p:ext>
-    </p:extLst>
-  </p:cSld>
-  <p:clrMapOvr>
-    <a:masterClrMapping/>
-  </p:clrMapOvr>
-  <p:timing>
-    <p:tnLst>
-      <p:par>
-        <p:cTn id="1" dur="indefinite" restart="never" nodeType="tmRoot"/>
-      </p:par>
-    </p:tnLst>
-  </p:timing>
-</p:sld>
-</file>
-
-<file path=ppt/slides/slide12.xml><?xml version="1.0" encoding="utf-8"?>
-<p:sld xmlns:a="http://schemas.openxmlformats.org/drawingml/2006/main" xmlns:r="http://schemas.openxmlformats.org/officeDocument/2006/relationships" xmlns:p="http://schemas.openxmlformats.org/presentationml/2006/main">
-  <p:cSld>
-    <p:spTree>
-      <p:nvGrpSpPr>
-        <p:cNvPr id="1" name=""/>
-        <p:cNvGrpSpPr/>
-        <p:nvPr/>
-      </p:nvGrpSpPr>
-      <p:grpSpPr>
-        <a:xfrm>
-          <a:off x="0" y="0"/>
-          <a:ext cx="0" cy="0"/>
-          <a:chOff x="0" y="0"/>
-          <a:chExt cx="0" cy="0"/>
-        </a:xfrm>
-      </p:grpSpPr>
-      <p:sp>
-        <p:nvSpPr>
-          <p:cNvPr id="6" name="Объект 2"/>
-          <p:cNvSpPr>
-            <a:spLocks noGrp="1"/>
-          </p:cNvSpPr>
-          <p:nvPr>
-            <p:ph idx="1"/>
-          </p:nvPr>
-        </p:nvSpPr>
-        <p:spPr>
-          <a:xfrm>
-            <a:off x="1757873" y="2526707"/>
-            <a:ext cx="9142355" cy="1827579"/>
-          </a:xfrm>
-        </p:spPr>
-        <p:txBody>
-          <a:bodyPr>
-            <a:normAutofit/>
-          </a:bodyPr>
-          <a:lstStyle/>
-          <a:p>
-            <a:pPr marL="0" indent="0">
-              <a:buNone/>
-            </a:pPr>
-            <a:r>
-              <a:rPr lang="ru-RU" sz="2400" dirty="0" smtClean="0"/>
-              <a:t>	</a:t>
-            </a:r>
-            <a:endParaRPr lang="ru-RU" sz="4000" dirty="0" smtClean="0">
-              <a:latin typeface="Times New Roman" panose="02020603050405020304" pitchFamily="18" charset="0"/>
-              <a:cs typeface="Times New Roman" panose="02020603050405020304" pitchFamily="18" charset="0"/>
-            </a:endParaRPr>
-          </a:p>
-          <a:p>
-            <a:pPr marL="0" indent="0" algn="ctr">
-              <a:buNone/>
-            </a:pPr>
-            <a:r>
-              <a:rPr lang="ru-RU" sz="6000" dirty="0" smtClean="0">
-                <a:latin typeface="Areal"/>
-                <a:cs typeface="Times New Roman" panose="02020603050405020304" pitchFamily="18" charset="0"/>
-              </a:rPr>
-              <a:t>Спасибо за внимание</a:t>
-            </a:r>
-            <a:endParaRPr lang="ru-RU" sz="6000" dirty="0">
-              <a:latin typeface="Areal"/>
-              <a:cs typeface="Times New Roman" panose="02020603050405020304" pitchFamily="18" charset="0"/>
-            </a:endParaRPr>
-          </a:p>
-          <a:p>
-            <a:pPr marL="0" indent="0" algn="just">
-              <a:buNone/>
-            </a:pPr>
-            <a:endParaRPr lang="ru-RU" dirty="0">
-              <a:latin typeface="Areal"/>
-              <a:cs typeface="Times New Roman" panose="02020603050405020304" pitchFamily="18" charset="0"/>
-            </a:endParaRPr>
-          </a:p>
-        </p:txBody>
-      </p:sp>
-      <p:sp>
-        <p:nvSpPr>
-          <p:cNvPr id="3" name="Номер слайда 2"/>
-          <p:cNvSpPr>
-            <a:spLocks noGrp="1"/>
-          </p:cNvSpPr>
-          <p:nvPr>
-            <p:ph type="sldNum" sz="quarter" idx="12"/>
-          </p:nvPr>
-        </p:nvSpPr>
-        <p:spPr/>
-        <p:txBody>
-          <a:bodyPr/>
-          <a:lstStyle/>
-          <a:p>
-            <a:fld id="{56BE2FE7-2BDA-41F3-A8F8-8456B6B69E41}" type="slidenum">
-              <a:rPr lang="ru-RU" smtClean="0"/>
-              <a:pPr/>
-              <a:t>12</a:t>
-            </a:fld>
-            <a:endParaRPr lang="ru-RU" dirty="0"/>
-          </a:p>
-        </p:txBody>
-      </p:sp>
-    </p:spTree>
-    <p:extLst>
-      <p:ext uri="{BB962C8B-B14F-4D97-AF65-F5344CB8AC3E}">
-        <p14:creationId xmlns:p14="http://schemas.microsoft.com/office/powerpoint/2010/main" val="958453480"/>
-      </p:ext>
-    </p:extLst>
-  </p:cSld>
-  <p:clrMapOvr>
-    <a:masterClrMapping/>
-  </p:clrMapOvr>
-  <p:timing>
-    <p:tnLst>
-      <p:par>
-        <p:cTn id="1" dur="indefinite" restart="never" nodeType="tmRoot"/>
-      </p:par>
-    </p:tnLst>
-  </p:timing>
-</p:sld>
-</file>
-
-<file path=ppt/slides/slide2.xml><?xml version="1.0" encoding="utf-8"?>
-<p:sld xmlns:a="http://schemas.openxmlformats.org/drawingml/2006/main" xmlns:r="http://schemas.openxmlformats.org/officeDocument/2006/relationships" xmlns:p="http://schemas.openxmlformats.org/presentationml/2006/main">
-  <p:cSld>
-    <p:spTree>
-      <p:nvGrpSpPr>
-        <p:cNvPr id="1" name=""/>
-        <p:cNvGrpSpPr/>
-        <p:nvPr/>
-      </p:nvGrpSpPr>
-      <p:grpSpPr>
-        <a:xfrm>
-          <a:off x="0" y="0"/>
-          <a:ext cx="0" cy="0"/>
-          <a:chOff x="0" y="0"/>
-          <a:chExt cx="0" cy="0"/>
-        </a:xfrm>
-      </p:grpSpPr>
-      <p:sp>
-        <p:nvSpPr>
-          <p:cNvPr id="4" name="Заголовок 1"/>
-          <p:cNvSpPr>
-            <a:spLocks noGrp="1"/>
-          </p:cNvSpPr>
-          <p:nvPr>
-            <p:ph type="title"/>
-          </p:nvPr>
-        </p:nvSpPr>
-        <p:spPr>
-          <a:xfrm>
-            <a:off x="1995678" y="433574"/>
-            <a:ext cx="8610600" cy="1293028"/>
-          </a:xfrm>
-        </p:spPr>
-        <p:txBody>
-          <a:bodyPr/>
-          <a:lstStyle/>
-          <a:p>
-            <a:pPr algn="ctr"/>
-            <a:r>
-              <a:rPr lang="ru-RU" b="1" dirty="0" smtClean="0">
-                <a:latin typeface="Areal"/>
-                <a:cs typeface="Times New Roman" panose="02020603050405020304" pitchFamily="18" charset="0"/>
-              </a:rPr>
-              <a:t>Введение</a:t>
-            </a:r>
-            <a:endParaRPr lang="ru-RU" b="1" dirty="0">
-              <a:latin typeface="Areal"/>
-              <a:cs typeface="Times New Roman" panose="02020603050405020304" pitchFamily="18" charset="0"/>
-            </a:endParaRPr>
-          </a:p>
-        </p:txBody>
-      </p:sp>
-      <p:sp>
-        <p:nvSpPr>
-          <p:cNvPr id="6" name="Объект 5"/>
-          <p:cNvSpPr>
-            <a:spLocks noGrp="1"/>
-          </p:cNvSpPr>
-          <p:nvPr>
-            <p:ph idx="1"/>
-          </p:nvPr>
-        </p:nvSpPr>
-        <p:spPr>
-          <a:xfrm>
-            <a:off x="6508897" y="3355996"/>
-            <a:ext cx="4997303" cy="789776"/>
-          </a:xfrm>
-        </p:spPr>
-        <p:txBody>
-          <a:bodyPr>
-            <a:noAutofit/>
-          </a:bodyPr>
-          <a:lstStyle/>
-          <a:p>
-            <a:pPr marL="0" indent="0">
-              <a:buNone/>
-            </a:pPr>
-            <a:r>
-              <a:rPr lang="ru-RU" sz="3200" dirty="0" smtClean="0"/>
-              <a:t>Это не Баг – это </a:t>
-            </a:r>
-            <a:r>
-              <a:rPr lang="ru-RU" sz="3200" dirty="0" err="1" smtClean="0"/>
-              <a:t>Фича</a:t>
-            </a:r>
-            <a:r>
-              <a:rPr lang="ru-RU" sz="3200" dirty="0" smtClean="0"/>
-              <a:t>!</a:t>
-            </a:r>
-            <a:endParaRPr lang="ru-RU" sz="3200" dirty="0"/>
-          </a:p>
-        </p:txBody>
-      </p:sp>
-      <p:sp>
-        <p:nvSpPr>
-          <p:cNvPr id="5" name="Номер слайда 4"/>
-          <p:cNvSpPr>
-            <a:spLocks noGrp="1"/>
-          </p:cNvSpPr>
-          <p:nvPr>
-            <p:ph type="sldNum" sz="quarter" idx="12"/>
-          </p:nvPr>
-        </p:nvSpPr>
-        <p:spPr/>
-        <p:txBody>
-          <a:bodyPr/>
-          <a:lstStyle/>
-          <a:p>
-            <a:fld id="{56BE2FE7-2BDA-41F3-A8F8-8456B6B69E41}" type="slidenum">
-              <a:rPr lang="ru-RU" sz="1400" smtClean="0"/>
-              <a:pPr/>
-              <a:t>2</a:t>
-            </a:fld>
-            <a:endParaRPr lang="ru-RU" sz="1400" dirty="0"/>
-          </a:p>
-        </p:txBody>
-      </p:sp>
-      <p:pic>
-        <p:nvPicPr>
-          <p:cNvPr id="7" name="Рисунок 6"/>
-          <p:cNvPicPr>
-            <a:picLocks noChangeAspect="1"/>
-          </p:cNvPicPr>
-          <p:nvPr/>
-        </p:nvPicPr>
-        <p:blipFill>
-          <a:blip r:embed="rId2">
-            <a:extLst>
-              <a:ext uri="{28A0092B-C50C-407E-A947-70E740481C1C}">
-                <a14:useLocalDpi xmlns:a14="http://schemas.microsoft.com/office/drawing/2010/main" val="0"/>
-              </a:ext>
-            </a:extLst>
-          </a:blip>
-          <a:stretch>
-            <a:fillRect/>
-          </a:stretch>
-        </p:blipFill>
-        <p:spPr>
-          <a:xfrm>
-            <a:off x="321856" y="1545847"/>
-            <a:ext cx="5876925" cy="4410075"/>
-          </a:xfrm>
-          <a:prstGeom prst="rect">
-            <a:avLst/>
-          </a:prstGeom>
-        </p:spPr>
-      </p:pic>
-    </p:spTree>
-    <p:extLst>
-      <p:ext uri="{BB962C8B-B14F-4D97-AF65-F5344CB8AC3E}">
-        <p14:creationId xmlns:p14="http://schemas.microsoft.com/office/powerpoint/2010/main" val="513498043"/>
-      </p:ext>
-    </p:extLst>
-  </p:cSld>
-  <p:clrMapOvr>
-    <a:masterClrMapping/>
-  </p:clrMapOvr>
-  <p:timing>
-    <p:tnLst>
-      <p:par>
-        <p:cTn id="1" dur="indefinite" restart="never" nodeType="tmRoot"/>
-      </p:par>
-    </p:tnLst>
-  </p:timing>
-</p:sld>
-</file>
-
-<file path=ppt/slides/slide3.xml><?xml version="1.0" encoding="utf-8"?>
-<p:sld xmlns:a="http://schemas.openxmlformats.org/drawingml/2006/main" xmlns:r="http://schemas.openxmlformats.org/officeDocument/2006/relationships" xmlns:p="http://schemas.openxmlformats.org/presentationml/2006/main">
-  <p:cSld>
-    <p:spTree>
-      <p:nvGrpSpPr>
-        <p:cNvPr id="1" name=""/>
-        <p:cNvGrpSpPr/>
-        <p:nvPr/>
-      </p:nvGrpSpPr>
-      <p:grpSpPr>
-        <a:xfrm>
-          <a:off x="0" y="0"/>
-          <a:ext cx="0" cy="0"/>
-          <a:chOff x="0" y="0"/>
-          <a:chExt cx="0" cy="0"/>
-        </a:xfrm>
-      </p:grpSpPr>
-      <p:sp>
-        <p:nvSpPr>
           <p:cNvPr id="2" name="Заголовок 1"/>
           <p:cNvSpPr>
             <a:spLocks noGrp="1"/>
@@ -8985,19 +8721,53 @@
         </p:nvSpPr>
         <p:spPr>
           <a:xfrm>
-            <a:off x="7239353" y="592213"/>
-            <a:ext cx="4605317" cy="747490"/>
+            <a:off x="1503804" y="329899"/>
+            <a:ext cx="10533321" cy="1280890"/>
           </a:xfrm>
         </p:spPr>
         <p:txBody>
-          <a:bodyPr/>
+          <a:bodyPr>
+            <a:normAutofit/>
+          </a:bodyPr>
           <a:lstStyle/>
           <a:p>
-            <a:r>
-              <a:rPr lang="ru-RU" dirty="0" smtClean="0"/>
-              <a:t>Виды тестирования</a:t>
-            </a:r>
-            <a:endParaRPr lang="ru-RU" dirty="0"/>
+            <a:pPr algn="r"/>
+            <a:r>
+              <a:rPr lang="ru-RU" sz="3200" b="1" dirty="0" smtClean="0">
+                <a:latin typeface="Areal"/>
+              </a:rPr>
+              <a:t>Оценка </a:t>
+            </a:r>
+            <a:r>
+              <a:rPr lang="ru-RU" sz="3200" b="1" dirty="0">
+                <a:latin typeface="Areal"/>
+              </a:rPr>
+              <a:t>общего покрытия программы </a:t>
+            </a:r>
+            <a:r>
+              <a:rPr lang="en-US" sz="3200" b="1" dirty="0">
+                <a:latin typeface="Areal"/>
+              </a:rPr>
+              <a:t>Alpha</a:t>
+            </a:r>
+            <a:r>
+              <a:rPr lang="ru-RU" sz="3200" b="1" dirty="0">
+                <a:latin typeface="Areal"/>
+              </a:rPr>
+              <a:t>.</a:t>
+            </a:r>
+            <a:r>
+              <a:rPr lang="en-US" sz="3200" b="1" dirty="0">
+                <a:latin typeface="Areal"/>
+              </a:rPr>
+              <a:t>Alarms </a:t>
+            </a:r>
+            <a:r>
+              <a:rPr lang="ru-RU" sz="3200" b="1" dirty="0">
+                <a:latin typeface="Areal"/>
+              </a:rPr>
+              <a:t>автоматизированными тестами</a:t>
+            </a:r>
           </a:p>
         </p:txBody>
       </p:sp>
@@ -9019,1197 +8789,7 @@
             <a:fld id="{56BE2FE7-2BDA-41F3-A8F8-8456B6B69E41}" type="slidenum">
               <a:rPr lang="ru-RU" smtClean="0"/>
               <a:pPr/>
-              <a:t>3</a:t>
-            </a:fld>
-            <a:endParaRPr lang="ru-RU" dirty="0"/>
-          </a:p>
-        </p:txBody>
-      </p:sp>
-      <p:pic>
-        <p:nvPicPr>
-          <p:cNvPr id="3" name="Рисунок 2"/>
-          <p:cNvPicPr>
-            <a:picLocks noChangeAspect="1"/>
-          </p:cNvPicPr>
-          <p:nvPr/>
-        </p:nvPicPr>
-        <p:blipFill>
-          <a:blip r:embed="rId2">
-            <a:extLst>
-              <a:ext uri="{28A0092B-C50C-407E-A947-70E740481C1C}">
-                <a14:useLocalDpi xmlns:a14="http://schemas.microsoft.com/office/drawing/2010/main" val="0"/>
-              </a:ext>
-            </a:extLst>
-          </a:blip>
-          <a:stretch>
-            <a:fillRect/>
-          </a:stretch>
-        </p:blipFill>
-        <p:spPr>
-          <a:xfrm>
-            <a:off x="3463104" y="1339702"/>
-            <a:ext cx="6978068" cy="5674811"/>
-          </a:xfrm>
-          <a:prstGeom prst="rect">
-            <a:avLst/>
-          </a:prstGeom>
-        </p:spPr>
-      </p:pic>
-    </p:spTree>
-    <p:extLst>
-      <p:ext uri="{BB962C8B-B14F-4D97-AF65-F5344CB8AC3E}">
-        <p14:creationId xmlns:p14="http://schemas.microsoft.com/office/powerpoint/2010/main" val="1655694987"/>
-      </p:ext>
-    </p:extLst>
-  </p:cSld>
-  <p:clrMapOvr>
-    <a:masterClrMapping/>
-  </p:clrMapOvr>
-</p:sld>
-</file>
-
-<file path=ppt/slides/slide4.xml><?xml version="1.0" encoding="utf-8"?>
-<p:sld xmlns:a="http://schemas.openxmlformats.org/drawingml/2006/main" xmlns:r="http://schemas.openxmlformats.org/officeDocument/2006/relationships" xmlns:p="http://schemas.openxmlformats.org/presentationml/2006/main">
-  <p:cSld>
-    <p:spTree>
-      <p:nvGrpSpPr>
-        <p:cNvPr id="1" name=""/>
-        <p:cNvGrpSpPr/>
-        <p:nvPr/>
-      </p:nvGrpSpPr>
-      <p:grpSpPr>
-        <a:xfrm>
-          <a:off x="0" y="0"/>
-          <a:ext cx="0" cy="0"/>
-          <a:chOff x="0" y="0"/>
-          <a:chExt cx="0" cy="0"/>
-        </a:xfrm>
-      </p:grpSpPr>
-      <p:sp>
-        <p:nvSpPr>
-          <p:cNvPr id="5" name="Номер слайда 4"/>
-          <p:cNvSpPr>
-            <a:spLocks noGrp="1"/>
-          </p:cNvSpPr>
-          <p:nvPr>
-            <p:ph type="sldNum" sz="quarter" idx="12"/>
-          </p:nvPr>
-        </p:nvSpPr>
-        <p:spPr/>
-        <p:txBody>
-          <a:bodyPr/>
-          <a:lstStyle/>
-          <a:p>
-            <a:fld id="{56BE2FE7-2BDA-41F3-A8F8-8456B6B69E41}" type="slidenum">
-              <a:rPr lang="ru-RU" sz="1400" smtClean="0"/>
-              <a:pPr/>
-              <a:t>4</a:t>
-            </a:fld>
-            <a:endParaRPr lang="ru-RU" sz="1400" dirty="0"/>
-          </a:p>
-        </p:txBody>
-      </p:sp>
-      <p:sp>
-        <p:nvSpPr>
-          <p:cNvPr id="8" name="Прямоугольник 7"/>
-          <p:cNvSpPr/>
-          <p:nvPr/>
-        </p:nvSpPr>
-        <p:spPr>
-          <a:xfrm>
-            <a:off x="6523074" y="2424948"/>
-            <a:ext cx="4726173" cy="2862322"/>
-          </a:xfrm>
-          <a:prstGeom prst="rect">
-            <a:avLst/>
-          </a:prstGeom>
-        </p:spPr>
-        <p:txBody>
-          <a:bodyPr wrap="square">
-            <a:spAutoFit/>
-          </a:bodyPr>
-          <a:lstStyle/>
-          <a:p>
-            <a:pPr indent="450215" algn="just">
-              <a:lnSpc>
-                <a:spcPct val="150000"/>
-              </a:lnSpc>
-              <a:spcAft>
-                <a:spcPts val="0"/>
-              </a:spcAft>
-            </a:pPr>
-            <a:r>
-              <a:rPr lang="ru-RU" sz="2000" dirty="0" smtClean="0">
-                <a:latin typeface="Times New Roman" panose="02020603050405020304" pitchFamily="18" charset="0"/>
-                <a:ea typeface="Calibri" panose="020F0502020204030204" pitchFamily="34" charset="0"/>
-                <a:cs typeface="Times New Roman" panose="02020603050405020304" pitchFamily="18" charset="0"/>
-              </a:rPr>
-              <a:t>Тестирование </a:t>
-            </a:r>
-            <a:r>
-              <a:rPr lang="ru-RU" sz="2000" dirty="0">
-                <a:latin typeface="Times New Roman" panose="02020603050405020304" pitchFamily="18" charset="0"/>
-                <a:ea typeface="Calibri" panose="020F0502020204030204" pitchFamily="34" charset="0"/>
-                <a:cs typeface="Times New Roman" panose="02020603050405020304" pitchFamily="18" charset="0"/>
-              </a:rPr>
-              <a:t>программного обеспечения - проверка соответствия между реальным и ожидаемым поведением программы, осуществляемая на конечном наборе тестов, выбранном определенным образом.</a:t>
-            </a:r>
-            <a:endParaRPr lang="ru-RU" sz="1600" dirty="0">
-              <a:effectLst/>
-              <a:latin typeface="Calibri" panose="020F0502020204030204" pitchFamily="34" charset="0"/>
-              <a:ea typeface="Calibri" panose="020F0502020204030204" pitchFamily="34" charset="0"/>
-              <a:cs typeface="Times New Roman" panose="02020603050405020304" pitchFamily="18" charset="0"/>
-            </a:endParaRPr>
-          </a:p>
-        </p:txBody>
-      </p:sp>
-      <p:pic>
-        <p:nvPicPr>
-          <p:cNvPr id="9" name="Рисунок 8"/>
-          <p:cNvPicPr>
-            <a:picLocks noChangeAspect="1"/>
-          </p:cNvPicPr>
-          <p:nvPr/>
-        </p:nvPicPr>
-        <p:blipFill>
-          <a:blip r:embed="rId2">
-            <a:extLst>
-              <a:ext uri="{28A0092B-C50C-407E-A947-70E740481C1C}">
-                <a14:useLocalDpi xmlns:a14="http://schemas.microsoft.com/office/drawing/2010/main" val="0"/>
-              </a:ext>
-            </a:extLst>
-          </a:blip>
-          <a:stretch>
-            <a:fillRect/>
-          </a:stretch>
-        </p:blipFill>
-        <p:spPr>
-          <a:xfrm>
-            <a:off x="245353" y="1997219"/>
-            <a:ext cx="6163887" cy="3717781"/>
-          </a:xfrm>
-          <a:prstGeom prst="rect">
-            <a:avLst/>
-          </a:prstGeom>
-        </p:spPr>
-      </p:pic>
-    </p:spTree>
-    <p:extLst>
-      <p:ext uri="{BB962C8B-B14F-4D97-AF65-F5344CB8AC3E}">
-        <p14:creationId xmlns:p14="http://schemas.microsoft.com/office/powerpoint/2010/main" val="3440656355"/>
-      </p:ext>
-    </p:extLst>
-  </p:cSld>
-  <p:clrMapOvr>
-    <a:masterClrMapping/>
-  </p:clrMapOvr>
-  <p:timing>
-    <p:tnLst>
-      <p:par>
-        <p:cTn id="1" dur="indefinite" restart="never" nodeType="tmRoot"/>
-      </p:par>
-    </p:tnLst>
-  </p:timing>
-</p:sld>
-</file>
-
-<file path=ppt/slides/slide5.xml><?xml version="1.0" encoding="utf-8"?>
-<p:sld xmlns:a="http://schemas.openxmlformats.org/drawingml/2006/main" xmlns:r="http://schemas.openxmlformats.org/officeDocument/2006/relationships" xmlns:p="http://schemas.openxmlformats.org/presentationml/2006/main">
-  <p:cSld>
-    <p:spTree>
-      <p:nvGrpSpPr>
-        <p:cNvPr id="1" name=""/>
-        <p:cNvGrpSpPr/>
-        <p:nvPr/>
-      </p:nvGrpSpPr>
-      <p:grpSpPr>
-        <a:xfrm>
-          <a:off x="0" y="0"/>
-          <a:ext cx="0" cy="0"/>
-          <a:chOff x="0" y="0"/>
-          <a:chExt cx="0" cy="0"/>
-        </a:xfrm>
-      </p:grpSpPr>
-      <p:sp>
-        <p:nvSpPr>
-          <p:cNvPr id="2" name="Заголовок 1"/>
-          <p:cNvSpPr>
-            <a:spLocks noGrp="1"/>
-          </p:cNvSpPr>
-          <p:nvPr>
-            <p:ph type="title"/>
-          </p:nvPr>
-        </p:nvSpPr>
-        <p:spPr/>
-        <p:txBody>
-          <a:bodyPr/>
-          <a:lstStyle/>
-          <a:p>
-            <a:r>
-              <a:rPr lang="ru-RU" b="1" dirty="0">
-                <a:latin typeface="Areal"/>
-              </a:rPr>
-              <a:t>Непрерывная интеграция</a:t>
-            </a:r>
-          </a:p>
-        </p:txBody>
-      </p:sp>
-      <p:pic>
-        <p:nvPicPr>
-          <p:cNvPr id="5" name="Объект 4" descr="C:\Users\Sergey\Desktop\1.png"/>
-          <p:cNvPicPr>
-            <a:picLocks noGrp="1"/>
-          </p:cNvPicPr>
-          <p:nvPr>
-            <p:ph idx="1"/>
-          </p:nvPr>
-        </p:nvPicPr>
-        <p:blipFill>
-          <a:blip r:embed="rId2" cstate="print">
-            <a:extLst>
-              <a:ext uri="{28A0092B-C50C-407E-A947-70E740481C1C}">
-                <a14:useLocalDpi xmlns:a14="http://schemas.microsoft.com/office/drawing/2010/main" val="0"/>
-              </a:ext>
-            </a:extLst>
-          </a:blip>
-          <a:srcRect/>
-          <a:stretch>
-            <a:fillRect/>
-          </a:stretch>
-        </p:blipFill>
-        <p:spPr bwMode="auto">
-          <a:xfrm>
-            <a:off x="463953" y="1929810"/>
-            <a:ext cx="5224801" cy="3150676"/>
-          </a:xfrm>
-          <a:prstGeom prst="rect">
-            <a:avLst/>
-          </a:prstGeom>
-          <a:noFill/>
-          <a:ln>
-            <a:noFill/>
-          </a:ln>
-        </p:spPr>
-      </p:pic>
-      <p:sp>
-        <p:nvSpPr>
-          <p:cNvPr id="4" name="Номер слайда 3"/>
-          <p:cNvSpPr>
-            <a:spLocks noGrp="1"/>
-          </p:cNvSpPr>
-          <p:nvPr>
-            <p:ph type="sldNum" sz="quarter" idx="12"/>
-          </p:nvPr>
-        </p:nvSpPr>
-        <p:spPr/>
-        <p:txBody>
-          <a:bodyPr/>
-          <a:lstStyle/>
-          <a:p>
-            <a:fld id="{56BE2FE7-2BDA-41F3-A8F8-8456B6B69E41}" type="slidenum">
-              <a:rPr lang="ru-RU" smtClean="0"/>
-              <a:pPr/>
-              <a:t>5</a:t>
-            </a:fld>
-            <a:endParaRPr lang="ru-RU" dirty="0"/>
-          </a:p>
-        </p:txBody>
-      </p:sp>
-      <p:sp>
-        <p:nvSpPr>
-          <p:cNvPr id="6" name="Прямоугольник 5"/>
-          <p:cNvSpPr/>
-          <p:nvPr/>
-        </p:nvSpPr>
-        <p:spPr>
-          <a:xfrm>
-            <a:off x="1430838" y="4470990"/>
-            <a:ext cx="3291029" cy="369332"/>
-          </a:xfrm>
-          <a:prstGeom prst="rect">
-            <a:avLst/>
-          </a:prstGeom>
-        </p:spPr>
-        <p:txBody>
-          <a:bodyPr wrap="none">
-            <a:spAutoFit/>
-          </a:bodyPr>
-          <a:lstStyle/>
-          <a:p>
-            <a:r>
-              <a:rPr lang="ru-RU" dirty="0" smtClean="0">
-                <a:latin typeface="Calibri" panose="020F0502020204030204" pitchFamily="34" charset="0"/>
-                <a:cs typeface="Times New Roman" panose="02020603050405020304" pitchFamily="18" charset="0"/>
-              </a:rPr>
-              <a:t>Схематичное представление </a:t>
-            </a:r>
-            <a:r>
-              <a:rPr lang="en-US" dirty="0" smtClean="0">
-                <a:latin typeface="Calibri" panose="020F0502020204030204" pitchFamily="34" charset="0"/>
-                <a:cs typeface="Times New Roman" panose="02020603050405020304" pitchFamily="18" charset="0"/>
-              </a:rPr>
-              <a:t>CI</a:t>
-            </a:r>
-            <a:endParaRPr lang="ru-RU" dirty="0"/>
-          </a:p>
-        </p:txBody>
-      </p:sp>
-      <p:pic>
-        <p:nvPicPr>
-          <p:cNvPr id="7" name="Рисунок 6"/>
-          <p:cNvPicPr>
-            <a:picLocks noChangeAspect="1"/>
-          </p:cNvPicPr>
-          <p:nvPr/>
-        </p:nvPicPr>
-        <p:blipFill>
-          <a:blip r:embed="rId3" cstate="print">
-            <a:extLst>
-              <a:ext uri="{28A0092B-C50C-407E-A947-70E740481C1C}">
-                <a14:useLocalDpi xmlns:a14="http://schemas.microsoft.com/office/drawing/2010/main" val="0"/>
-              </a:ext>
-            </a:extLst>
-          </a:blip>
-          <a:stretch>
-            <a:fillRect/>
-          </a:stretch>
-        </p:blipFill>
-        <p:spPr>
-          <a:xfrm>
-            <a:off x="7955973" y="2202975"/>
-            <a:ext cx="3550227" cy="852054"/>
-          </a:xfrm>
-          <a:prstGeom prst="rect">
-            <a:avLst/>
-          </a:prstGeom>
-        </p:spPr>
-      </p:pic>
-      <p:pic>
-        <p:nvPicPr>
-          <p:cNvPr id="8" name="Рисунок 7"/>
-          <p:cNvPicPr>
-            <a:picLocks noChangeAspect="1"/>
-          </p:cNvPicPr>
-          <p:nvPr/>
-        </p:nvPicPr>
-        <p:blipFill>
-          <a:blip r:embed="rId4">
-            <a:extLst>
-              <a:ext uri="{28A0092B-C50C-407E-A947-70E740481C1C}">
-                <a14:useLocalDpi xmlns:a14="http://schemas.microsoft.com/office/drawing/2010/main" val="0"/>
-              </a:ext>
-            </a:extLst>
-          </a:blip>
-          <a:stretch>
-            <a:fillRect/>
-          </a:stretch>
-        </p:blipFill>
-        <p:spPr>
-          <a:xfrm>
-            <a:off x="7955973" y="2880542"/>
-            <a:ext cx="3550227" cy="1775114"/>
-          </a:xfrm>
-          <a:prstGeom prst="rect">
-            <a:avLst/>
-          </a:prstGeom>
-        </p:spPr>
-      </p:pic>
-      <p:pic>
-        <p:nvPicPr>
-          <p:cNvPr id="9" name="Рисунок 8"/>
-          <p:cNvPicPr>
-            <a:picLocks noChangeAspect="1"/>
-          </p:cNvPicPr>
-          <p:nvPr/>
-        </p:nvPicPr>
-        <p:blipFill>
-          <a:blip r:embed="rId5" cstate="print">
-            <a:extLst>
-              <a:ext uri="{28A0092B-C50C-407E-A947-70E740481C1C}">
-                <a14:useLocalDpi xmlns:a14="http://schemas.microsoft.com/office/drawing/2010/main" val="0"/>
-              </a:ext>
-            </a:extLst>
-          </a:blip>
-          <a:stretch>
-            <a:fillRect/>
-          </a:stretch>
-        </p:blipFill>
-        <p:spPr>
-          <a:xfrm>
-            <a:off x="7955973" y="4655656"/>
-            <a:ext cx="3550227" cy="1046899"/>
-          </a:xfrm>
-          <a:prstGeom prst="rect">
-            <a:avLst/>
-          </a:prstGeom>
-        </p:spPr>
-      </p:pic>
-    </p:spTree>
-    <p:extLst>
-      <p:ext uri="{BB962C8B-B14F-4D97-AF65-F5344CB8AC3E}">
-        <p14:creationId xmlns:p14="http://schemas.microsoft.com/office/powerpoint/2010/main" val="2256130010"/>
-      </p:ext>
-    </p:extLst>
-  </p:cSld>
-  <p:clrMapOvr>
-    <a:masterClrMapping/>
-  </p:clrMapOvr>
-</p:sld>
-</file>
-
-<file path=ppt/slides/slide6.xml><?xml version="1.0" encoding="utf-8"?>
-<p:sld xmlns:a="http://schemas.openxmlformats.org/drawingml/2006/main" xmlns:r="http://schemas.openxmlformats.org/officeDocument/2006/relationships" xmlns:p="http://schemas.openxmlformats.org/presentationml/2006/main">
-  <p:cSld>
-    <p:spTree>
-      <p:nvGrpSpPr>
-        <p:cNvPr id="1" name=""/>
-        <p:cNvGrpSpPr/>
-        <p:nvPr/>
-      </p:nvGrpSpPr>
-      <p:grpSpPr>
-        <a:xfrm>
-          <a:off x="0" y="0"/>
-          <a:ext cx="0" cy="0"/>
-          <a:chOff x="0" y="0"/>
-          <a:chExt cx="0" cy="0"/>
-        </a:xfrm>
-      </p:grpSpPr>
-      <p:sp>
-        <p:nvSpPr>
-          <p:cNvPr id="2" name="Заголовок 1"/>
-          <p:cNvSpPr>
-            <a:spLocks noGrp="1"/>
-          </p:cNvSpPr>
-          <p:nvPr>
-            <p:ph type="title"/>
-          </p:nvPr>
-        </p:nvSpPr>
-        <p:spPr>
-          <a:xfrm>
-            <a:off x="1839433" y="764373"/>
-            <a:ext cx="9666767" cy="1293028"/>
-          </a:xfrm>
-        </p:spPr>
-        <p:txBody>
-          <a:bodyPr>
-            <a:normAutofit/>
-          </a:bodyPr>
-          <a:lstStyle/>
-          <a:p>
-            <a:r>
-              <a:rPr lang="ru-RU" sz="3200" b="1" dirty="0" smtClean="0">
-                <a:latin typeface="Areal"/>
-              </a:rPr>
-              <a:t>фреймворки </a:t>
-            </a:r>
-            <a:r>
-              <a:rPr lang="ru-RU" sz="3200" b="1" dirty="0">
-                <a:latin typeface="Areal"/>
-              </a:rPr>
-              <a:t>автоматизированного тестирования</a:t>
-            </a:r>
-          </a:p>
-        </p:txBody>
-      </p:sp>
-      <p:sp>
-        <p:nvSpPr>
-          <p:cNvPr id="3" name="Объект 2"/>
-          <p:cNvSpPr>
-            <a:spLocks noGrp="1"/>
-          </p:cNvSpPr>
-          <p:nvPr>
-            <p:ph idx="1"/>
-          </p:nvPr>
-        </p:nvSpPr>
-        <p:spPr>
-          <a:xfrm>
-            <a:off x="4897583" y="2430620"/>
-            <a:ext cx="6192175" cy="3079456"/>
-          </a:xfrm>
-        </p:spPr>
-        <p:txBody>
-          <a:bodyPr>
-            <a:normAutofit/>
-          </a:bodyPr>
-          <a:lstStyle/>
-          <a:p>
-            <a:pPr marL="0" indent="0">
-              <a:buNone/>
-            </a:pPr>
-            <a:r>
-              <a:rPr lang="ru-RU" dirty="0">
-                <a:latin typeface="Areal"/>
-              </a:rPr>
-              <a:t> </a:t>
-            </a:r>
-            <a:r>
-              <a:rPr lang="ru-RU" dirty="0" smtClean="0">
-                <a:latin typeface="Areal"/>
-              </a:rPr>
-              <a:t>  Фреймворк </a:t>
-            </a:r>
-            <a:r>
-              <a:rPr lang="ru-RU" dirty="0">
-                <a:latin typeface="Areal"/>
-              </a:rPr>
-              <a:t>автоматизированного тестирования (англ. Test </a:t>
-            </a:r>
-            <a:r>
-              <a:rPr lang="ru-RU" dirty="0" err="1">
-                <a:latin typeface="Areal"/>
-              </a:rPr>
-              <a:t>automation</a:t>
-            </a:r>
-            <a:r>
-              <a:rPr lang="ru-RU" dirty="0">
-                <a:latin typeface="Areal"/>
-              </a:rPr>
-              <a:t> </a:t>
-            </a:r>
-            <a:r>
-              <a:rPr lang="ru-RU" dirty="0" err="1">
-                <a:latin typeface="Areal"/>
-              </a:rPr>
-              <a:t>framework</a:t>
-            </a:r>
-            <a:r>
-              <a:rPr lang="ru-RU" dirty="0">
-                <a:latin typeface="Areal"/>
-              </a:rPr>
-              <a:t>) - это набор предположений, концепций и инструментов, которые обеспечивают поддержку для автоматизированного тестирования программного обеспечения. </a:t>
-            </a:r>
-          </a:p>
-        </p:txBody>
-      </p:sp>
-      <p:sp>
-        <p:nvSpPr>
-          <p:cNvPr id="4" name="Номер слайда 3"/>
-          <p:cNvSpPr>
-            <a:spLocks noGrp="1"/>
-          </p:cNvSpPr>
-          <p:nvPr>
-            <p:ph type="sldNum" sz="quarter" idx="12"/>
-          </p:nvPr>
-        </p:nvSpPr>
-        <p:spPr/>
-        <p:txBody>
-          <a:bodyPr/>
-          <a:lstStyle/>
-          <a:p>
-            <a:fld id="{56BE2FE7-2BDA-41F3-A8F8-8456B6B69E41}" type="slidenum">
-              <a:rPr lang="ru-RU" smtClean="0"/>
-              <a:pPr/>
-              <a:t>6</a:t>
-            </a:fld>
-            <a:endParaRPr lang="ru-RU" dirty="0"/>
-          </a:p>
-        </p:txBody>
-      </p:sp>
-      <p:pic>
-        <p:nvPicPr>
-          <p:cNvPr id="5" name="Рисунок 4"/>
-          <p:cNvPicPr>
-            <a:picLocks noChangeAspect="1"/>
-          </p:cNvPicPr>
-          <p:nvPr/>
-        </p:nvPicPr>
-        <p:blipFill>
-          <a:blip r:embed="rId2" cstate="print">
-            <a:extLst>
-              <a:ext uri="{28A0092B-C50C-407E-A947-70E740481C1C}">
-                <a14:useLocalDpi xmlns:a14="http://schemas.microsoft.com/office/drawing/2010/main" val="0"/>
-              </a:ext>
-            </a:extLst>
-          </a:blip>
-          <a:stretch>
-            <a:fillRect/>
-          </a:stretch>
-        </p:blipFill>
-        <p:spPr>
-          <a:xfrm>
-            <a:off x="1701652" y="1978319"/>
-            <a:ext cx="2338277" cy="1228509"/>
-          </a:xfrm>
-          <a:prstGeom prst="rect">
-            <a:avLst/>
-          </a:prstGeom>
-        </p:spPr>
-      </p:pic>
-      <p:pic>
-        <p:nvPicPr>
-          <p:cNvPr id="6" name="Рисунок 5"/>
-          <p:cNvPicPr>
-            <a:picLocks noChangeAspect="1"/>
-          </p:cNvPicPr>
-          <p:nvPr/>
-        </p:nvPicPr>
-        <p:blipFill>
-          <a:blip r:embed="rId3">
-            <a:extLst>
-              <a:ext uri="{28A0092B-C50C-407E-A947-70E740481C1C}">
-                <a14:useLocalDpi xmlns:a14="http://schemas.microsoft.com/office/drawing/2010/main" val="0"/>
-              </a:ext>
-            </a:extLst>
-          </a:blip>
-          <a:stretch>
-            <a:fillRect/>
-          </a:stretch>
-        </p:blipFill>
-        <p:spPr>
-          <a:xfrm>
-            <a:off x="904487" y="3127746"/>
-            <a:ext cx="1869889" cy="777874"/>
-          </a:xfrm>
-          <a:prstGeom prst="rect">
-            <a:avLst/>
-          </a:prstGeom>
-        </p:spPr>
-      </p:pic>
-      <p:pic>
-        <p:nvPicPr>
-          <p:cNvPr id="7" name="Рисунок 6"/>
-          <p:cNvPicPr>
-            <a:picLocks noChangeAspect="1"/>
-          </p:cNvPicPr>
-          <p:nvPr/>
-        </p:nvPicPr>
-        <p:blipFill>
-          <a:blip r:embed="rId4">
-            <a:extLst>
-              <a:ext uri="{28A0092B-C50C-407E-A947-70E740481C1C}">
-                <a14:useLocalDpi xmlns:a14="http://schemas.microsoft.com/office/drawing/2010/main" val="0"/>
-              </a:ext>
-            </a:extLst>
-          </a:blip>
-          <a:stretch>
-            <a:fillRect/>
-          </a:stretch>
-        </p:blipFill>
-        <p:spPr>
-          <a:xfrm>
-            <a:off x="2059901" y="3970348"/>
-            <a:ext cx="1428949" cy="1428949"/>
-          </a:xfrm>
-          <a:prstGeom prst="rect">
-            <a:avLst/>
-          </a:prstGeom>
-        </p:spPr>
-      </p:pic>
-    </p:spTree>
-    <p:extLst>
-      <p:ext uri="{BB962C8B-B14F-4D97-AF65-F5344CB8AC3E}">
-        <p14:creationId xmlns:p14="http://schemas.microsoft.com/office/powerpoint/2010/main" val="4009514463"/>
-      </p:ext>
-    </p:extLst>
-  </p:cSld>
-  <p:clrMapOvr>
-    <a:masterClrMapping/>
-  </p:clrMapOvr>
-</p:sld>
-</file>
-
-<file path=ppt/slides/slide7.xml><?xml version="1.0" encoding="utf-8"?>
-<p:sld xmlns:a="http://schemas.openxmlformats.org/drawingml/2006/main" xmlns:r="http://schemas.openxmlformats.org/officeDocument/2006/relationships" xmlns:p="http://schemas.openxmlformats.org/presentationml/2006/main">
-  <p:cSld>
-    <p:spTree>
-      <p:nvGrpSpPr>
-        <p:cNvPr id="1" name=""/>
-        <p:cNvGrpSpPr/>
-        <p:nvPr/>
-      </p:nvGrpSpPr>
-      <p:grpSpPr>
-        <a:xfrm>
-          <a:off x="0" y="0"/>
-          <a:ext cx="0" cy="0"/>
-          <a:chOff x="0" y="0"/>
-          <a:chExt cx="0" cy="0"/>
-        </a:xfrm>
-      </p:grpSpPr>
-      <p:sp>
-        <p:nvSpPr>
-          <p:cNvPr id="2" name="Заголовок 1"/>
-          <p:cNvSpPr>
-            <a:spLocks noGrp="1"/>
-          </p:cNvSpPr>
-          <p:nvPr>
-            <p:ph type="title"/>
-          </p:nvPr>
-        </p:nvSpPr>
-        <p:spPr>
-          <a:xfrm>
-            <a:off x="3859619" y="764373"/>
-            <a:ext cx="7646581" cy="1293028"/>
-          </a:xfrm>
-        </p:spPr>
-        <p:txBody>
-          <a:bodyPr>
-            <a:normAutofit/>
-          </a:bodyPr>
-          <a:lstStyle/>
-          <a:p>
-            <a:r>
-              <a:rPr lang="ru-RU" b="1" dirty="0">
-                <a:latin typeface="Areal"/>
-              </a:rPr>
-              <a:t>Обзор систем контроля версий</a:t>
-            </a:r>
-          </a:p>
-        </p:txBody>
-      </p:sp>
-      <p:sp>
-        <p:nvSpPr>
-          <p:cNvPr id="3" name="Объект 2"/>
-          <p:cNvSpPr>
-            <a:spLocks noGrp="1"/>
-          </p:cNvSpPr>
-          <p:nvPr>
-            <p:ph idx="1"/>
-          </p:nvPr>
-        </p:nvSpPr>
-        <p:spPr>
-          <a:xfrm>
-            <a:off x="5443870" y="2194560"/>
-            <a:ext cx="6062330" cy="4024125"/>
-          </a:xfrm>
-        </p:spPr>
-        <p:txBody>
-          <a:bodyPr>
-            <a:normAutofit/>
-          </a:bodyPr>
-          <a:lstStyle/>
-          <a:p>
-            <a:pPr marL="0" indent="0">
-              <a:buNone/>
-            </a:pPr>
-            <a:r>
-              <a:rPr lang="ru-RU" dirty="0">
-                <a:latin typeface="Areal"/>
-              </a:rPr>
-              <a:t> </a:t>
-            </a:r>
-            <a:r>
-              <a:rPr lang="ru-RU" dirty="0" smtClean="0">
-                <a:latin typeface="Areal"/>
-              </a:rPr>
-              <a:t>  Системы </a:t>
-            </a:r>
-            <a:r>
-              <a:rPr lang="ru-RU" dirty="0">
-                <a:latin typeface="Areal"/>
-              </a:rPr>
-              <a:t>контроля версий стали неотъемлемой частью жизни не только разработчиков программного обеспечения, но и всех людей, столкнувшихся с проблемой управления интенсивно изменяющейся информацией, и желающих облегчить себе жизнь. Вследствие этого, появилось большое число различных продуктов, предлагающих широкие возможности и предоставляющих обширные инструменты для управления версиями. </a:t>
-            </a:r>
-          </a:p>
-        </p:txBody>
-      </p:sp>
-      <p:sp>
-        <p:nvSpPr>
-          <p:cNvPr id="4" name="Номер слайда 3"/>
-          <p:cNvSpPr>
-            <a:spLocks noGrp="1"/>
-          </p:cNvSpPr>
-          <p:nvPr>
-            <p:ph type="sldNum" sz="quarter" idx="12"/>
-          </p:nvPr>
-        </p:nvSpPr>
-        <p:spPr/>
-        <p:txBody>
-          <a:bodyPr/>
-          <a:lstStyle/>
-          <a:p>
-            <a:fld id="{56BE2FE7-2BDA-41F3-A8F8-8456B6B69E41}" type="slidenum">
-              <a:rPr lang="ru-RU" smtClean="0"/>
-              <a:pPr/>
-              <a:t>7</a:t>
-            </a:fld>
-            <a:endParaRPr lang="ru-RU" dirty="0"/>
-          </a:p>
-        </p:txBody>
-      </p:sp>
-      <p:pic>
-        <p:nvPicPr>
-          <p:cNvPr id="5" name="Рисунок 4"/>
-          <p:cNvPicPr>
-            <a:picLocks noChangeAspect="1"/>
-          </p:cNvPicPr>
-          <p:nvPr/>
-        </p:nvPicPr>
-        <p:blipFill>
-          <a:blip r:embed="rId2" cstate="print">
-            <a:extLst>
-              <a:ext uri="{28A0092B-C50C-407E-A947-70E740481C1C}">
-                <a14:useLocalDpi xmlns:a14="http://schemas.microsoft.com/office/drawing/2010/main" val="0"/>
-              </a:ext>
-            </a:extLst>
-          </a:blip>
-          <a:stretch>
-            <a:fillRect/>
-          </a:stretch>
-        </p:blipFill>
-        <p:spPr>
-          <a:xfrm>
-            <a:off x="346265" y="1690157"/>
-            <a:ext cx="1634934" cy="1634934"/>
-          </a:xfrm>
-          <a:prstGeom prst="rect">
-            <a:avLst/>
-          </a:prstGeom>
-        </p:spPr>
-      </p:pic>
-      <p:pic>
-        <p:nvPicPr>
-          <p:cNvPr id="6" name="Рисунок 5"/>
-          <p:cNvPicPr>
-            <a:picLocks noChangeAspect="1"/>
-          </p:cNvPicPr>
-          <p:nvPr/>
-        </p:nvPicPr>
-        <p:blipFill>
-          <a:blip r:embed="rId3" cstate="print">
-            <a:extLst>
-              <a:ext uri="{28A0092B-C50C-407E-A947-70E740481C1C}">
-                <a14:useLocalDpi xmlns:a14="http://schemas.microsoft.com/office/drawing/2010/main" val="0"/>
-              </a:ext>
-            </a:extLst>
-          </a:blip>
-          <a:stretch>
-            <a:fillRect/>
-          </a:stretch>
-        </p:blipFill>
-        <p:spPr>
-          <a:xfrm>
-            <a:off x="1724841" y="3681940"/>
-            <a:ext cx="2992632" cy="1049364"/>
-          </a:xfrm>
-          <a:prstGeom prst="rect">
-            <a:avLst/>
-          </a:prstGeom>
-        </p:spPr>
-      </p:pic>
-      <p:pic>
-        <p:nvPicPr>
-          <p:cNvPr id="7" name="Рисунок 6"/>
-          <p:cNvPicPr>
-            <a:picLocks noChangeAspect="1"/>
-          </p:cNvPicPr>
-          <p:nvPr/>
-        </p:nvPicPr>
-        <p:blipFill>
-          <a:blip r:embed="rId4" cstate="print">
-            <a:extLst>
-              <a:ext uri="{28A0092B-C50C-407E-A947-70E740481C1C}">
-                <a14:useLocalDpi xmlns:a14="http://schemas.microsoft.com/office/drawing/2010/main" val="0"/>
-              </a:ext>
-            </a:extLst>
-          </a:blip>
-          <a:stretch>
-            <a:fillRect/>
-          </a:stretch>
-        </p:blipFill>
-        <p:spPr>
-          <a:xfrm>
-            <a:off x="459500" y="4949630"/>
-            <a:ext cx="1408464" cy="1690157"/>
-          </a:xfrm>
-          <a:prstGeom prst="rect">
-            <a:avLst/>
-          </a:prstGeom>
-        </p:spPr>
-      </p:pic>
-    </p:spTree>
-    <p:extLst>
-      <p:ext uri="{BB962C8B-B14F-4D97-AF65-F5344CB8AC3E}">
-        <p14:creationId xmlns:p14="http://schemas.microsoft.com/office/powerpoint/2010/main" val="3942641751"/>
-      </p:ext>
-    </p:extLst>
-  </p:cSld>
-  <p:clrMapOvr>
-    <a:masterClrMapping/>
-  </p:clrMapOvr>
-</p:sld>
-</file>
-
-<file path=ppt/slides/slide8.xml><?xml version="1.0" encoding="utf-8"?>
-<p:sld xmlns:a="http://schemas.openxmlformats.org/drawingml/2006/main" xmlns:r="http://schemas.openxmlformats.org/officeDocument/2006/relationships" xmlns:p="http://schemas.openxmlformats.org/presentationml/2006/main">
-  <p:cSld>
-    <p:spTree>
-      <p:nvGrpSpPr>
-        <p:cNvPr id="1" name=""/>
-        <p:cNvGrpSpPr/>
-        <p:nvPr/>
-      </p:nvGrpSpPr>
-      <p:grpSpPr>
-        <a:xfrm>
-          <a:off x="0" y="0"/>
-          <a:ext cx="0" cy="0"/>
-          <a:chOff x="0" y="0"/>
-          <a:chExt cx="0" cy="0"/>
-        </a:xfrm>
-      </p:grpSpPr>
-      <p:sp>
-        <p:nvSpPr>
-          <p:cNvPr id="2" name="Заголовок 1"/>
-          <p:cNvSpPr>
-            <a:spLocks noGrp="1"/>
-          </p:cNvSpPr>
-          <p:nvPr>
-            <p:ph type="title"/>
-          </p:nvPr>
-        </p:nvSpPr>
-        <p:spPr/>
-        <p:txBody>
-          <a:bodyPr/>
-          <a:lstStyle/>
-          <a:p>
-            <a:r>
-              <a:rPr lang="en-US" b="1" dirty="0">
-                <a:latin typeface="Areal"/>
-              </a:rPr>
-              <a:t>Alpha.Alarms</a:t>
-            </a:r>
-            <a:endParaRPr lang="ru-RU" b="1" dirty="0">
-              <a:latin typeface="Areal"/>
-            </a:endParaRPr>
-          </a:p>
-        </p:txBody>
-      </p:sp>
-      <p:pic>
-        <p:nvPicPr>
-          <p:cNvPr id="5" name="Объект 4"/>
-          <p:cNvPicPr>
-            <a:picLocks noGrp="1" noChangeAspect="1"/>
-          </p:cNvPicPr>
-          <p:nvPr>
-            <p:ph idx="1"/>
-          </p:nvPr>
-        </p:nvPicPr>
-        <p:blipFill>
-          <a:blip r:embed="rId2">
-            <a:extLst>
-              <a:ext uri="{28A0092B-C50C-407E-A947-70E740481C1C}">
-                <a14:useLocalDpi xmlns:a14="http://schemas.microsoft.com/office/drawing/2010/main" val="0"/>
-              </a:ext>
-            </a:extLst>
-          </a:blip>
-          <a:stretch>
-            <a:fillRect/>
-          </a:stretch>
-        </p:blipFill>
-        <p:spPr>
-          <a:xfrm>
-            <a:off x="226827" y="2075649"/>
-            <a:ext cx="7041565" cy="3740360"/>
-          </a:xfrm>
-        </p:spPr>
-      </p:pic>
-      <p:sp>
-        <p:nvSpPr>
-          <p:cNvPr id="4" name="Номер слайда 3"/>
-          <p:cNvSpPr>
-            <a:spLocks noGrp="1"/>
-          </p:cNvSpPr>
-          <p:nvPr>
-            <p:ph type="sldNum" sz="quarter" idx="12"/>
-          </p:nvPr>
-        </p:nvSpPr>
-        <p:spPr/>
-        <p:txBody>
-          <a:bodyPr/>
-          <a:lstStyle/>
-          <a:p>
-            <a:fld id="{56BE2FE7-2BDA-41F3-A8F8-8456B6B69E41}" type="slidenum">
-              <a:rPr lang="ru-RU" smtClean="0"/>
-              <a:pPr/>
-              <a:t>8</a:t>
-            </a:fld>
-            <a:endParaRPr lang="ru-RU" dirty="0"/>
-          </a:p>
-        </p:txBody>
-      </p:sp>
-      <p:sp>
-        <p:nvSpPr>
-          <p:cNvPr id="6" name="Прямоугольник 5"/>
-          <p:cNvSpPr/>
-          <p:nvPr/>
-        </p:nvSpPr>
-        <p:spPr>
-          <a:xfrm>
-            <a:off x="2736242" y="5816009"/>
-            <a:ext cx="1818639" cy="338554"/>
-          </a:xfrm>
-          <a:prstGeom prst="rect">
-            <a:avLst/>
-          </a:prstGeom>
-        </p:spPr>
-        <p:txBody>
-          <a:bodyPr wrap="none">
-            <a:spAutoFit/>
-          </a:bodyPr>
-          <a:lstStyle/>
-          <a:p>
-            <a:r>
-              <a:rPr lang="ru-RU" sz="1600" dirty="0" smtClean="0">
-                <a:latin typeface="Areal"/>
-              </a:rPr>
-              <a:t>Стартовый экран</a:t>
-            </a:r>
-            <a:endParaRPr lang="ru-RU" sz="1600" dirty="0"/>
-          </a:p>
-        </p:txBody>
-      </p:sp>
-      <p:sp>
-        <p:nvSpPr>
-          <p:cNvPr id="7" name="Прямоугольник 6"/>
-          <p:cNvSpPr/>
-          <p:nvPr/>
-        </p:nvSpPr>
-        <p:spPr>
-          <a:xfrm>
-            <a:off x="7268392" y="2057401"/>
-            <a:ext cx="4746399" cy="2585323"/>
-          </a:xfrm>
-          <a:prstGeom prst="rect">
-            <a:avLst/>
-          </a:prstGeom>
-        </p:spPr>
-        <p:txBody>
-          <a:bodyPr wrap="square">
-            <a:spAutoFit/>
-          </a:bodyPr>
-          <a:lstStyle/>
-          <a:p>
-            <a:pPr indent="228600" algn="just">
-              <a:lnSpc>
-                <a:spcPct val="150000"/>
-              </a:lnSpc>
-              <a:spcAft>
-                <a:spcPts val="0"/>
-              </a:spcAft>
-            </a:pPr>
-            <a:r>
-              <a:rPr lang="ru-RU" dirty="0" smtClean="0">
-                <a:latin typeface="Areal"/>
-                <a:ea typeface="Calibri" panose="020F0502020204030204" pitchFamily="34" charset="0"/>
-                <a:cs typeface="Times New Roman" panose="02020603050405020304" pitchFamily="18" charset="0"/>
-              </a:rPr>
-              <a:t>Приложение </a:t>
-            </a:r>
-            <a:r>
-              <a:rPr lang="ru-RU" dirty="0">
-                <a:latin typeface="Areal"/>
-                <a:ea typeface="Calibri" panose="020F0502020204030204" pitchFamily="34" charset="0"/>
-                <a:cs typeface="Times New Roman" panose="02020603050405020304" pitchFamily="18" charset="0"/>
-              </a:rPr>
-              <a:t>Alpha.Alarms используется в пунктах автоматизации и мониторинга технологических процессов. Применяется для отслеживания событий и тревог, которые появляются при изменении состояний технологических объектов. </a:t>
-            </a:r>
-            <a:endParaRPr lang="ru-RU" sz="1400" dirty="0">
-              <a:effectLst/>
-              <a:latin typeface="Areal"/>
-              <a:ea typeface="Calibri" panose="020F0502020204030204" pitchFamily="34" charset="0"/>
-              <a:cs typeface="Times New Roman" panose="02020603050405020304" pitchFamily="18" charset="0"/>
-            </a:endParaRPr>
-          </a:p>
-        </p:txBody>
-      </p:sp>
-    </p:spTree>
-    <p:extLst>
-      <p:ext uri="{BB962C8B-B14F-4D97-AF65-F5344CB8AC3E}">
-        <p14:creationId xmlns:p14="http://schemas.microsoft.com/office/powerpoint/2010/main" val="2956321876"/>
-      </p:ext>
-    </p:extLst>
-  </p:cSld>
-  <p:clrMapOvr>
-    <a:masterClrMapping/>
-  </p:clrMapOvr>
-</p:sld>
-</file>
-
-<file path=ppt/slides/slide9.xml><?xml version="1.0" encoding="utf-8"?>
-<p:sld xmlns:a="http://schemas.openxmlformats.org/drawingml/2006/main" xmlns:r="http://schemas.openxmlformats.org/officeDocument/2006/relationships" xmlns:p="http://schemas.openxmlformats.org/presentationml/2006/main">
-  <p:cSld>
-    <p:spTree>
-      <p:nvGrpSpPr>
-        <p:cNvPr id="1" name=""/>
-        <p:cNvGrpSpPr/>
-        <p:nvPr/>
-      </p:nvGrpSpPr>
-      <p:grpSpPr>
-        <a:xfrm>
-          <a:off x="0" y="0"/>
-          <a:ext cx="0" cy="0"/>
-          <a:chOff x="0" y="0"/>
-          <a:chExt cx="0" cy="0"/>
-        </a:xfrm>
-      </p:grpSpPr>
-      <p:sp>
-        <p:nvSpPr>
-          <p:cNvPr id="2" name="Заголовок 1"/>
-          <p:cNvSpPr>
-            <a:spLocks noGrp="1"/>
-          </p:cNvSpPr>
-          <p:nvPr>
-            <p:ph type="title"/>
-          </p:nvPr>
-        </p:nvSpPr>
-        <p:spPr>
-          <a:xfrm>
-            <a:off x="1780251" y="329899"/>
-            <a:ext cx="10533321" cy="1280890"/>
-          </a:xfrm>
-        </p:spPr>
-        <p:txBody>
-          <a:bodyPr>
-            <a:normAutofit fontScale="90000"/>
-          </a:bodyPr>
-          <a:lstStyle/>
-          <a:p>
-            <a:pPr algn="ctr"/>
-            <a:r>
-              <a:rPr lang="ru-RU" dirty="0" smtClean="0"/>
-              <a:t>Оценка </a:t>
-            </a:r>
-            <a:r>
-              <a:rPr lang="ru-RU" dirty="0"/>
-              <a:t>общего покрытия программы </a:t>
-            </a:r>
-            <a:r>
-              <a:rPr lang="en-US" dirty="0"/>
-              <a:t>Alpha</a:t>
-            </a:r>
-            <a:r>
-              <a:rPr lang="ru-RU" dirty="0"/>
-              <a:t>.</a:t>
-            </a:r>
-            <a:r>
-              <a:rPr lang="en-US" dirty="0"/>
-              <a:t>Alarms </a:t>
-            </a:r>
-            <a:r>
-              <a:rPr lang="ru-RU" dirty="0"/>
-              <a:t>автоматизированными тестами</a:t>
-            </a:r>
-          </a:p>
-        </p:txBody>
-      </p:sp>
-      <p:sp>
-        <p:nvSpPr>
-          <p:cNvPr id="4" name="Номер слайда 3"/>
-          <p:cNvSpPr>
-            <a:spLocks noGrp="1"/>
-          </p:cNvSpPr>
-          <p:nvPr>
-            <p:ph type="sldNum" sz="quarter" idx="12"/>
-          </p:nvPr>
-        </p:nvSpPr>
-        <p:spPr/>
-        <p:txBody>
-          <a:bodyPr/>
-          <a:lstStyle/>
-          <a:p>
-            <a:fld id="{56BE2FE7-2BDA-41F3-A8F8-8456B6B69E41}" type="slidenum">
-              <a:rPr lang="ru-RU" smtClean="0"/>
-              <a:pPr/>
-              <a:t>9</a:t>
+              <a:t>11</a:t>
             </a:fld>
             <a:endParaRPr lang="ru-RU" dirty="0"/>
           </a:p>
@@ -10224,7 +8804,7 @@
           <p:nvPr>
             <p:extLst>
               <p:ext uri="{D42A27DB-BD31-4B8C-83A1-F6EECF244321}">
-                <p14:modId xmlns:p14="http://schemas.microsoft.com/office/powerpoint/2010/main" val="472665641"/>
+                <p14:modId xmlns:p14="http://schemas.microsoft.com/office/powerpoint/2010/main" val="2410803823"/>
               </p:ext>
             </p:extLst>
           </p:nvPr>
@@ -10293,12 +8873,177 @@
                       <a:r>
                         <a:rPr lang="ru-RU" sz="900" dirty="0">
                           <a:effectLst/>
+                          <a:latin typeface="Areal"/>
                         </a:rPr>
                         <a:t>Имя параметра</a:t>
                       </a:r>
                       <a:endParaRPr lang="ru-RU" sz="800" dirty="0">
                         <a:effectLst/>
-                        <a:latin typeface="Calibri" panose="020F0502020204030204" pitchFamily="34" charset="0"/>
+                        <a:latin typeface="Areal"/>
+                        <a:ea typeface="Calibri" panose="020F0502020204030204" pitchFamily="34" charset="0"/>
+                        <a:cs typeface="Times New Roman" panose="02020603050405020304" pitchFamily="18" charset="0"/>
+                      </a:endParaRPr>
+                    </a:p>
+                  </a:txBody>
+                  <a:tcPr marL="50437" marR="50437" marT="0" marB="0"/>
+                </a:tc>
+                <a:tc>
+                  <a:txBody>
+                    <a:bodyPr/>
+                    <a:lstStyle/>
+                    <a:p>
+                      <a:pPr algn="ctr">
+                        <a:lnSpc>
+                          <a:spcPct val="107000"/>
+                        </a:lnSpc>
+                        <a:spcAft>
+                          <a:spcPts val="0"/>
+                        </a:spcAft>
+                      </a:pPr>
+                      <a:r>
+                        <a:rPr lang="ru-RU" sz="900" dirty="0">
+                          <a:effectLst/>
+                          <a:latin typeface="Areal"/>
+                        </a:rPr>
+                        <a:t>Общее количество </a:t>
+                      </a:r>
+                      <a:r>
+                        <a:rPr lang="ru-RU" sz="900" dirty="0" smtClean="0">
+                          <a:effectLst/>
+                          <a:latin typeface="Areal"/>
+                        </a:rPr>
+                        <a:t>свойств</a:t>
+                      </a:r>
+                      <a:endParaRPr lang="ru-RU" sz="800" dirty="0">
+                        <a:effectLst/>
+                        <a:latin typeface="Areal"/>
+                        <a:ea typeface="Calibri" panose="020F0502020204030204" pitchFamily="34" charset="0"/>
+                        <a:cs typeface="Times New Roman" panose="02020603050405020304" pitchFamily="18" charset="0"/>
+                      </a:endParaRPr>
+                    </a:p>
+                  </a:txBody>
+                  <a:tcPr marL="50437" marR="50437" marT="0" marB="0"/>
+                </a:tc>
+                <a:tc>
+                  <a:txBody>
+                    <a:bodyPr/>
+                    <a:lstStyle/>
+                    <a:p>
+                      <a:pPr algn="ctr">
+                        <a:lnSpc>
+                          <a:spcPct val="107000"/>
+                        </a:lnSpc>
+                        <a:spcAft>
+                          <a:spcPts val="0"/>
+                        </a:spcAft>
+                      </a:pPr>
+                      <a:r>
+                        <a:rPr lang="ru-RU" sz="900" dirty="0">
+                          <a:effectLst/>
+                          <a:latin typeface="Areal"/>
+                        </a:rPr>
+                        <a:t>Количество покрытых свойств</a:t>
+                      </a:r>
+                      <a:endParaRPr lang="ru-RU" sz="800" dirty="0">
+                        <a:effectLst/>
+                        <a:latin typeface="Areal"/>
+                        <a:ea typeface="Calibri" panose="020F0502020204030204" pitchFamily="34" charset="0"/>
+                        <a:cs typeface="Times New Roman" panose="02020603050405020304" pitchFamily="18" charset="0"/>
+                      </a:endParaRPr>
+                    </a:p>
+                  </a:txBody>
+                  <a:tcPr marL="50437" marR="50437" marT="0" marB="0"/>
+                </a:tc>
+                <a:tc>
+                  <a:txBody>
+                    <a:bodyPr/>
+                    <a:lstStyle/>
+                    <a:p>
+                      <a:pPr algn="ctr">
+                        <a:lnSpc>
+                          <a:spcPct val="107000"/>
+                        </a:lnSpc>
+                        <a:spcAft>
+                          <a:spcPts val="0"/>
+                        </a:spcAft>
+                      </a:pPr>
+                      <a:r>
+                        <a:rPr lang="ru-RU" sz="900" dirty="0">
+                          <a:effectLst/>
+                          <a:latin typeface="Areal"/>
+                        </a:rPr>
+                        <a:t>Количество непокрытых свойств</a:t>
+                      </a:r>
+                      <a:endParaRPr lang="ru-RU" sz="800" dirty="0">
+                        <a:effectLst/>
+                        <a:latin typeface="Areal"/>
+                        <a:ea typeface="Calibri" panose="020F0502020204030204" pitchFamily="34" charset="0"/>
+                        <a:cs typeface="Times New Roman" panose="02020603050405020304" pitchFamily="18" charset="0"/>
+                      </a:endParaRPr>
+                    </a:p>
+                  </a:txBody>
+                  <a:tcPr marL="50437" marR="50437" marT="0" marB="0"/>
+                </a:tc>
+                <a:tc>
+                  <a:txBody>
+                    <a:bodyPr/>
+                    <a:lstStyle/>
+                    <a:p>
+                      <a:pPr algn="ctr">
+                        <a:lnSpc>
+                          <a:spcPct val="107000"/>
+                        </a:lnSpc>
+                        <a:spcAft>
+                          <a:spcPts val="0"/>
+                        </a:spcAft>
+                      </a:pPr>
+                      <a:r>
+                        <a:rPr lang="ru-RU" sz="900" dirty="0">
+                          <a:effectLst/>
+                          <a:latin typeface="Areal"/>
+                        </a:rPr>
+                        <a:t>Процент покрытия</a:t>
+                      </a:r>
+                      <a:endParaRPr lang="ru-RU" sz="800" dirty="0">
+                        <a:effectLst/>
+                        <a:latin typeface="Areal"/>
+                        <a:ea typeface="Calibri" panose="020F0502020204030204" pitchFamily="34" charset="0"/>
+                        <a:cs typeface="Times New Roman" panose="02020603050405020304" pitchFamily="18" charset="0"/>
+                      </a:endParaRPr>
+                    </a:p>
+                  </a:txBody>
+                  <a:tcPr marL="50437" marR="50437" marT="0" marB="0"/>
+                </a:tc>
+                <a:extLst>
+                  <a:ext uri="{0D108BD9-81ED-4DB2-BD59-A6C34878D82A}">
+                    <a16:rowId xmlns:a16="http://schemas.microsoft.com/office/drawing/2014/main" val="2861019163"/>
+                  </a:ext>
+                </a:extLst>
+              </a:tr>
+              <a:tr h="304187">
+                <a:tc>
+                  <a:txBody>
+                    <a:bodyPr/>
+                    <a:lstStyle/>
+                    <a:p>
+                      <a:pPr algn="l">
+                        <a:lnSpc>
+                          <a:spcPct val="107000"/>
+                        </a:lnSpc>
+                        <a:spcAft>
+                          <a:spcPts val="0"/>
+                        </a:spcAft>
+                      </a:pPr>
+                      <a:r>
+                        <a:rPr lang="ru-RU" sz="900" dirty="0">
+                          <a:effectLst/>
+                          <a:latin typeface="Areal"/>
+                        </a:rPr>
+                        <a:t>Общие параметры</a:t>
+                      </a:r>
+                      <a:endParaRPr lang="ru-RU" sz="800" dirty="0">
+                        <a:effectLst/>
+                        <a:latin typeface="Areal"/>
                         <a:ea typeface="Calibri" panose="020F0502020204030204" pitchFamily="34" charset="0"/>
                         <a:cs typeface="Times New Roman" panose="02020603050405020304" pitchFamily="18" charset="0"/>
                       </a:endParaRPr>
@@ -10322,12 +9067,13 @@
                       <a:r>
                         <a:rPr lang="ru-RU" sz="900">
                           <a:effectLst/>
+                          <a:latin typeface="Areal"/>
                         </a:rPr>
-                        <a:t>Общее количество свойств</a:t>
+                        <a:t>18</a:t>
                       </a:r>
                       <a:endParaRPr lang="ru-RU" sz="800">
                         <a:effectLst/>
-                        <a:latin typeface="Calibri" panose="020F0502020204030204" pitchFamily="34" charset="0"/>
+                        <a:latin typeface="Areal"/>
                         <a:ea typeface="Calibri" panose="020F0502020204030204" pitchFamily="34" charset="0"/>
                         <a:cs typeface="Times New Roman" panose="02020603050405020304" pitchFamily="18" charset="0"/>
                       </a:endParaRPr>
@@ -10351,12 +9097,140 @@
                       <a:r>
                         <a:rPr lang="ru-RU" sz="900">
                           <a:effectLst/>
+                          <a:latin typeface="Areal"/>
                         </a:rPr>
-                        <a:t>Количество покрытых свойств</a:t>
+                        <a:t>13</a:t>
                       </a:r>
                       <a:endParaRPr lang="ru-RU" sz="800">
                         <a:effectLst/>
-                        <a:latin typeface="Calibri" panose="020F0502020204030204" pitchFamily="34" charset="0"/>
+                        <a:latin typeface="Areal"/>
+                        <a:ea typeface="Calibri" panose="020F0502020204030204" pitchFamily="34" charset="0"/>
+                        <a:cs typeface="Times New Roman" panose="02020603050405020304" pitchFamily="18" charset="0"/>
+                      </a:endParaRPr>
+                    </a:p>
+                  </a:txBody>
+                  <a:tcPr marL="50437" marR="50437" marT="0" marB="0"/>
+                </a:tc>
+                <a:tc>
+                  <a:txBody>
+                    <a:bodyPr/>
+                    <a:lstStyle/>
+                    <a:p>
+                      <a:pPr algn="ctr">
+                        <a:lnSpc>
+                          <a:spcPct val="107000"/>
+                        </a:lnSpc>
+                        <a:spcAft>
+                          <a:spcPts val="0"/>
+                        </a:spcAft>
+                      </a:pPr>
+                      <a:r>
+                        <a:rPr lang="ru-RU" sz="900" dirty="0">
+                          <a:effectLst/>
+                          <a:latin typeface="Areal"/>
+                        </a:rPr>
+                        <a:t>5</a:t>
+                      </a:r>
+                      <a:endParaRPr lang="ru-RU" sz="800" dirty="0">
+                        <a:effectLst/>
+                        <a:latin typeface="Areal"/>
+                        <a:ea typeface="Calibri" panose="020F0502020204030204" pitchFamily="34" charset="0"/>
+                        <a:cs typeface="Times New Roman" panose="02020603050405020304" pitchFamily="18" charset="0"/>
+                      </a:endParaRPr>
+                    </a:p>
+                  </a:txBody>
+                  <a:tcPr marL="50437" marR="50437" marT="0" marB="0"/>
+                </a:tc>
+                <a:tc>
+                  <a:txBody>
+                    <a:bodyPr/>
+                    <a:lstStyle/>
+                    <a:p>
+                      <a:pPr algn="ctr">
+                        <a:lnSpc>
+                          <a:spcPct val="107000"/>
+                        </a:lnSpc>
+                        <a:spcAft>
+                          <a:spcPts val="0"/>
+                        </a:spcAft>
+                      </a:pPr>
+                      <a:r>
+                        <a:rPr lang="ru-RU" sz="900" dirty="0">
+                          <a:effectLst/>
+                          <a:latin typeface="Areal"/>
+                        </a:rPr>
+                        <a:t>72.5%</a:t>
+                      </a:r>
+                      <a:endParaRPr lang="ru-RU" sz="800" dirty="0">
+                        <a:effectLst/>
+                        <a:latin typeface="Areal"/>
+                        <a:ea typeface="Calibri" panose="020F0502020204030204" pitchFamily="34" charset="0"/>
+                        <a:cs typeface="Times New Roman" panose="02020603050405020304" pitchFamily="18" charset="0"/>
+                      </a:endParaRPr>
+                    </a:p>
+                  </a:txBody>
+                  <a:tcPr marL="50437" marR="50437" marT="0" marB="0"/>
+                </a:tc>
+                <a:extLst>
+                  <a:ext uri="{0D108BD9-81ED-4DB2-BD59-A6C34878D82A}">
+                    <a16:rowId xmlns:a16="http://schemas.microsoft.com/office/drawing/2014/main" val="4157536119"/>
+                  </a:ext>
+                </a:extLst>
+              </a:tr>
+              <a:tr h="153152">
+                <a:tc>
+                  <a:txBody>
+                    <a:bodyPr/>
+                    <a:lstStyle/>
+                    <a:p>
+                      <a:pPr algn="l">
+                        <a:lnSpc>
+                          <a:spcPct val="107000"/>
+                        </a:lnSpc>
+                        <a:spcAft>
+                          <a:spcPts val="0"/>
+                        </a:spcAft>
+                      </a:pPr>
+                      <a:r>
+                        <a:rPr lang="ru-RU" sz="900">
+                          <a:effectLst/>
+                          <a:latin typeface="Areal"/>
+                        </a:rPr>
+                        <a:t>Печать</a:t>
+                      </a:r>
+                      <a:endParaRPr lang="ru-RU" sz="800">
+                        <a:effectLst/>
+                        <a:latin typeface="Areal"/>
+                        <a:ea typeface="Calibri" panose="020F0502020204030204" pitchFamily="34" charset="0"/>
+                        <a:cs typeface="Times New Roman" panose="02020603050405020304" pitchFamily="18" charset="0"/>
+                      </a:endParaRPr>
+                    </a:p>
+                  </a:txBody>
+                  <a:tcPr marL="50437" marR="50437" marT="0" marB="0"/>
+                </a:tc>
+                <a:tc>
+                  <a:txBody>
+                    <a:bodyPr/>
+                    <a:lstStyle/>
+                    <a:p>
+                      <a:pPr algn="ctr">
+                        <a:lnSpc>
+                          <a:spcPct val="107000"/>
+                        </a:lnSpc>
+                        <a:spcAft>
+                          <a:spcPts val="0"/>
+                        </a:spcAft>
+                      </a:pPr>
+                      <a:r>
+                        <a:rPr lang="ru-RU" sz="900" dirty="0">
+                          <a:effectLst/>
+                          <a:latin typeface="Areal"/>
+                        </a:rPr>
+                        <a:t>11</a:t>
+                      </a:r>
+                      <a:endParaRPr lang="ru-RU" sz="800" dirty="0">
+                        <a:effectLst/>
+                        <a:latin typeface="Areal"/>
                         <a:ea typeface="Calibri" panose="020F0502020204030204" pitchFamily="34" charset="0"/>
                         <a:cs typeface="Times New Roman" panose="02020603050405020304" pitchFamily="18" charset="0"/>
                       </a:endParaRPr>
@@ -10380,12 +9254,13 @@
                       <a:r>
                         <a:rPr lang="ru-RU" sz="900">
                           <a:effectLst/>
+                          <a:latin typeface="Areal"/>
                         </a:rPr>
-                        <a:t>Количество непокрытых свойств</a:t>
+                        <a:t>0</a:t>
                       </a:r>
                       <a:endParaRPr lang="ru-RU" sz="800">
                         <a:effectLst/>
-                        <a:latin typeface="Calibri" panose="020F0502020204030204" pitchFamily="34" charset="0"/>
+                        <a:latin typeface="Areal"/>
                         <a:ea typeface="Calibri" panose="020F0502020204030204" pitchFamily="34" charset="0"/>
                         <a:cs typeface="Times New Roman" panose="02020603050405020304" pitchFamily="18" charset="0"/>
                       </a:endParaRPr>
@@ -10409,48 +9284,13 @@
                       <a:r>
                         <a:rPr lang="ru-RU" sz="900">
                           <a:effectLst/>
+                          <a:latin typeface="Areal"/>
                         </a:rPr>
-                        <a:t>Процент покрытия</a:t>
+                        <a:t>11</a:t>
                       </a:r>
                       <a:endParaRPr lang="ru-RU" sz="800">
                         <a:effectLst/>
-                        <a:latin typeface="Calibri" panose="020F0502020204030204" pitchFamily="34" charset="0"/>
-                        <a:ea typeface="Calibri" panose="020F0502020204030204" pitchFamily="34" charset="0"/>
-                        <a:cs typeface="Times New Roman" panose="02020603050405020304" pitchFamily="18" charset="0"/>
-                      </a:endParaRPr>
-                    </a:p>
-                  </a:txBody>
-                  <a:tcPr marL="50437" marR="50437" marT="0" marB="0"/>
-                </a:tc>
-                <a:extLst>
-                  <a:ext uri="{0D108BD9-81ED-4DB2-BD59-A6C34878D82A}">
-                    <a16:rowId xmlns:a16="http://schemas.microsoft.com/office/drawing/2014/main" val="2861019163"/>
-                  </a:ext>
-                </a:extLst>
-              </a:tr>
-              <a:tr h="304187">
-                <a:tc>
-                  <a:txBody>
-                    <a:bodyPr/>
-                    <a:lstStyle/>
-                    <a:p>
-                      <a:pPr>
-                        <a:lnSpc>
-                          <a:spcPct val="107000"/>
-                        </a:lnSpc>
-                        <a:spcAft>
-                          <a:spcPts val="0"/>
-                        </a:spcAft>
-                      </a:pPr>
-                      <a:r>
-                        <a:rPr lang="ru-RU" sz="900">
-                          <a:effectLst/>
-                        </a:rPr>
-                        <a:t>Общие параметры</a:t>
-                      </a:r>
-                      <a:endParaRPr lang="ru-RU" sz="800">
-                        <a:effectLst/>
-                        <a:latin typeface="Calibri" panose="020F0502020204030204" pitchFamily="34" charset="0"/>
+                        <a:latin typeface="Areal"/>
                         <a:ea typeface="Calibri" panose="020F0502020204030204" pitchFamily="34" charset="0"/>
                         <a:cs typeface="Times New Roman" panose="02020603050405020304" pitchFamily="18" charset="0"/>
                       </a:endParaRPr>
@@ -10474,12 +9314,80 @@
                       <a:r>
                         <a:rPr lang="ru-RU" sz="900">
                           <a:effectLst/>
+                          <a:latin typeface="Areal"/>
                         </a:rPr>
-                        <a:t>18</a:t>
+                        <a:t>0 %</a:t>
                       </a:r>
                       <a:endParaRPr lang="ru-RU" sz="800">
                         <a:effectLst/>
-                        <a:latin typeface="Calibri" panose="020F0502020204030204" pitchFamily="34" charset="0"/>
+                        <a:latin typeface="Areal"/>
+                        <a:ea typeface="Calibri" panose="020F0502020204030204" pitchFamily="34" charset="0"/>
+                        <a:cs typeface="Times New Roman" panose="02020603050405020304" pitchFamily="18" charset="0"/>
+                      </a:endParaRPr>
+                    </a:p>
+                  </a:txBody>
+                  <a:tcPr marL="50437" marR="50437" marT="0" marB="0"/>
+                </a:tc>
+                <a:extLst>
+                  <a:ext uri="{0D108BD9-81ED-4DB2-BD59-A6C34878D82A}">
+                    <a16:rowId xmlns:a16="http://schemas.microsoft.com/office/drawing/2014/main" val="871945241"/>
+                  </a:ext>
+                </a:extLst>
+              </a:tr>
+              <a:tr h="153152">
+                <a:tc>
+                  <a:txBody>
+                    <a:bodyPr/>
+                    <a:lstStyle/>
+                    <a:p>
+                      <a:pPr algn="l">
+                        <a:lnSpc>
+                          <a:spcPct val="107000"/>
+                        </a:lnSpc>
+                        <a:spcAft>
+                          <a:spcPts val="0"/>
+                        </a:spcAft>
+                      </a:pPr>
+                      <a:r>
+                        <a:rPr lang="ru-RU" sz="900" dirty="0">
+                          <a:effectLst/>
+                          <a:latin typeface="Areal"/>
+                        </a:rPr>
+                        <a:t>Вид таблицы</a:t>
+                      </a:r>
+                      <a:endParaRPr lang="ru-RU" sz="800" dirty="0">
+                        <a:effectLst/>
+                        <a:latin typeface="Areal"/>
+                        <a:ea typeface="Calibri" panose="020F0502020204030204" pitchFamily="34" charset="0"/>
+                        <a:cs typeface="Times New Roman" panose="02020603050405020304" pitchFamily="18" charset="0"/>
+                      </a:endParaRPr>
+                    </a:p>
+                  </a:txBody>
+                  <a:tcPr marL="50437" marR="50437" marT="0" marB="0"/>
+                </a:tc>
+                <a:tc>
+                  <a:txBody>
+                    <a:bodyPr/>
+                    <a:lstStyle/>
+                    <a:p>
+                      <a:pPr algn="ctr">
+                        <a:lnSpc>
+                          <a:spcPct val="107000"/>
+                        </a:lnSpc>
+                        <a:spcAft>
+                          <a:spcPts val="0"/>
+                        </a:spcAft>
+                      </a:pPr>
+                      <a:r>
+                        <a:rPr lang="ru-RU" sz="900" dirty="0">
+                          <a:effectLst/>
+                          <a:latin typeface="Areal"/>
+                        </a:rPr>
+                        <a:t>6</a:t>
+                      </a:r>
+                      <a:endParaRPr lang="ru-RU" sz="800" dirty="0">
+                        <a:effectLst/>
+                        <a:latin typeface="Areal"/>
                         <a:ea typeface="Calibri" panose="020F0502020204030204" pitchFamily="34" charset="0"/>
                         <a:cs typeface="Times New Roman" panose="02020603050405020304" pitchFamily="18" charset="0"/>
                       </a:endParaRPr>
@@ -10503,12 +9411,13 @@
                       <a:r>
                         <a:rPr lang="ru-RU" sz="900">
                           <a:effectLst/>
+                          <a:latin typeface="Areal"/>
                         </a:rPr>
-                        <a:t>13</a:t>
+                        <a:t>6</a:t>
                       </a:r>
                       <a:endParaRPr lang="ru-RU" sz="800">
                         <a:effectLst/>
-                        <a:latin typeface="Calibri" panose="020F0502020204030204" pitchFamily="34" charset="0"/>
+                        <a:latin typeface="Areal"/>
                         <a:ea typeface="Calibri" panose="020F0502020204030204" pitchFamily="34" charset="0"/>
                         <a:cs typeface="Times New Roman" panose="02020603050405020304" pitchFamily="18" charset="0"/>
                       </a:endParaRPr>
@@ -10532,12 +9441,13 @@
                       <a:r>
                         <a:rPr lang="ru-RU" sz="900">
                           <a:effectLst/>
+                          <a:latin typeface="Areal"/>
                         </a:rPr>
-                        <a:t>5</a:t>
+                        <a:t>0</a:t>
                       </a:r>
                       <a:endParaRPr lang="ru-RU" sz="800">
                         <a:effectLst/>
-                        <a:latin typeface="Calibri" panose="020F0502020204030204" pitchFamily="34" charset="0"/>
+                        <a:latin typeface="Areal"/>
                         <a:ea typeface="Calibri" panose="020F0502020204030204" pitchFamily="34" charset="0"/>
                         <a:cs typeface="Times New Roman" panose="02020603050405020304" pitchFamily="18" charset="0"/>
                       </a:endParaRPr>
@@ -10561,12 +9471,13 @@
                       <a:r>
                         <a:rPr lang="ru-RU" sz="900">
                           <a:effectLst/>
+                          <a:latin typeface="Areal"/>
                         </a:rPr>
-                        <a:t>72.5%</a:t>
+                        <a:t>100%</a:t>
                       </a:r>
                       <a:endParaRPr lang="ru-RU" sz="800">
                         <a:effectLst/>
-                        <a:latin typeface="Calibri" panose="020F0502020204030204" pitchFamily="34" charset="0"/>
+                        <a:latin typeface="Areal"/>
                         <a:ea typeface="Calibri" panose="020F0502020204030204" pitchFamily="34" charset="0"/>
                         <a:cs typeface="Times New Roman" panose="02020603050405020304" pitchFamily="18" charset="0"/>
                       </a:endParaRPr>
@@ -10576,17 +9487,17 @@
                 </a:tc>
                 <a:extLst>
                   <a:ext uri="{0D108BD9-81ED-4DB2-BD59-A6C34878D82A}">
-                    <a16:rowId xmlns:a16="http://schemas.microsoft.com/office/drawing/2014/main" val="4157536119"/>
+                    <a16:rowId xmlns:a16="http://schemas.microsoft.com/office/drawing/2014/main" val="712562999"/>
                   </a:ext>
                 </a:extLst>
               </a:tr>
-              <a:tr h="153152">
+              <a:tr h="304187">
                 <a:tc>
                   <a:txBody>
                     <a:bodyPr/>
                     <a:lstStyle/>
                     <a:p>
-                      <a:pPr>
+                      <a:pPr algn="l">
                         <a:lnSpc>
                           <a:spcPct val="107000"/>
                         </a:lnSpc>
@@ -10597,12 +9508,73 @@
                       <a:r>
                         <a:rPr lang="ru-RU" sz="900">
                           <a:effectLst/>
+                          <a:latin typeface="Areal"/>
                         </a:rPr>
-                        <a:t>Печать</a:t>
+                        <a:t>Настройка событий</a:t>
                       </a:r>
                       <a:endParaRPr lang="ru-RU" sz="800">
                         <a:effectLst/>
-                        <a:latin typeface="Calibri" panose="020F0502020204030204" pitchFamily="34" charset="0"/>
+                        <a:latin typeface="Areal"/>
+                        <a:ea typeface="Calibri" panose="020F0502020204030204" pitchFamily="34" charset="0"/>
+                        <a:cs typeface="Times New Roman" panose="02020603050405020304" pitchFamily="18" charset="0"/>
+                      </a:endParaRPr>
+                    </a:p>
+                  </a:txBody>
+                  <a:tcPr marL="50437" marR="50437" marT="0" marB="0"/>
+                </a:tc>
+                <a:tc>
+                  <a:txBody>
+                    <a:bodyPr/>
+                    <a:lstStyle/>
+                    <a:p>
+                      <a:pPr algn="ctr">
+                        <a:lnSpc>
+                          <a:spcPct val="107000"/>
+                        </a:lnSpc>
+                        <a:spcAft>
+                          <a:spcPts val="0"/>
+                        </a:spcAft>
+                      </a:pPr>
+                      <a:r>
+                        <a:rPr lang="ru-RU" sz="900" dirty="0">
+                          <a:effectLst/>
+                          <a:latin typeface="Areal"/>
+                        </a:rPr>
+                        <a:t>9</a:t>
+                      </a:r>
+                      <a:endParaRPr lang="ru-RU" sz="800" dirty="0">
+                        <a:effectLst/>
+                        <a:latin typeface="Areal"/>
+                        <a:ea typeface="Calibri" panose="020F0502020204030204" pitchFamily="34" charset="0"/>
+                        <a:cs typeface="Times New Roman" panose="02020603050405020304" pitchFamily="18" charset="0"/>
+                      </a:endParaRPr>
+                    </a:p>
+                  </a:txBody>
+                  <a:tcPr marL="50437" marR="50437" marT="0" marB="0"/>
+                </a:tc>
+                <a:tc>
+                  <a:txBody>
+                    <a:bodyPr/>
+                    <a:lstStyle/>
+                    <a:p>
+                      <a:pPr algn="ctr">
+                        <a:lnSpc>
+                          <a:spcPct val="107000"/>
+                        </a:lnSpc>
+                        <a:spcAft>
+                          <a:spcPts val="0"/>
+                        </a:spcAft>
+                      </a:pPr>
+                      <a:r>
+                        <a:rPr lang="ru-RU" sz="900" dirty="0">
+                          <a:effectLst/>
+                          <a:latin typeface="Areal"/>
+                        </a:rPr>
+                        <a:t>0</a:t>
+                      </a:r>
+                      <a:endParaRPr lang="ru-RU" sz="800" dirty="0">
+                        <a:effectLst/>
+                        <a:latin typeface="Areal"/>
                         <a:ea typeface="Calibri" panose="020F0502020204030204" pitchFamily="34" charset="0"/>
                         <a:cs typeface="Times New Roman" panose="02020603050405020304" pitchFamily="18" charset="0"/>
                       </a:endParaRPr>
@@ -10626,12 +9598,13 @@
                       <a:r>
                         <a:rPr lang="ru-RU" sz="900">
                           <a:effectLst/>
+                          <a:latin typeface="Areal"/>
                         </a:rPr>
-                        <a:t>11</a:t>
+                        <a:t>9</a:t>
                       </a:r>
                       <a:endParaRPr lang="ru-RU" sz="800">
                         <a:effectLst/>
-                        <a:latin typeface="Calibri" panose="020F0502020204030204" pitchFamily="34" charset="0"/>
+                        <a:latin typeface="Areal"/>
                         <a:ea typeface="Calibri" panose="020F0502020204030204" pitchFamily="34" charset="0"/>
                         <a:cs typeface="Times New Roman" panose="02020603050405020304" pitchFamily="18" charset="0"/>
                       </a:endParaRPr>
@@ -10655,12 +9628,50 @@
                       <a:r>
                         <a:rPr lang="ru-RU" sz="900">
                           <a:effectLst/>
+                          <a:latin typeface="Areal"/>
                         </a:rPr>
-                        <a:t>0</a:t>
+                        <a:t>0%</a:t>
                       </a:r>
                       <a:endParaRPr lang="ru-RU" sz="800">
                         <a:effectLst/>
-                        <a:latin typeface="Calibri" panose="020F0502020204030204" pitchFamily="34" charset="0"/>
+                        <a:latin typeface="Areal"/>
+                        <a:ea typeface="Calibri" panose="020F0502020204030204" pitchFamily="34" charset="0"/>
+                        <a:cs typeface="Times New Roman" panose="02020603050405020304" pitchFamily="18" charset="0"/>
+                      </a:endParaRPr>
+                    </a:p>
+                  </a:txBody>
+                  <a:tcPr marL="50437" marR="50437" marT="0" marB="0"/>
+                </a:tc>
+                <a:extLst>
+                  <a:ext uri="{0D108BD9-81ED-4DB2-BD59-A6C34878D82A}">
+                    <a16:rowId xmlns:a16="http://schemas.microsoft.com/office/drawing/2014/main" val="3369606792"/>
+                  </a:ext>
+                </a:extLst>
+              </a:tr>
+              <a:tr h="306304">
+                <a:tc>
+                  <a:txBody>
+                    <a:bodyPr/>
+                    <a:lstStyle/>
+                    <a:p>
+                      <a:pPr algn="l">
+                        <a:lnSpc>
+                          <a:spcPct val="107000"/>
+                        </a:lnSpc>
+                        <a:spcAft>
+                          <a:spcPts val="0"/>
+                        </a:spcAft>
+                      </a:pPr>
+                      <a:r>
+                        <a:rPr lang="ru-RU" sz="900">
+                          <a:effectLst/>
+                          <a:latin typeface="Areal"/>
+                        </a:rPr>
+                        <a:t>Предустановленный фильтр</a:t>
+                      </a:r>
+                      <a:endParaRPr lang="ru-RU" sz="800">
+                        <a:effectLst/>
+                        <a:latin typeface="Areal"/>
                         <a:ea typeface="Calibri" panose="020F0502020204030204" pitchFamily="34" charset="0"/>
                         <a:cs typeface="Times New Roman" panose="02020603050405020304" pitchFamily="18" charset="0"/>
                       </a:endParaRPr>
@@ -10684,12 +9695,43 @@
                       <a:r>
                         <a:rPr lang="ru-RU" sz="900">
                           <a:effectLst/>
+                          <a:latin typeface="Areal"/>
                         </a:rPr>
-                        <a:t>11</a:t>
+                        <a:t>5</a:t>
                       </a:r>
                       <a:endParaRPr lang="ru-RU" sz="800">
                         <a:effectLst/>
-                        <a:latin typeface="Calibri" panose="020F0502020204030204" pitchFamily="34" charset="0"/>
+                        <a:latin typeface="Areal"/>
+                        <a:ea typeface="Calibri" panose="020F0502020204030204" pitchFamily="34" charset="0"/>
+                        <a:cs typeface="Times New Roman" panose="02020603050405020304" pitchFamily="18" charset="0"/>
+                      </a:endParaRPr>
+                    </a:p>
+                  </a:txBody>
+                  <a:tcPr marL="50437" marR="50437" marT="0" marB="0"/>
+                </a:tc>
+                <a:tc>
+                  <a:txBody>
+                    <a:bodyPr/>
+                    <a:lstStyle/>
+                    <a:p>
+                      <a:pPr algn="ctr">
+                        <a:lnSpc>
+                          <a:spcPct val="107000"/>
+                        </a:lnSpc>
+                        <a:spcAft>
+                          <a:spcPts val="0"/>
+                        </a:spcAft>
+                      </a:pPr>
+                      <a:r>
+                        <a:rPr lang="ru-RU" sz="900" dirty="0">
+                          <a:effectLst/>
+                          <a:latin typeface="Areal"/>
+                        </a:rPr>
+                        <a:t>3</a:t>
+                      </a:r>
+                      <a:endParaRPr lang="ru-RU" sz="800" dirty="0">
+                        <a:effectLst/>
+                        <a:latin typeface="Areal"/>
                         <a:ea typeface="Calibri" panose="020F0502020204030204" pitchFamily="34" charset="0"/>
                         <a:cs typeface="Times New Roman" panose="02020603050405020304" pitchFamily="18" charset="0"/>
                       </a:endParaRPr>
@@ -10713,48 +9755,13 @@
                       <a:r>
                         <a:rPr lang="ru-RU" sz="900">
                           <a:effectLst/>
+                          <a:latin typeface="Areal"/>
                         </a:rPr>
-                        <a:t>0 %</a:t>
+                        <a:t>2</a:t>
                       </a:r>
                       <a:endParaRPr lang="ru-RU" sz="800">
                         <a:effectLst/>
-                        <a:latin typeface="Calibri" panose="020F0502020204030204" pitchFamily="34" charset="0"/>
-                        <a:ea typeface="Calibri" panose="020F0502020204030204" pitchFamily="34" charset="0"/>
-                        <a:cs typeface="Times New Roman" panose="02020603050405020304" pitchFamily="18" charset="0"/>
-                      </a:endParaRPr>
-                    </a:p>
-                  </a:txBody>
-                  <a:tcPr marL="50437" marR="50437" marT="0" marB="0"/>
-                </a:tc>
-                <a:extLst>
-                  <a:ext uri="{0D108BD9-81ED-4DB2-BD59-A6C34878D82A}">
-                    <a16:rowId xmlns:a16="http://schemas.microsoft.com/office/drawing/2014/main" val="871945241"/>
-                  </a:ext>
-                </a:extLst>
-              </a:tr>
-              <a:tr h="153152">
-                <a:tc>
-                  <a:txBody>
-                    <a:bodyPr/>
-                    <a:lstStyle/>
-                    <a:p>
-                      <a:pPr>
-                        <a:lnSpc>
-                          <a:spcPct val="107000"/>
-                        </a:lnSpc>
-                        <a:spcAft>
-                          <a:spcPts val="0"/>
-                        </a:spcAft>
-                      </a:pPr>
-                      <a:r>
-                        <a:rPr lang="ru-RU" sz="900" dirty="0">
-                          <a:effectLst/>
-                        </a:rPr>
-                        <a:t>Вид таблицы</a:t>
-                      </a:r>
-                      <a:endParaRPr lang="ru-RU" sz="800" dirty="0">
-                        <a:effectLst/>
-                        <a:latin typeface="Calibri" panose="020F0502020204030204" pitchFamily="34" charset="0"/>
+                        <a:latin typeface="Areal"/>
                         <a:ea typeface="Calibri" panose="020F0502020204030204" pitchFamily="34" charset="0"/>
                         <a:cs typeface="Times New Roman" panose="02020603050405020304" pitchFamily="18" charset="0"/>
                       </a:endParaRPr>
@@ -10778,12 +9785,50 @@
                       <a:r>
                         <a:rPr lang="ru-RU" sz="900">
                           <a:effectLst/>
+                          <a:latin typeface="Areal"/>
                         </a:rPr>
-                        <a:t>6</a:t>
+                        <a:t>60%</a:t>
                       </a:r>
                       <a:endParaRPr lang="ru-RU" sz="800">
                         <a:effectLst/>
-                        <a:latin typeface="Calibri" panose="020F0502020204030204" pitchFamily="34" charset="0"/>
+                        <a:latin typeface="Areal"/>
+                        <a:ea typeface="Calibri" panose="020F0502020204030204" pitchFamily="34" charset="0"/>
+                        <a:cs typeface="Times New Roman" panose="02020603050405020304" pitchFamily="18" charset="0"/>
+                      </a:endParaRPr>
+                    </a:p>
+                  </a:txBody>
+                  <a:tcPr marL="50437" marR="50437" marT="0" marB="0"/>
+                </a:tc>
+                <a:extLst>
+                  <a:ext uri="{0D108BD9-81ED-4DB2-BD59-A6C34878D82A}">
+                    <a16:rowId xmlns:a16="http://schemas.microsoft.com/office/drawing/2014/main" val="1374780831"/>
+                  </a:ext>
+                </a:extLst>
+              </a:tr>
+              <a:tr h="306304">
+                <a:tc>
+                  <a:txBody>
+                    <a:bodyPr/>
+                    <a:lstStyle/>
+                    <a:p>
+                      <a:pPr algn="l">
+                        <a:lnSpc>
+                          <a:spcPct val="107000"/>
+                        </a:lnSpc>
+                        <a:spcAft>
+                          <a:spcPts val="0"/>
+                        </a:spcAft>
+                      </a:pPr>
+                      <a:r>
+                        <a:rPr lang="ru-RU" sz="900">
+                          <a:effectLst/>
+                          <a:latin typeface="Areal"/>
+                        </a:rPr>
+                        <a:t>Панель инструментов</a:t>
+                      </a:r>
+                      <a:endParaRPr lang="ru-RU" sz="800">
+                        <a:effectLst/>
+                        <a:latin typeface="Areal"/>
                         <a:ea typeface="Calibri" panose="020F0502020204030204" pitchFamily="34" charset="0"/>
                         <a:cs typeface="Times New Roman" panose="02020603050405020304" pitchFamily="18" charset="0"/>
                       </a:endParaRPr>
@@ -10807,12 +9852,43 @@
                       <a:r>
                         <a:rPr lang="ru-RU" sz="900">
                           <a:effectLst/>
+                          <a:latin typeface="Areal"/>
                         </a:rPr>
-                        <a:t>6</a:t>
+                        <a:t>15</a:t>
                       </a:r>
                       <a:endParaRPr lang="ru-RU" sz="800">
                         <a:effectLst/>
-                        <a:latin typeface="Calibri" panose="020F0502020204030204" pitchFamily="34" charset="0"/>
+                        <a:latin typeface="Areal"/>
+                        <a:ea typeface="Calibri" panose="020F0502020204030204" pitchFamily="34" charset="0"/>
+                        <a:cs typeface="Times New Roman" panose="02020603050405020304" pitchFamily="18" charset="0"/>
+                      </a:endParaRPr>
+                    </a:p>
+                  </a:txBody>
+                  <a:tcPr marL="50437" marR="50437" marT="0" marB="0"/>
+                </a:tc>
+                <a:tc>
+                  <a:txBody>
+                    <a:bodyPr/>
+                    <a:lstStyle/>
+                    <a:p>
+                      <a:pPr algn="ctr">
+                        <a:lnSpc>
+                          <a:spcPct val="107000"/>
+                        </a:lnSpc>
+                        <a:spcAft>
+                          <a:spcPts val="0"/>
+                        </a:spcAft>
+                      </a:pPr>
+                      <a:r>
+                        <a:rPr lang="ru-RU" sz="900" dirty="0">
+                          <a:effectLst/>
+                          <a:latin typeface="Areal"/>
+                        </a:rPr>
+                        <a:t>15</a:t>
+                      </a:r>
+                      <a:endParaRPr lang="ru-RU" sz="800" dirty="0">
+                        <a:effectLst/>
+                        <a:latin typeface="Areal"/>
                         <a:ea typeface="Calibri" panose="020F0502020204030204" pitchFamily="34" charset="0"/>
                         <a:cs typeface="Times New Roman" panose="02020603050405020304" pitchFamily="18" charset="0"/>
                       </a:endParaRPr>
@@ -10836,12 +9912,13 @@
                       <a:r>
                         <a:rPr lang="ru-RU" sz="900">
                           <a:effectLst/>
+                          <a:latin typeface="Areal"/>
                         </a:rPr>
                         <a:t>0</a:t>
                       </a:r>
                       <a:endParaRPr lang="ru-RU" sz="800">
                         <a:effectLst/>
-                        <a:latin typeface="Calibri" panose="020F0502020204030204" pitchFamily="34" charset="0"/>
+                        <a:latin typeface="Areal"/>
                         <a:ea typeface="Calibri" panose="020F0502020204030204" pitchFamily="34" charset="0"/>
                         <a:cs typeface="Times New Roman" panose="02020603050405020304" pitchFamily="18" charset="0"/>
                       </a:endParaRPr>
@@ -10865,12 +9942,13 @@
                       <a:r>
                         <a:rPr lang="ru-RU" sz="900">
                           <a:effectLst/>
+                          <a:latin typeface="Areal"/>
                         </a:rPr>
                         <a:t>100%</a:t>
                       </a:r>
                       <a:endParaRPr lang="ru-RU" sz="800">
                         <a:effectLst/>
-                        <a:latin typeface="Calibri" panose="020F0502020204030204" pitchFamily="34" charset="0"/>
+                        <a:latin typeface="Areal"/>
                         <a:ea typeface="Calibri" panose="020F0502020204030204" pitchFamily="34" charset="0"/>
                         <a:cs typeface="Times New Roman" panose="02020603050405020304" pitchFamily="18" charset="0"/>
                       </a:endParaRPr>
@@ -10880,17 +9958,17 @@
                 </a:tc>
                 <a:extLst>
                   <a:ext uri="{0D108BD9-81ED-4DB2-BD59-A6C34878D82A}">
-                    <a16:rowId xmlns:a16="http://schemas.microsoft.com/office/drawing/2014/main" val="712562999"/>
+                    <a16:rowId xmlns:a16="http://schemas.microsoft.com/office/drawing/2014/main" val="1066652545"/>
                   </a:ext>
                 </a:extLst>
               </a:tr>
-              <a:tr h="304187">
+              <a:tr h="306304">
                 <a:tc>
                   <a:txBody>
                     <a:bodyPr/>
                     <a:lstStyle/>
                     <a:p>
-                      <a:pPr>
+                      <a:pPr algn="l">
                         <a:lnSpc>
                           <a:spcPct val="107000"/>
                         </a:lnSpc>
@@ -10901,12 +9979,13 @@
                       <a:r>
                         <a:rPr lang="ru-RU" sz="900">
                           <a:effectLst/>
+                          <a:latin typeface="Areal"/>
                         </a:rPr>
-                        <a:t>Настройка событий</a:t>
+                        <a:t>Древо зон и источников</a:t>
                       </a:r>
                       <a:endParaRPr lang="ru-RU" sz="800">
                         <a:effectLst/>
-                        <a:latin typeface="Calibri" panose="020F0502020204030204" pitchFamily="34" charset="0"/>
+                        <a:latin typeface="Areal"/>
                         <a:ea typeface="Calibri" panose="020F0502020204030204" pitchFamily="34" charset="0"/>
                         <a:cs typeface="Times New Roman" panose="02020603050405020304" pitchFamily="18" charset="0"/>
                       </a:endParaRPr>
@@ -10930,12 +10009,73 @@
                       <a:r>
                         <a:rPr lang="ru-RU" sz="900">
                           <a:effectLst/>
+                          <a:latin typeface="Areal"/>
                         </a:rPr>
-                        <a:t>9</a:t>
+                        <a:t>3</a:t>
                       </a:r>
                       <a:endParaRPr lang="ru-RU" sz="800">
                         <a:effectLst/>
-                        <a:latin typeface="Calibri" panose="020F0502020204030204" pitchFamily="34" charset="0"/>
+                        <a:latin typeface="Areal"/>
+                        <a:ea typeface="Calibri" panose="020F0502020204030204" pitchFamily="34" charset="0"/>
+                        <a:cs typeface="Times New Roman" panose="02020603050405020304" pitchFamily="18" charset="0"/>
+                      </a:endParaRPr>
+                    </a:p>
+                  </a:txBody>
+                  <a:tcPr marL="50437" marR="50437" marT="0" marB="0"/>
+                </a:tc>
+                <a:tc>
+                  <a:txBody>
+                    <a:bodyPr/>
+                    <a:lstStyle/>
+                    <a:p>
+                      <a:pPr algn="ctr">
+                        <a:lnSpc>
+                          <a:spcPct val="107000"/>
+                        </a:lnSpc>
+                        <a:spcAft>
+                          <a:spcPts val="0"/>
+                        </a:spcAft>
+                      </a:pPr>
+                      <a:r>
+                        <a:rPr lang="ru-RU" sz="900" dirty="0">
+                          <a:effectLst/>
+                          <a:latin typeface="Areal"/>
+                        </a:rPr>
+                        <a:t>0</a:t>
+                      </a:r>
+                      <a:endParaRPr lang="ru-RU" sz="800" dirty="0">
+                        <a:effectLst/>
+                        <a:latin typeface="Areal"/>
+                        <a:ea typeface="Calibri" panose="020F0502020204030204" pitchFamily="34" charset="0"/>
+                        <a:cs typeface="Times New Roman" panose="02020603050405020304" pitchFamily="18" charset="0"/>
+                      </a:endParaRPr>
+                    </a:p>
+                  </a:txBody>
+                  <a:tcPr marL="50437" marR="50437" marT="0" marB="0"/>
+                </a:tc>
+                <a:tc>
+                  <a:txBody>
+                    <a:bodyPr/>
+                    <a:lstStyle/>
+                    <a:p>
+                      <a:pPr algn="ctr">
+                        <a:lnSpc>
+                          <a:spcPct val="107000"/>
+                        </a:lnSpc>
+                        <a:spcAft>
+                          <a:spcPts val="0"/>
+                        </a:spcAft>
+                      </a:pPr>
+                      <a:r>
+                        <a:rPr lang="ru-RU" sz="900" dirty="0">
+                          <a:effectLst/>
+                          <a:latin typeface="Areal"/>
+                        </a:rPr>
+                        <a:t>3</a:t>
+                      </a:r>
+                      <a:endParaRPr lang="ru-RU" sz="800" dirty="0">
+                        <a:effectLst/>
+                        <a:latin typeface="Areal"/>
                         <a:ea typeface="Calibri" panose="020F0502020204030204" pitchFamily="34" charset="0"/>
                         <a:cs typeface="Times New Roman" panose="02020603050405020304" pitchFamily="18" charset="0"/>
                       </a:endParaRPr>
@@ -10959,12 +10099,50 @@
                       <a:r>
                         <a:rPr lang="ru-RU" sz="900">
                           <a:effectLst/>
+                          <a:latin typeface="Areal"/>
                         </a:rPr>
-                        <a:t>0</a:t>
+                        <a:t>0%</a:t>
                       </a:r>
                       <a:endParaRPr lang="ru-RU" sz="800">
                         <a:effectLst/>
-                        <a:latin typeface="Calibri" panose="020F0502020204030204" pitchFamily="34" charset="0"/>
+                        <a:latin typeface="Areal"/>
+                        <a:ea typeface="Calibri" panose="020F0502020204030204" pitchFamily="34" charset="0"/>
+                        <a:cs typeface="Times New Roman" panose="02020603050405020304" pitchFamily="18" charset="0"/>
+                      </a:endParaRPr>
+                    </a:p>
+                  </a:txBody>
+                  <a:tcPr marL="50437" marR="50437" marT="0" marB="0"/>
+                </a:tc>
+                <a:extLst>
+                  <a:ext uri="{0D108BD9-81ED-4DB2-BD59-A6C34878D82A}">
+                    <a16:rowId xmlns:a16="http://schemas.microsoft.com/office/drawing/2014/main" val="3999049480"/>
+                  </a:ext>
+                </a:extLst>
+              </a:tr>
+              <a:tr h="304187">
+                <a:tc>
+                  <a:txBody>
+                    <a:bodyPr/>
+                    <a:lstStyle/>
+                    <a:p>
+                      <a:pPr algn="l">
+                        <a:lnSpc>
+                          <a:spcPct val="107000"/>
+                        </a:lnSpc>
+                        <a:spcAft>
+                          <a:spcPts val="0"/>
+                        </a:spcAft>
+                      </a:pPr>
+                      <a:r>
+                        <a:rPr lang="ru-RU" sz="900">
+                          <a:effectLst/>
+                          <a:latin typeface="Areal"/>
+                        </a:rPr>
+                        <a:t>Источник данных</a:t>
+                      </a:r>
+                      <a:endParaRPr lang="ru-RU" sz="800">
+                        <a:effectLst/>
+                        <a:latin typeface="Areal"/>
                         <a:ea typeface="Calibri" panose="020F0502020204030204" pitchFamily="34" charset="0"/>
                         <a:cs typeface="Times New Roman" panose="02020603050405020304" pitchFamily="18" charset="0"/>
                       </a:endParaRPr>
@@ -10988,12 +10166,13 @@
                       <a:r>
                         <a:rPr lang="ru-RU" sz="900">
                           <a:effectLst/>
+                          <a:latin typeface="Areal"/>
                         </a:rPr>
-                        <a:t>9</a:t>
+                        <a:t>11</a:t>
                       </a:r>
                       <a:endParaRPr lang="ru-RU" sz="800">
                         <a:effectLst/>
-                        <a:latin typeface="Calibri" panose="020F0502020204030204" pitchFamily="34" charset="0"/>
+                        <a:latin typeface="Areal"/>
                         <a:ea typeface="Calibri" panose="020F0502020204030204" pitchFamily="34" charset="0"/>
                         <a:cs typeface="Times New Roman" panose="02020603050405020304" pitchFamily="18" charset="0"/>
                       </a:endParaRPr>
@@ -11017,12 +10196,13 @@
                       <a:r>
                         <a:rPr lang="ru-RU" sz="900">
                           <a:effectLst/>
+                          <a:latin typeface="Areal"/>
                         </a:rPr>
-                        <a:t>0%</a:t>
+                        <a:t>5</a:t>
                       </a:r>
                       <a:endParaRPr lang="ru-RU" sz="800">
                         <a:effectLst/>
-                        <a:latin typeface="Calibri" panose="020F0502020204030204" pitchFamily="34" charset="0"/>
+                        <a:latin typeface="Areal"/>
                         <a:ea typeface="Calibri" panose="020F0502020204030204" pitchFamily="34" charset="0"/>
                         <a:cs typeface="Times New Roman" panose="02020603050405020304" pitchFamily="18" charset="0"/>
                       </a:endParaRPr>
@@ -11030,19 +10210,12 @@
                   </a:txBody>
                   <a:tcPr marL="50437" marR="50437" marT="0" marB="0"/>
                 </a:tc>
-                <a:extLst>
-                  <a:ext uri="{0D108BD9-81ED-4DB2-BD59-A6C34878D82A}">
-                    <a16:rowId xmlns:a16="http://schemas.microsoft.com/office/drawing/2014/main" val="3369606792"/>
-                  </a:ext>
-                </a:extLst>
-              </a:tr>
-              <a:tr h="306304">
                 <a:tc>
                   <a:txBody>
                     <a:bodyPr/>
                     <a:lstStyle/>
                     <a:p>
-                      <a:pPr>
+                      <a:pPr algn="ctr">
                         <a:lnSpc>
                           <a:spcPct val="107000"/>
                         </a:lnSpc>
@@ -11051,14 +10224,15 @@
                         </a:spcAft>
                       </a:pPr>
                       <a:r>
-                        <a:rPr lang="ru-RU" sz="900">
+                        <a:rPr lang="ru-RU" sz="900" dirty="0">
                           <a:effectLst/>
+                          <a:latin typeface="Areal"/>
                         </a:rPr>
-                        <a:t>Предустановленный фильтр</a:t>
+                        <a:t>6</a:t>
                       </a:r>
-                      <a:endParaRPr lang="ru-RU" sz="800">
+                      <a:endParaRPr lang="ru-RU" sz="800" dirty="0">
                         <a:effectLst/>
-                        <a:latin typeface="Calibri" panose="020F0502020204030204" pitchFamily="34" charset="0"/>
+                        <a:latin typeface="Areal"/>
                         <a:ea typeface="Calibri" panose="020F0502020204030204" pitchFamily="34" charset="0"/>
                         <a:cs typeface="Times New Roman" panose="02020603050405020304" pitchFamily="18" charset="0"/>
                       </a:endParaRPr>
@@ -11082,12 +10256,50 @@
                       <a:r>
                         <a:rPr lang="ru-RU" sz="900">
                           <a:effectLst/>
+                          <a:latin typeface="Areal"/>
                         </a:rPr>
-                        <a:t>5</a:t>
+                        <a:t>45.5%</a:t>
                       </a:r>
                       <a:endParaRPr lang="ru-RU" sz="800">
                         <a:effectLst/>
-                        <a:latin typeface="Calibri" panose="020F0502020204030204" pitchFamily="34" charset="0"/>
+                        <a:latin typeface="Areal"/>
+                        <a:ea typeface="Calibri" panose="020F0502020204030204" pitchFamily="34" charset="0"/>
+                        <a:cs typeface="Times New Roman" panose="02020603050405020304" pitchFamily="18" charset="0"/>
+                      </a:endParaRPr>
+                    </a:p>
+                  </a:txBody>
+                  <a:tcPr marL="50437" marR="50437" marT="0" marB="0"/>
+                </a:tc>
+                <a:extLst>
+                  <a:ext uri="{0D108BD9-81ED-4DB2-BD59-A6C34878D82A}">
+                    <a16:rowId xmlns:a16="http://schemas.microsoft.com/office/drawing/2014/main" val="894871353"/>
+                  </a:ext>
+                </a:extLst>
+              </a:tr>
+              <a:tr h="306304">
+                <a:tc>
+                  <a:txBody>
+                    <a:bodyPr/>
+                    <a:lstStyle/>
+                    <a:p>
+                      <a:pPr algn="l">
+                        <a:lnSpc>
+                          <a:spcPct val="107000"/>
+                        </a:lnSpc>
+                        <a:spcAft>
+                          <a:spcPts val="0"/>
+                        </a:spcAft>
+                      </a:pPr>
+                      <a:r>
+                        <a:rPr lang="ru-RU" sz="900">
+                          <a:effectLst/>
+                          <a:latin typeface="Areal"/>
+                        </a:rPr>
+                        <a:t>Настройка безопасности</a:t>
+                      </a:r>
+                      <a:endParaRPr lang="ru-RU" sz="800">
+                        <a:effectLst/>
+                        <a:latin typeface="Areal"/>
                         <a:ea typeface="Calibri" panose="020F0502020204030204" pitchFamily="34" charset="0"/>
                         <a:cs typeface="Times New Roman" panose="02020603050405020304" pitchFamily="18" charset="0"/>
                       </a:endParaRPr>
@@ -11111,12 +10323,13 @@
                       <a:r>
                         <a:rPr lang="ru-RU" sz="900">
                           <a:effectLst/>
+                          <a:latin typeface="Areal"/>
                         </a:rPr>
-                        <a:t>3</a:t>
+                        <a:t>4</a:t>
                       </a:r>
                       <a:endParaRPr lang="ru-RU" sz="800">
                         <a:effectLst/>
-                        <a:latin typeface="Calibri" panose="020F0502020204030204" pitchFamily="34" charset="0"/>
+                        <a:latin typeface="Areal"/>
                         <a:ea typeface="Calibri" panose="020F0502020204030204" pitchFamily="34" charset="0"/>
                         <a:cs typeface="Times New Roman" panose="02020603050405020304" pitchFamily="18" charset="0"/>
                       </a:endParaRPr>
@@ -11140,12 +10353,43 @@
                       <a:r>
                         <a:rPr lang="ru-RU" sz="900">
                           <a:effectLst/>
+                          <a:latin typeface="Areal"/>
                         </a:rPr>
-                        <a:t>2</a:t>
+                        <a:t>0</a:t>
                       </a:r>
                       <a:endParaRPr lang="ru-RU" sz="800">
                         <a:effectLst/>
-                        <a:latin typeface="Calibri" panose="020F0502020204030204" pitchFamily="34" charset="0"/>
+                        <a:latin typeface="Areal"/>
+                        <a:ea typeface="Calibri" panose="020F0502020204030204" pitchFamily="34" charset="0"/>
+                        <a:cs typeface="Times New Roman" panose="02020603050405020304" pitchFamily="18" charset="0"/>
+                      </a:endParaRPr>
+                    </a:p>
+                  </a:txBody>
+                  <a:tcPr marL="50437" marR="50437" marT="0" marB="0"/>
+                </a:tc>
+                <a:tc>
+                  <a:txBody>
+                    <a:bodyPr/>
+                    <a:lstStyle/>
+                    <a:p>
+                      <a:pPr algn="ctr">
+                        <a:lnSpc>
+                          <a:spcPct val="107000"/>
+                        </a:lnSpc>
+                        <a:spcAft>
+                          <a:spcPts val="0"/>
+                        </a:spcAft>
+                      </a:pPr>
+                      <a:r>
+                        <a:rPr lang="ru-RU" sz="900" dirty="0">
+                          <a:effectLst/>
+                          <a:latin typeface="Areal"/>
+                        </a:rPr>
+                        <a:t>4</a:t>
+                      </a:r>
+                      <a:endParaRPr lang="ru-RU" sz="800" dirty="0">
+                        <a:effectLst/>
+                        <a:latin typeface="Areal"/>
                         <a:ea typeface="Calibri" panose="020F0502020204030204" pitchFamily="34" charset="0"/>
                         <a:cs typeface="Times New Roman" panose="02020603050405020304" pitchFamily="18" charset="0"/>
                       </a:endParaRPr>
@@ -11169,12 +10413,13 @@
                       <a:r>
                         <a:rPr lang="ru-RU" sz="900">
                           <a:effectLst/>
+                          <a:latin typeface="Areal"/>
                         </a:rPr>
-                        <a:t>60%</a:t>
+                        <a:t>0%</a:t>
                       </a:r>
                       <a:endParaRPr lang="ru-RU" sz="800">
                         <a:effectLst/>
-                        <a:latin typeface="Calibri" panose="020F0502020204030204" pitchFamily="34" charset="0"/>
+                        <a:latin typeface="Areal"/>
                         <a:ea typeface="Calibri" panose="020F0502020204030204" pitchFamily="34" charset="0"/>
                         <a:cs typeface="Times New Roman" panose="02020603050405020304" pitchFamily="18" charset="0"/>
                       </a:endParaRPr>
@@ -11184,17 +10429,17 @@
                 </a:tc>
                 <a:extLst>
                   <a:ext uri="{0D108BD9-81ED-4DB2-BD59-A6C34878D82A}">
-                    <a16:rowId xmlns:a16="http://schemas.microsoft.com/office/drawing/2014/main" val="1374780831"/>
+                    <a16:rowId xmlns:a16="http://schemas.microsoft.com/office/drawing/2014/main" val="960015217"/>
                   </a:ext>
                 </a:extLst>
               </a:tr>
-              <a:tr h="306304">
+              <a:tr h="304187">
                 <a:tc>
                   <a:txBody>
                     <a:bodyPr/>
                     <a:lstStyle/>
                     <a:p>
-                      <a:pPr>
+                      <a:pPr algn="l">
                         <a:lnSpc>
                           <a:spcPct val="107000"/>
                         </a:lnSpc>
@@ -11205,12 +10450,13 @@
                       <a:r>
                         <a:rPr lang="ru-RU" sz="900">
                           <a:effectLst/>
+                          <a:latin typeface="Areal"/>
                         </a:rPr>
-                        <a:t>Панель инструментов</a:t>
+                        <a:t>Источник данных</a:t>
                       </a:r>
                       <a:endParaRPr lang="ru-RU" sz="800">
                         <a:effectLst/>
-                        <a:latin typeface="Calibri" panose="020F0502020204030204" pitchFamily="34" charset="0"/>
+                        <a:latin typeface="Areal"/>
                         <a:ea typeface="Calibri" panose="020F0502020204030204" pitchFamily="34" charset="0"/>
                         <a:cs typeface="Times New Roman" panose="02020603050405020304" pitchFamily="18" charset="0"/>
                       </a:endParaRPr>
@@ -11234,12 +10480,13 @@
                       <a:r>
                         <a:rPr lang="ru-RU" sz="900">
                           <a:effectLst/>
+                          <a:latin typeface="Areal"/>
                         </a:rPr>
-                        <a:t>15</a:t>
+                        <a:t>5</a:t>
                       </a:r>
                       <a:endParaRPr lang="ru-RU" sz="800">
                         <a:effectLst/>
-                        <a:latin typeface="Calibri" panose="020F0502020204030204" pitchFamily="34" charset="0"/>
+                        <a:latin typeface="Areal"/>
                         <a:ea typeface="Calibri" panose="020F0502020204030204" pitchFamily="34" charset="0"/>
                         <a:cs typeface="Times New Roman" panose="02020603050405020304" pitchFamily="18" charset="0"/>
                       </a:endParaRPr>
@@ -11263,12 +10510,43 @@
                       <a:r>
                         <a:rPr lang="ru-RU" sz="900">
                           <a:effectLst/>
+                          <a:latin typeface="Areal"/>
                         </a:rPr>
-                        <a:t>15</a:t>
+                        <a:t>5</a:t>
                       </a:r>
                       <a:endParaRPr lang="ru-RU" sz="800">
                         <a:effectLst/>
-                        <a:latin typeface="Calibri" panose="020F0502020204030204" pitchFamily="34" charset="0"/>
+                        <a:latin typeface="Areal"/>
+                        <a:ea typeface="Calibri" panose="020F0502020204030204" pitchFamily="34" charset="0"/>
+                        <a:cs typeface="Times New Roman" panose="02020603050405020304" pitchFamily="18" charset="0"/>
+                      </a:endParaRPr>
+                    </a:p>
+                  </a:txBody>
+                  <a:tcPr marL="50437" marR="50437" marT="0" marB="0"/>
+                </a:tc>
+                <a:tc>
+                  <a:txBody>
+                    <a:bodyPr/>
+                    <a:lstStyle/>
+                    <a:p>
+                      <a:pPr algn="ctr">
+                        <a:lnSpc>
+                          <a:spcPct val="107000"/>
+                        </a:lnSpc>
+                        <a:spcAft>
+                          <a:spcPts val="0"/>
+                        </a:spcAft>
+                      </a:pPr>
+                      <a:r>
+                        <a:rPr lang="ru-RU" sz="900" dirty="0">
+                          <a:effectLst/>
+                          <a:latin typeface="Areal"/>
+                        </a:rPr>
+                        <a:t>0</a:t>
+                      </a:r>
+                      <a:endParaRPr lang="ru-RU" sz="800" dirty="0">
+                        <a:effectLst/>
+                        <a:latin typeface="Areal"/>
                         <a:ea typeface="Calibri" panose="020F0502020204030204" pitchFamily="34" charset="0"/>
                         <a:cs typeface="Times New Roman" panose="02020603050405020304" pitchFamily="18" charset="0"/>
                       </a:endParaRPr>
@@ -11292,12 +10570,50 @@
                       <a:r>
                         <a:rPr lang="ru-RU" sz="900">
                           <a:effectLst/>
+                          <a:latin typeface="Areal"/>
                         </a:rPr>
-                        <a:t>0</a:t>
+                        <a:t>100%</a:t>
                       </a:r>
                       <a:endParaRPr lang="ru-RU" sz="800">
                         <a:effectLst/>
-                        <a:latin typeface="Calibri" panose="020F0502020204030204" pitchFamily="34" charset="0"/>
+                        <a:latin typeface="Areal"/>
+                        <a:ea typeface="Calibri" panose="020F0502020204030204" pitchFamily="34" charset="0"/>
+                        <a:cs typeface="Times New Roman" panose="02020603050405020304" pitchFamily="18" charset="0"/>
+                      </a:endParaRPr>
+                    </a:p>
+                  </a:txBody>
+                  <a:tcPr marL="50437" marR="50437" marT="0" marB="0"/>
+                </a:tc>
+                <a:extLst>
+                  <a:ext uri="{0D108BD9-81ED-4DB2-BD59-A6C34878D82A}">
+                    <a16:rowId xmlns:a16="http://schemas.microsoft.com/office/drawing/2014/main" val="3757825626"/>
+                  </a:ext>
+                </a:extLst>
+              </a:tr>
+              <a:tr h="306304">
+                <a:tc>
+                  <a:txBody>
+                    <a:bodyPr/>
+                    <a:lstStyle/>
+                    <a:p>
+                      <a:pPr algn="l">
+                        <a:lnSpc>
+                          <a:spcPct val="107000"/>
+                        </a:lnSpc>
+                        <a:spcAft>
+                          <a:spcPts val="0"/>
+                        </a:spcAft>
+                      </a:pPr>
+                      <a:r>
+                        <a:rPr lang="ru-RU" sz="900">
+                          <a:effectLst/>
+                          <a:latin typeface="Areal"/>
+                        </a:rPr>
+                        <a:t>Размер и положение окна</a:t>
+                      </a:r>
+                      <a:endParaRPr lang="ru-RU" sz="800">
+                        <a:effectLst/>
+                        <a:latin typeface="Areal"/>
                         <a:ea typeface="Calibri" panose="020F0502020204030204" pitchFamily="34" charset="0"/>
                         <a:cs typeface="Times New Roman" panose="02020603050405020304" pitchFamily="18" charset="0"/>
                       </a:endParaRPr>
@@ -11321,48 +10637,13 @@
                       <a:r>
                         <a:rPr lang="ru-RU" sz="900">
                           <a:effectLst/>
+                          <a:latin typeface="Areal"/>
                         </a:rPr>
-                        <a:t>100%</a:t>
+                        <a:t>2</a:t>
                       </a:r>
                       <a:endParaRPr lang="ru-RU" sz="800">
                         <a:effectLst/>
-                        <a:latin typeface="Calibri" panose="020F0502020204030204" pitchFamily="34" charset="0"/>
-                        <a:ea typeface="Calibri" panose="020F0502020204030204" pitchFamily="34" charset="0"/>
-                        <a:cs typeface="Times New Roman" panose="02020603050405020304" pitchFamily="18" charset="0"/>
-                      </a:endParaRPr>
-                    </a:p>
-                  </a:txBody>
-                  <a:tcPr marL="50437" marR="50437" marT="0" marB="0"/>
-                </a:tc>
-                <a:extLst>
-                  <a:ext uri="{0D108BD9-81ED-4DB2-BD59-A6C34878D82A}">
-                    <a16:rowId xmlns:a16="http://schemas.microsoft.com/office/drawing/2014/main" val="1066652545"/>
-                  </a:ext>
-                </a:extLst>
-              </a:tr>
-              <a:tr h="306304">
-                <a:tc>
-                  <a:txBody>
-                    <a:bodyPr/>
-                    <a:lstStyle/>
-                    <a:p>
-                      <a:pPr>
-                        <a:lnSpc>
-                          <a:spcPct val="107000"/>
-                        </a:lnSpc>
-                        <a:spcAft>
-                          <a:spcPts val="0"/>
-                        </a:spcAft>
-                      </a:pPr>
-                      <a:r>
-                        <a:rPr lang="ru-RU" sz="900">
-                          <a:effectLst/>
-                        </a:rPr>
-                        <a:t>Древо зон и источников</a:t>
-                      </a:r>
-                      <a:endParaRPr lang="ru-RU" sz="800">
-                        <a:effectLst/>
-                        <a:latin typeface="Calibri" panose="020F0502020204030204" pitchFamily="34" charset="0"/>
+                        <a:latin typeface="Areal"/>
                         <a:ea typeface="Calibri" panose="020F0502020204030204" pitchFamily="34" charset="0"/>
                         <a:cs typeface="Times New Roman" panose="02020603050405020304" pitchFamily="18" charset="0"/>
                       </a:endParaRPr>
@@ -11386,12 +10667,110 @@
                       <a:r>
                         <a:rPr lang="ru-RU" sz="900">
                           <a:effectLst/>
+                          <a:latin typeface="Areal"/>
                         </a:rPr>
-                        <a:t>3</a:t>
+                        <a:t>2</a:t>
                       </a:r>
                       <a:endParaRPr lang="ru-RU" sz="800">
                         <a:effectLst/>
-                        <a:latin typeface="Calibri" panose="020F0502020204030204" pitchFamily="34" charset="0"/>
+                        <a:latin typeface="Areal"/>
+                        <a:ea typeface="Calibri" panose="020F0502020204030204" pitchFamily="34" charset="0"/>
+                        <a:cs typeface="Times New Roman" panose="02020603050405020304" pitchFamily="18" charset="0"/>
+                      </a:endParaRPr>
+                    </a:p>
+                  </a:txBody>
+                  <a:tcPr marL="50437" marR="50437" marT="0" marB="0"/>
+                </a:tc>
+                <a:tc>
+                  <a:txBody>
+                    <a:bodyPr/>
+                    <a:lstStyle/>
+                    <a:p>
+                      <a:pPr algn="ctr">
+                        <a:lnSpc>
+                          <a:spcPct val="107000"/>
+                        </a:lnSpc>
+                        <a:spcAft>
+                          <a:spcPts val="0"/>
+                        </a:spcAft>
+                      </a:pPr>
+                      <a:r>
+                        <a:rPr lang="ru-RU" sz="900" dirty="0">
+                          <a:effectLst/>
+                          <a:latin typeface="Areal"/>
+                        </a:rPr>
+                        <a:t>0</a:t>
+                      </a:r>
+                      <a:endParaRPr lang="ru-RU" sz="800" dirty="0">
+                        <a:effectLst/>
+                        <a:latin typeface="Areal"/>
+                        <a:ea typeface="Calibri" panose="020F0502020204030204" pitchFamily="34" charset="0"/>
+                        <a:cs typeface="Times New Roman" panose="02020603050405020304" pitchFamily="18" charset="0"/>
+                      </a:endParaRPr>
+                    </a:p>
+                  </a:txBody>
+                  <a:tcPr marL="50437" marR="50437" marT="0" marB="0"/>
+                </a:tc>
+                <a:tc>
+                  <a:txBody>
+                    <a:bodyPr/>
+                    <a:lstStyle/>
+                    <a:p>
+                      <a:pPr algn="ctr">
+                        <a:lnSpc>
+                          <a:spcPct val="107000"/>
+                        </a:lnSpc>
+                        <a:spcAft>
+                          <a:spcPts val="0"/>
+                        </a:spcAft>
+                      </a:pPr>
+                      <a:r>
+                        <a:rPr lang="ru-RU" sz="900" dirty="0">
+                          <a:effectLst/>
+                          <a:latin typeface="Areal"/>
+                        </a:rPr>
+                        <a:t>100%</a:t>
+                      </a:r>
+                      <a:endParaRPr lang="ru-RU" sz="800" dirty="0">
+                        <a:effectLst/>
+                        <a:latin typeface="Areal"/>
+                        <a:ea typeface="Calibri" panose="020F0502020204030204" pitchFamily="34" charset="0"/>
+                        <a:cs typeface="Times New Roman" panose="02020603050405020304" pitchFamily="18" charset="0"/>
+                      </a:endParaRPr>
+                    </a:p>
+                  </a:txBody>
+                  <a:tcPr marL="50437" marR="50437" marT="0" marB="0"/>
+                </a:tc>
+                <a:extLst>
+                  <a:ext uri="{0D108BD9-81ED-4DB2-BD59-A6C34878D82A}">
+                    <a16:rowId xmlns:a16="http://schemas.microsoft.com/office/drawing/2014/main" val="2331049773"/>
+                  </a:ext>
+                </a:extLst>
+              </a:tr>
+              <a:tr h="306304">
+                <a:tc>
+                  <a:txBody>
+                    <a:bodyPr/>
+                    <a:lstStyle/>
+                    <a:p>
+                      <a:pPr algn="l">
+                        <a:lnSpc>
+                          <a:spcPct val="107000"/>
+                        </a:lnSpc>
+                        <a:spcAft>
+                          <a:spcPts val="0"/>
+                        </a:spcAft>
+                      </a:pPr>
+                      <a:r>
+                        <a:rPr lang="ru-RU" sz="900">
+                          <a:effectLst/>
+                          <a:latin typeface="Areal"/>
+                        </a:rPr>
+                        <a:t>Размер и положение окна</a:t>
+                      </a:r>
+                      <a:endParaRPr lang="ru-RU" sz="800">
+                        <a:effectLst/>
+                        <a:latin typeface="Areal"/>
                         <a:ea typeface="Calibri" panose="020F0502020204030204" pitchFamily="34" charset="0"/>
                         <a:cs typeface="Times New Roman" panose="02020603050405020304" pitchFamily="18" charset="0"/>
                       </a:endParaRPr>
@@ -11415,12 +10794,13 @@
                       <a:r>
                         <a:rPr lang="ru-RU" sz="900">
                           <a:effectLst/>
+                          <a:latin typeface="Areal"/>
                         </a:rPr>
-                        <a:t>0</a:t>
+                        <a:t>2</a:t>
                       </a:r>
                       <a:endParaRPr lang="ru-RU" sz="800">
                         <a:effectLst/>
-                        <a:latin typeface="Calibri" panose="020F0502020204030204" pitchFamily="34" charset="0"/>
+                        <a:latin typeface="Areal"/>
                         <a:ea typeface="Calibri" panose="020F0502020204030204" pitchFamily="34" charset="0"/>
                         <a:cs typeface="Times New Roman" panose="02020603050405020304" pitchFamily="18" charset="0"/>
                       </a:endParaRPr>
@@ -11444,12 +10824,13 @@
                       <a:r>
                         <a:rPr lang="ru-RU" sz="900">
                           <a:effectLst/>
+                          <a:latin typeface="Areal"/>
                         </a:rPr>
-                        <a:t>3</a:t>
+                        <a:t>2</a:t>
                       </a:r>
                       <a:endParaRPr lang="ru-RU" sz="800">
                         <a:effectLst/>
-                        <a:latin typeface="Calibri" panose="020F0502020204030204" pitchFamily="34" charset="0"/>
+                        <a:latin typeface="Areal"/>
                         <a:ea typeface="Calibri" panose="020F0502020204030204" pitchFamily="34" charset="0"/>
                         <a:cs typeface="Times New Roman" panose="02020603050405020304" pitchFamily="18" charset="0"/>
                       </a:endParaRPr>
@@ -11473,12 +10854,43 @@
                       <a:r>
                         <a:rPr lang="ru-RU" sz="900">
                           <a:effectLst/>
+                          <a:latin typeface="Areal"/>
                         </a:rPr>
-                        <a:t>0%</a:t>
+                        <a:t>0</a:t>
                       </a:r>
                       <a:endParaRPr lang="ru-RU" sz="800">
                         <a:effectLst/>
-                        <a:latin typeface="Calibri" panose="020F0502020204030204" pitchFamily="34" charset="0"/>
+                        <a:latin typeface="Areal"/>
+                        <a:ea typeface="Calibri" panose="020F0502020204030204" pitchFamily="34" charset="0"/>
+                        <a:cs typeface="Times New Roman" panose="02020603050405020304" pitchFamily="18" charset="0"/>
+                      </a:endParaRPr>
+                    </a:p>
+                  </a:txBody>
+                  <a:tcPr marL="50437" marR="50437" marT="0" marB="0"/>
+                </a:tc>
+                <a:tc>
+                  <a:txBody>
+                    <a:bodyPr/>
+                    <a:lstStyle/>
+                    <a:p>
+                      <a:pPr algn="ctr">
+                        <a:lnSpc>
+                          <a:spcPct val="107000"/>
+                        </a:lnSpc>
+                        <a:spcAft>
+                          <a:spcPts val="0"/>
+                        </a:spcAft>
+                      </a:pPr>
+                      <a:r>
+                        <a:rPr lang="ru-RU" sz="900" dirty="0">
+                          <a:effectLst/>
+                          <a:latin typeface="Areal"/>
+                        </a:rPr>
+                        <a:t>100%</a:t>
+                      </a:r>
+                      <a:endParaRPr lang="ru-RU" sz="800" dirty="0">
+                        <a:effectLst/>
+                        <a:latin typeface="Areal"/>
                         <a:ea typeface="Calibri" panose="020F0502020204030204" pitchFamily="34" charset="0"/>
                         <a:cs typeface="Times New Roman" panose="02020603050405020304" pitchFamily="18" charset="0"/>
                       </a:endParaRPr>
@@ -11488,17 +10900,17 @@
                 </a:tc>
                 <a:extLst>
                   <a:ext uri="{0D108BD9-81ED-4DB2-BD59-A6C34878D82A}">
-                    <a16:rowId xmlns:a16="http://schemas.microsoft.com/office/drawing/2014/main" val="3999049480"/>
+                    <a16:rowId xmlns:a16="http://schemas.microsoft.com/office/drawing/2014/main" val="3187624153"/>
                   </a:ext>
                 </a:extLst>
               </a:tr>
-              <a:tr h="304187">
+              <a:tr h="306304">
                 <a:tc>
                   <a:txBody>
                     <a:bodyPr/>
                     <a:lstStyle/>
                     <a:p>
-                      <a:pPr>
+                      <a:pPr algn="l">
                         <a:lnSpc>
                           <a:spcPct val="107000"/>
                         </a:lnSpc>
@@ -11509,12 +10921,13 @@
                       <a:r>
                         <a:rPr lang="ru-RU" sz="900">
                           <a:effectLst/>
+                          <a:latin typeface="Areal"/>
                         </a:rPr>
-                        <a:t>Источник данных</a:t>
+                        <a:t>Фильтр пользователя</a:t>
                       </a:r>
                       <a:endParaRPr lang="ru-RU" sz="800">
                         <a:effectLst/>
-                        <a:latin typeface="Calibri" panose="020F0502020204030204" pitchFamily="34" charset="0"/>
+                        <a:latin typeface="Areal"/>
                         <a:ea typeface="Calibri" panose="020F0502020204030204" pitchFamily="34" charset="0"/>
                         <a:cs typeface="Times New Roman" panose="02020603050405020304" pitchFamily="18" charset="0"/>
                       </a:endParaRPr>
@@ -11538,12 +10951,13 @@
                       <a:r>
                         <a:rPr lang="ru-RU" sz="900">
                           <a:effectLst/>
+                          <a:latin typeface="Areal"/>
                         </a:rPr>
-                        <a:t>11</a:t>
+                        <a:t>13</a:t>
                       </a:r>
                       <a:endParaRPr lang="ru-RU" sz="800">
                         <a:effectLst/>
-                        <a:latin typeface="Calibri" panose="020F0502020204030204" pitchFamily="34" charset="0"/>
+                        <a:latin typeface="Areal"/>
                         <a:ea typeface="Calibri" panose="020F0502020204030204" pitchFamily="34" charset="0"/>
                         <a:cs typeface="Times New Roman" panose="02020603050405020304" pitchFamily="18" charset="0"/>
                       </a:endParaRPr>
@@ -11567,12 +10981,13 @@
                       <a:r>
                         <a:rPr lang="ru-RU" sz="900">
                           <a:effectLst/>
+                          <a:latin typeface="Areal"/>
                         </a:rPr>
-                        <a:t>5</a:t>
+                        <a:t>13</a:t>
                       </a:r>
                       <a:endParaRPr lang="ru-RU" sz="800">
                         <a:effectLst/>
-                        <a:latin typeface="Calibri" panose="020F0502020204030204" pitchFamily="34" charset="0"/>
+                        <a:latin typeface="Areal"/>
                         <a:ea typeface="Calibri" panose="020F0502020204030204" pitchFamily="34" charset="0"/>
                         <a:cs typeface="Times New Roman" panose="02020603050405020304" pitchFamily="18" charset="0"/>
                       </a:endParaRPr>
@@ -11596,12 +11011,80 @@
                       <a:r>
                         <a:rPr lang="ru-RU" sz="900">
                           <a:effectLst/>
+                          <a:latin typeface="Areal"/>
                         </a:rPr>
-                        <a:t>6</a:t>
+                        <a:t>0</a:t>
                       </a:r>
                       <a:endParaRPr lang="ru-RU" sz="800">
                         <a:effectLst/>
-                        <a:latin typeface="Calibri" panose="020F0502020204030204" pitchFamily="34" charset="0"/>
+                        <a:latin typeface="Areal"/>
+                        <a:ea typeface="Calibri" panose="020F0502020204030204" pitchFamily="34" charset="0"/>
+                        <a:cs typeface="Times New Roman" panose="02020603050405020304" pitchFamily="18" charset="0"/>
+                      </a:endParaRPr>
+                    </a:p>
+                  </a:txBody>
+                  <a:tcPr marL="50437" marR="50437" marT="0" marB="0"/>
+                </a:tc>
+                <a:tc>
+                  <a:txBody>
+                    <a:bodyPr/>
+                    <a:lstStyle/>
+                    <a:p>
+                      <a:pPr algn="ctr">
+                        <a:lnSpc>
+                          <a:spcPct val="107000"/>
+                        </a:lnSpc>
+                        <a:spcAft>
+                          <a:spcPts val="0"/>
+                        </a:spcAft>
+                      </a:pPr>
+                      <a:r>
+                        <a:rPr lang="ru-RU" sz="900" dirty="0">
+                          <a:effectLst/>
+                          <a:latin typeface="Areal"/>
+                        </a:rPr>
+                        <a:t>100%</a:t>
+                      </a:r>
+                      <a:endParaRPr lang="ru-RU" sz="800" dirty="0">
+                        <a:effectLst/>
+                        <a:latin typeface="Areal"/>
+                        <a:ea typeface="Calibri" panose="020F0502020204030204" pitchFamily="34" charset="0"/>
+                        <a:cs typeface="Times New Roman" panose="02020603050405020304" pitchFamily="18" charset="0"/>
+                      </a:endParaRPr>
+                    </a:p>
+                  </a:txBody>
+                  <a:tcPr marL="50437" marR="50437" marT="0" marB="0"/>
+                </a:tc>
+                <a:extLst>
+                  <a:ext uri="{0D108BD9-81ED-4DB2-BD59-A6C34878D82A}">
+                    <a16:rowId xmlns:a16="http://schemas.microsoft.com/office/drawing/2014/main" val="2561461905"/>
+                  </a:ext>
+                </a:extLst>
+              </a:tr>
+              <a:tr h="304187">
+                <a:tc>
+                  <a:txBody>
+                    <a:bodyPr/>
+                    <a:lstStyle/>
+                    <a:p>
+                      <a:pPr algn="l">
+                        <a:lnSpc>
+                          <a:spcPct val="107000"/>
+                        </a:lnSpc>
+                        <a:spcAft>
+                          <a:spcPts val="0"/>
+                        </a:spcAft>
+                      </a:pPr>
+                      <a:r>
+                        <a:rPr lang="ru-RU" sz="900">
+                          <a:effectLst/>
+                          <a:latin typeface="Areal"/>
+                        </a:rPr>
+                        <a:t>Строка состояния</a:t>
+                      </a:r>
+                      <a:endParaRPr lang="ru-RU" sz="800">
+                        <a:effectLst/>
+                        <a:latin typeface="Areal"/>
                         <a:ea typeface="Calibri" panose="020F0502020204030204" pitchFamily="34" charset="0"/>
                         <a:cs typeface="Times New Roman" panose="02020603050405020304" pitchFamily="18" charset="0"/>
                       </a:endParaRPr>
@@ -11625,48 +11108,13 @@
                       <a:r>
                         <a:rPr lang="ru-RU" sz="900">
                           <a:effectLst/>
+                          <a:latin typeface="Areal"/>
                         </a:rPr>
-                        <a:t>45.5%</a:t>
+                        <a:t>4</a:t>
                       </a:r>
                       <a:endParaRPr lang="ru-RU" sz="800">
                         <a:effectLst/>
-                        <a:latin typeface="Calibri" panose="020F0502020204030204" pitchFamily="34" charset="0"/>
-                        <a:ea typeface="Calibri" panose="020F0502020204030204" pitchFamily="34" charset="0"/>
-                        <a:cs typeface="Times New Roman" panose="02020603050405020304" pitchFamily="18" charset="0"/>
-                      </a:endParaRPr>
-                    </a:p>
-                  </a:txBody>
-                  <a:tcPr marL="50437" marR="50437" marT="0" marB="0"/>
-                </a:tc>
-                <a:extLst>
-                  <a:ext uri="{0D108BD9-81ED-4DB2-BD59-A6C34878D82A}">
-                    <a16:rowId xmlns:a16="http://schemas.microsoft.com/office/drawing/2014/main" val="894871353"/>
-                  </a:ext>
-                </a:extLst>
-              </a:tr>
-              <a:tr h="306304">
-                <a:tc>
-                  <a:txBody>
-                    <a:bodyPr/>
-                    <a:lstStyle/>
-                    <a:p>
-                      <a:pPr>
-                        <a:lnSpc>
-                          <a:spcPct val="107000"/>
-                        </a:lnSpc>
-                        <a:spcAft>
-                          <a:spcPts val="0"/>
-                        </a:spcAft>
-                      </a:pPr>
-                      <a:r>
-                        <a:rPr lang="ru-RU" sz="900">
-                          <a:effectLst/>
-                        </a:rPr>
-                        <a:t>Настройка безопасности</a:t>
-                      </a:r>
-                      <a:endParaRPr lang="ru-RU" sz="800">
-                        <a:effectLst/>
-                        <a:latin typeface="Calibri" panose="020F0502020204030204" pitchFamily="34" charset="0"/>
+                        <a:latin typeface="Areal"/>
                         <a:ea typeface="Calibri" panose="020F0502020204030204" pitchFamily="34" charset="0"/>
                         <a:cs typeface="Times New Roman" panose="02020603050405020304" pitchFamily="18" charset="0"/>
                       </a:endParaRPr>
@@ -11690,12 +11138,13 @@
                       <a:r>
                         <a:rPr lang="ru-RU" sz="900">
                           <a:effectLst/>
+                          <a:latin typeface="Areal"/>
                         </a:rPr>
                         <a:t>4</a:t>
                       </a:r>
                       <a:endParaRPr lang="ru-RU" sz="800">
                         <a:effectLst/>
-                        <a:latin typeface="Calibri" panose="020F0502020204030204" pitchFamily="34" charset="0"/>
+                        <a:latin typeface="Areal"/>
                         <a:ea typeface="Calibri" panose="020F0502020204030204" pitchFamily="34" charset="0"/>
                         <a:cs typeface="Times New Roman" panose="02020603050405020304" pitchFamily="18" charset="0"/>
                       </a:endParaRPr>
@@ -11719,12 +11168,80 @@
                       <a:r>
                         <a:rPr lang="ru-RU" sz="900">
                           <a:effectLst/>
+                          <a:latin typeface="Areal"/>
                         </a:rPr>
                         <a:t>0</a:t>
                       </a:r>
                       <a:endParaRPr lang="ru-RU" sz="800">
                         <a:effectLst/>
-                        <a:latin typeface="Calibri" panose="020F0502020204030204" pitchFamily="34" charset="0"/>
+                        <a:latin typeface="Areal"/>
+                        <a:ea typeface="Calibri" panose="020F0502020204030204" pitchFamily="34" charset="0"/>
+                        <a:cs typeface="Times New Roman" panose="02020603050405020304" pitchFamily="18" charset="0"/>
+                      </a:endParaRPr>
+                    </a:p>
+                  </a:txBody>
+                  <a:tcPr marL="50437" marR="50437" marT="0" marB="0"/>
+                </a:tc>
+                <a:tc>
+                  <a:txBody>
+                    <a:bodyPr/>
+                    <a:lstStyle/>
+                    <a:p>
+                      <a:pPr algn="ctr">
+                        <a:lnSpc>
+                          <a:spcPct val="107000"/>
+                        </a:lnSpc>
+                        <a:spcAft>
+                          <a:spcPts val="0"/>
+                        </a:spcAft>
+                      </a:pPr>
+                      <a:r>
+                        <a:rPr lang="ru-RU" sz="900" dirty="0">
+                          <a:effectLst/>
+                          <a:latin typeface="Areal"/>
+                        </a:rPr>
+                        <a:t>100%</a:t>
+                      </a:r>
+                      <a:endParaRPr lang="ru-RU" sz="800" dirty="0">
+                        <a:effectLst/>
+                        <a:latin typeface="Areal"/>
+                        <a:ea typeface="Calibri" panose="020F0502020204030204" pitchFamily="34" charset="0"/>
+                        <a:cs typeface="Times New Roman" panose="02020603050405020304" pitchFamily="18" charset="0"/>
+                      </a:endParaRPr>
+                    </a:p>
+                  </a:txBody>
+                  <a:tcPr marL="50437" marR="50437" marT="0" marB="0"/>
+                </a:tc>
+                <a:extLst>
+                  <a:ext uri="{0D108BD9-81ED-4DB2-BD59-A6C34878D82A}">
+                    <a16:rowId xmlns:a16="http://schemas.microsoft.com/office/drawing/2014/main" val="55117554"/>
+                  </a:ext>
+                </a:extLst>
+              </a:tr>
+              <a:tr h="460335">
+                <a:tc>
+                  <a:txBody>
+                    <a:bodyPr/>
+                    <a:lstStyle/>
+                    <a:p>
+                      <a:pPr algn="l">
+                        <a:lnSpc>
+                          <a:spcPct val="107000"/>
+                        </a:lnSpc>
+                        <a:spcAft>
+                          <a:spcPts val="0"/>
+                        </a:spcAft>
+                      </a:pPr>
+                      <a:r>
+                        <a:rPr lang="ru-RU" sz="900" dirty="0">
+                          <a:effectLst/>
+                          <a:latin typeface="Areal"/>
+                        </a:rPr>
+                        <a:t>Работа с файлами конфигураций</a:t>
+                      </a:r>
+                      <a:endParaRPr lang="ru-RU" sz="800" dirty="0">
+                        <a:effectLst/>
+                        <a:latin typeface="Areal"/>
                         <a:ea typeface="Calibri" panose="020F0502020204030204" pitchFamily="34" charset="0"/>
                         <a:cs typeface="Times New Roman" panose="02020603050405020304" pitchFamily="18" charset="0"/>
                       </a:endParaRPr>
@@ -11748,12 +11265,13 @@
                       <a:r>
                         <a:rPr lang="ru-RU" sz="900">
                           <a:effectLst/>
+                          <a:latin typeface="Areal"/>
                         </a:rPr>
-                        <a:t>4</a:t>
+                        <a:t>5</a:t>
                       </a:r>
                       <a:endParaRPr lang="ru-RU" sz="800">
                         <a:effectLst/>
-                        <a:latin typeface="Calibri" panose="020F0502020204030204" pitchFamily="34" charset="0"/>
+                        <a:latin typeface="Areal"/>
                         <a:ea typeface="Calibri" panose="020F0502020204030204" pitchFamily="34" charset="0"/>
                         <a:cs typeface="Times New Roman" panose="02020603050405020304" pitchFamily="18" charset="0"/>
                       </a:endParaRPr>
@@ -11777,48 +11295,13 @@
                       <a:r>
                         <a:rPr lang="ru-RU" sz="900">
                           <a:effectLst/>
+                          <a:latin typeface="Areal"/>
                         </a:rPr>
-                        <a:t>0%</a:t>
+                        <a:t>5</a:t>
                       </a:r>
                       <a:endParaRPr lang="ru-RU" sz="800">
                         <a:effectLst/>
-                        <a:latin typeface="Calibri" panose="020F0502020204030204" pitchFamily="34" charset="0"/>
-                        <a:ea typeface="Calibri" panose="020F0502020204030204" pitchFamily="34" charset="0"/>
-                        <a:cs typeface="Times New Roman" panose="02020603050405020304" pitchFamily="18" charset="0"/>
-                      </a:endParaRPr>
-                    </a:p>
-                  </a:txBody>
-                  <a:tcPr marL="50437" marR="50437" marT="0" marB="0"/>
-                </a:tc>
-                <a:extLst>
-                  <a:ext uri="{0D108BD9-81ED-4DB2-BD59-A6C34878D82A}">
-                    <a16:rowId xmlns:a16="http://schemas.microsoft.com/office/drawing/2014/main" val="960015217"/>
-                  </a:ext>
-                </a:extLst>
-              </a:tr>
-              <a:tr h="304187">
-                <a:tc>
-                  <a:txBody>
-                    <a:bodyPr/>
-                    <a:lstStyle/>
-                    <a:p>
-                      <a:pPr>
-                        <a:lnSpc>
-                          <a:spcPct val="107000"/>
-                        </a:lnSpc>
-                        <a:spcAft>
-                          <a:spcPts val="0"/>
-                        </a:spcAft>
-                      </a:pPr>
-                      <a:r>
-                        <a:rPr lang="ru-RU" sz="900">
-                          <a:effectLst/>
-                        </a:rPr>
-                        <a:t>Источник данных</a:t>
-                      </a:r>
-                      <a:endParaRPr lang="ru-RU" sz="800">
-                        <a:effectLst/>
-                        <a:latin typeface="Calibri" panose="020F0502020204030204" pitchFamily="34" charset="0"/>
+                        <a:latin typeface="Areal"/>
                         <a:ea typeface="Calibri" panose="020F0502020204030204" pitchFamily="34" charset="0"/>
                         <a:cs typeface="Times New Roman" panose="02020603050405020304" pitchFamily="18" charset="0"/>
                       </a:endParaRPr>
@@ -11842,12 +11325,13 @@
                       <a:r>
                         <a:rPr lang="ru-RU" sz="900">
                           <a:effectLst/>
+                          <a:latin typeface="Areal"/>
                         </a:rPr>
-                        <a:t>5</a:t>
+                        <a:t>0</a:t>
                       </a:r>
                       <a:endParaRPr lang="ru-RU" sz="800">
                         <a:effectLst/>
-                        <a:latin typeface="Calibri" panose="020F0502020204030204" pitchFamily="34" charset="0"/>
+                        <a:latin typeface="Areal"/>
                         <a:ea typeface="Calibri" panose="020F0502020204030204" pitchFamily="34" charset="0"/>
                         <a:cs typeface="Times New Roman" panose="02020603050405020304" pitchFamily="18" charset="0"/>
                       </a:endParaRPr>
@@ -11869,832 +11353,15 @@
                         </a:spcAft>
                       </a:pPr>
                       <a:r>
-                        <a:rPr lang="ru-RU" sz="900">
+                        <a:rPr lang="ru-RU" sz="900" dirty="0">
                           <a:effectLst/>
-                        </a:rPr>
-                        <a:t>5</a:t>
-                      </a:r>
-                      <a:endParaRPr lang="ru-RU" sz="800">
-                        <a:effectLst/>
-                        <a:latin typeface="Calibri" panose="020F0502020204030204" pitchFamily="34" charset="0"/>
-                        <a:ea typeface="Calibri" panose="020F0502020204030204" pitchFamily="34" charset="0"/>
-                        <a:cs typeface="Times New Roman" panose="02020603050405020304" pitchFamily="18" charset="0"/>
-                      </a:endParaRPr>
-                    </a:p>
-                  </a:txBody>
-                  <a:tcPr marL="50437" marR="50437" marT="0" marB="0"/>
-                </a:tc>
-                <a:tc>
-                  <a:txBody>
-                    <a:bodyPr/>
-                    <a:lstStyle/>
-                    <a:p>
-                      <a:pPr algn="ctr">
-                        <a:lnSpc>
-                          <a:spcPct val="107000"/>
-                        </a:lnSpc>
-                        <a:spcAft>
-                          <a:spcPts val="0"/>
-                        </a:spcAft>
-                      </a:pPr>
-                      <a:r>
-                        <a:rPr lang="ru-RU" sz="900">
-                          <a:effectLst/>
-                        </a:rPr>
-                        <a:t>0</a:t>
-                      </a:r>
-                      <a:endParaRPr lang="ru-RU" sz="800">
-                        <a:effectLst/>
-                        <a:latin typeface="Calibri" panose="020F0502020204030204" pitchFamily="34" charset="0"/>
-                        <a:ea typeface="Calibri" panose="020F0502020204030204" pitchFamily="34" charset="0"/>
-                        <a:cs typeface="Times New Roman" panose="02020603050405020304" pitchFamily="18" charset="0"/>
-                      </a:endParaRPr>
-                    </a:p>
-                  </a:txBody>
-                  <a:tcPr marL="50437" marR="50437" marT="0" marB="0"/>
-                </a:tc>
-                <a:tc>
-                  <a:txBody>
-                    <a:bodyPr/>
-                    <a:lstStyle/>
-                    <a:p>
-                      <a:pPr algn="ctr">
-                        <a:lnSpc>
-                          <a:spcPct val="107000"/>
-                        </a:lnSpc>
-                        <a:spcAft>
-                          <a:spcPts val="0"/>
-                        </a:spcAft>
-                      </a:pPr>
-                      <a:r>
-                        <a:rPr lang="ru-RU" sz="900">
-                          <a:effectLst/>
+                          <a:latin typeface="Areal"/>
                         </a:rPr>
                         <a:t>100%</a:t>
                       </a:r>
-                      <a:endParaRPr lang="ru-RU" sz="800">
+                      <a:endParaRPr lang="ru-RU" sz="800" dirty="0">
                         <a:effectLst/>
-                        <a:latin typeface="Calibri" panose="020F0502020204030204" pitchFamily="34" charset="0"/>
-                        <a:ea typeface="Calibri" panose="020F0502020204030204" pitchFamily="34" charset="0"/>
-                        <a:cs typeface="Times New Roman" panose="02020603050405020304" pitchFamily="18" charset="0"/>
-                      </a:endParaRPr>
-                    </a:p>
-                  </a:txBody>
-                  <a:tcPr marL="50437" marR="50437" marT="0" marB="0"/>
-                </a:tc>
-                <a:extLst>
-                  <a:ext uri="{0D108BD9-81ED-4DB2-BD59-A6C34878D82A}">
-                    <a16:rowId xmlns:a16="http://schemas.microsoft.com/office/drawing/2014/main" val="3757825626"/>
-                  </a:ext>
-                </a:extLst>
-              </a:tr>
-              <a:tr h="306304">
-                <a:tc>
-                  <a:txBody>
-                    <a:bodyPr/>
-                    <a:lstStyle/>
-                    <a:p>
-                      <a:pPr>
-                        <a:lnSpc>
-                          <a:spcPct val="107000"/>
-                        </a:lnSpc>
-                        <a:spcAft>
-                          <a:spcPts val="0"/>
-                        </a:spcAft>
-                      </a:pPr>
-                      <a:r>
-                        <a:rPr lang="ru-RU" sz="900">
-                          <a:effectLst/>
-                        </a:rPr>
-                        <a:t>Размер и положение окна</a:t>
-                      </a:r>
-                      <a:endParaRPr lang="ru-RU" sz="800">
-                        <a:effectLst/>
-                        <a:latin typeface="Calibri" panose="020F0502020204030204" pitchFamily="34" charset="0"/>
-                        <a:ea typeface="Calibri" panose="020F0502020204030204" pitchFamily="34" charset="0"/>
-                        <a:cs typeface="Times New Roman" panose="02020603050405020304" pitchFamily="18" charset="0"/>
-                      </a:endParaRPr>
-                    </a:p>
-                  </a:txBody>
-                  <a:tcPr marL="50437" marR="50437" marT="0" marB="0"/>
-                </a:tc>
-                <a:tc>
-                  <a:txBody>
-                    <a:bodyPr/>
-                    <a:lstStyle/>
-                    <a:p>
-                      <a:pPr algn="ctr">
-                        <a:lnSpc>
-                          <a:spcPct val="107000"/>
-                        </a:lnSpc>
-                        <a:spcAft>
-                          <a:spcPts val="0"/>
-                        </a:spcAft>
-                      </a:pPr>
-                      <a:r>
-                        <a:rPr lang="ru-RU" sz="900">
-                          <a:effectLst/>
-                        </a:rPr>
-                        <a:t>2</a:t>
-                      </a:r>
-                      <a:endParaRPr lang="ru-RU" sz="800">
-                        <a:effectLst/>
-                        <a:latin typeface="Calibri" panose="020F0502020204030204" pitchFamily="34" charset="0"/>
-                        <a:ea typeface="Calibri" panose="020F0502020204030204" pitchFamily="34" charset="0"/>
-                        <a:cs typeface="Times New Roman" panose="02020603050405020304" pitchFamily="18" charset="0"/>
-                      </a:endParaRPr>
-                    </a:p>
-                  </a:txBody>
-                  <a:tcPr marL="50437" marR="50437" marT="0" marB="0"/>
-                </a:tc>
-                <a:tc>
-                  <a:txBody>
-                    <a:bodyPr/>
-                    <a:lstStyle/>
-                    <a:p>
-                      <a:pPr algn="ctr">
-                        <a:lnSpc>
-                          <a:spcPct val="107000"/>
-                        </a:lnSpc>
-                        <a:spcAft>
-                          <a:spcPts val="0"/>
-                        </a:spcAft>
-                      </a:pPr>
-                      <a:r>
-                        <a:rPr lang="ru-RU" sz="900">
-                          <a:effectLst/>
-                        </a:rPr>
-                        <a:t>2</a:t>
-                      </a:r>
-                      <a:endParaRPr lang="ru-RU" sz="800">
-                        <a:effectLst/>
-                        <a:latin typeface="Calibri" panose="020F0502020204030204" pitchFamily="34" charset="0"/>
-                        <a:ea typeface="Calibri" panose="020F0502020204030204" pitchFamily="34" charset="0"/>
-                        <a:cs typeface="Times New Roman" panose="02020603050405020304" pitchFamily="18" charset="0"/>
-                      </a:endParaRPr>
-                    </a:p>
-                  </a:txBody>
-                  <a:tcPr marL="50437" marR="50437" marT="0" marB="0"/>
-                </a:tc>
-                <a:tc>
-                  <a:txBody>
-                    <a:bodyPr/>
-                    <a:lstStyle/>
-                    <a:p>
-                      <a:pPr algn="ctr">
-                        <a:lnSpc>
-                          <a:spcPct val="107000"/>
-                        </a:lnSpc>
-                        <a:spcAft>
-                          <a:spcPts val="0"/>
-                        </a:spcAft>
-                      </a:pPr>
-                      <a:r>
-                        <a:rPr lang="ru-RU" sz="900">
-                          <a:effectLst/>
-                        </a:rPr>
-                        <a:t>0</a:t>
-                      </a:r>
-                      <a:endParaRPr lang="ru-RU" sz="800">
-                        <a:effectLst/>
-                        <a:latin typeface="Calibri" panose="020F0502020204030204" pitchFamily="34" charset="0"/>
-                        <a:ea typeface="Calibri" panose="020F0502020204030204" pitchFamily="34" charset="0"/>
-                        <a:cs typeface="Times New Roman" panose="02020603050405020304" pitchFamily="18" charset="0"/>
-                      </a:endParaRPr>
-                    </a:p>
-                  </a:txBody>
-                  <a:tcPr marL="50437" marR="50437" marT="0" marB="0"/>
-                </a:tc>
-                <a:tc>
-                  <a:txBody>
-                    <a:bodyPr/>
-                    <a:lstStyle/>
-                    <a:p>
-                      <a:pPr algn="ctr">
-                        <a:lnSpc>
-                          <a:spcPct val="107000"/>
-                        </a:lnSpc>
-                        <a:spcAft>
-                          <a:spcPts val="0"/>
-                        </a:spcAft>
-                      </a:pPr>
-                      <a:r>
-                        <a:rPr lang="ru-RU" sz="900">
-                          <a:effectLst/>
-                        </a:rPr>
-                        <a:t>100%</a:t>
-                      </a:r>
-                      <a:endParaRPr lang="ru-RU" sz="800">
-                        <a:effectLst/>
-                        <a:latin typeface="Calibri" panose="020F0502020204030204" pitchFamily="34" charset="0"/>
-                        <a:ea typeface="Calibri" panose="020F0502020204030204" pitchFamily="34" charset="0"/>
-                        <a:cs typeface="Times New Roman" panose="02020603050405020304" pitchFamily="18" charset="0"/>
-                      </a:endParaRPr>
-                    </a:p>
-                  </a:txBody>
-                  <a:tcPr marL="50437" marR="50437" marT="0" marB="0"/>
-                </a:tc>
-                <a:extLst>
-                  <a:ext uri="{0D108BD9-81ED-4DB2-BD59-A6C34878D82A}">
-                    <a16:rowId xmlns:a16="http://schemas.microsoft.com/office/drawing/2014/main" val="2331049773"/>
-                  </a:ext>
-                </a:extLst>
-              </a:tr>
-              <a:tr h="306304">
-                <a:tc>
-                  <a:txBody>
-                    <a:bodyPr/>
-                    <a:lstStyle/>
-                    <a:p>
-                      <a:pPr>
-                        <a:lnSpc>
-                          <a:spcPct val="107000"/>
-                        </a:lnSpc>
-                        <a:spcAft>
-                          <a:spcPts val="0"/>
-                        </a:spcAft>
-                      </a:pPr>
-                      <a:r>
-                        <a:rPr lang="ru-RU" sz="900">
-                          <a:effectLst/>
-                        </a:rPr>
-                        <a:t>Размер и положение окна</a:t>
-                      </a:r>
-                      <a:endParaRPr lang="ru-RU" sz="800">
-                        <a:effectLst/>
-                        <a:latin typeface="Calibri" panose="020F0502020204030204" pitchFamily="34" charset="0"/>
-                        <a:ea typeface="Calibri" panose="020F0502020204030204" pitchFamily="34" charset="0"/>
-                        <a:cs typeface="Times New Roman" panose="02020603050405020304" pitchFamily="18" charset="0"/>
-                      </a:endParaRPr>
-                    </a:p>
-                  </a:txBody>
-                  <a:tcPr marL="50437" marR="50437" marT="0" marB="0"/>
-                </a:tc>
-                <a:tc>
-                  <a:txBody>
-                    <a:bodyPr/>
-                    <a:lstStyle/>
-                    <a:p>
-                      <a:pPr algn="ctr">
-                        <a:lnSpc>
-                          <a:spcPct val="107000"/>
-                        </a:lnSpc>
-                        <a:spcAft>
-                          <a:spcPts val="0"/>
-                        </a:spcAft>
-                      </a:pPr>
-                      <a:r>
-                        <a:rPr lang="ru-RU" sz="900">
-                          <a:effectLst/>
-                        </a:rPr>
-                        <a:t>2</a:t>
-                      </a:r>
-                      <a:endParaRPr lang="ru-RU" sz="800">
-                        <a:effectLst/>
-                        <a:latin typeface="Calibri" panose="020F0502020204030204" pitchFamily="34" charset="0"/>
-                        <a:ea typeface="Calibri" panose="020F0502020204030204" pitchFamily="34" charset="0"/>
-                        <a:cs typeface="Times New Roman" panose="02020603050405020304" pitchFamily="18" charset="0"/>
-                      </a:endParaRPr>
-                    </a:p>
-                  </a:txBody>
-                  <a:tcPr marL="50437" marR="50437" marT="0" marB="0"/>
-                </a:tc>
-                <a:tc>
-                  <a:txBody>
-                    <a:bodyPr/>
-                    <a:lstStyle/>
-                    <a:p>
-                      <a:pPr algn="ctr">
-                        <a:lnSpc>
-                          <a:spcPct val="107000"/>
-                        </a:lnSpc>
-                        <a:spcAft>
-                          <a:spcPts val="0"/>
-                        </a:spcAft>
-                      </a:pPr>
-                      <a:r>
-                        <a:rPr lang="ru-RU" sz="900">
-                          <a:effectLst/>
-                        </a:rPr>
-                        <a:t>2</a:t>
-                      </a:r>
-                      <a:endParaRPr lang="ru-RU" sz="800">
-                        <a:effectLst/>
-                        <a:latin typeface="Calibri" panose="020F0502020204030204" pitchFamily="34" charset="0"/>
-                        <a:ea typeface="Calibri" panose="020F0502020204030204" pitchFamily="34" charset="0"/>
-                        <a:cs typeface="Times New Roman" panose="02020603050405020304" pitchFamily="18" charset="0"/>
-                      </a:endParaRPr>
-                    </a:p>
-                  </a:txBody>
-                  <a:tcPr marL="50437" marR="50437" marT="0" marB="0"/>
-                </a:tc>
-                <a:tc>
-                  <a:txBody>
-                    <a:bodyPr/>
-                    <a:lstStyle/>
-                    <a:p>
-                      <a:pPr algn="ctr">
-                        <a:lnSpc>
-                          <a:spcPct val="107000"/>
-                        </a:lnSpc>
-                        <a:spcAft>
-                          <a:spcPts val="0"/>
-                        </a:spcAft>
-                      </a:pPr>
-                      <a:r>
-                        <a:rPr lang="ru-RU" sz="900">
-                          <a:effectLst/>
-                        </a:rPr>
-                        <a:t>0</a:t>
-                      </a:r>
-                      <a:endParaRPr lang="ru-RU" sz="800">
-                        <a:effectLst/>
-                        <a:latin typeface="Calibri" panose="020F0502020204030204" pitchFamily="34" charset="0"/>
-                        <a:ea typeface="Calibri" panose="020F0502020204030204" pitchFamily="34" charset="0"/>
-                        <a:cs typeface="Times New Roman" panose="02020603050405020304" pitchFamily="18" charset="0"/>
-                      </a:endParaRPr>
-                    </a:p>
-                  </a:txBody>
-                  <a:tcPr marL="50437" marR="50437" marT="0" marB="0"/>
-                </a:tc>
-                <a:tc>
-                  <a:txBody>
-                    <a:bodyPr/>
-                    <a:lstStyle/>
-                    <a:p>
-                      <a:pPr algn="ctr">
-                        <a:lnSpc>
-                          <a:spcPct val="107000"/>
-                        </a:lnSpc>
-                        <a:spcAft>
-                          <a:spcPts val="0"/>
-                        </a:spcAft>
-                      </a:pPr>
-                      <a:r>
-                        <a:rPr lang="ru-RU" sz="900">
-                          <a:effectLst/>
-                        </a:rPr>
-                        <a:t>100%</a:t>
-                      </a:r>
-                      <a:endParaRPr lang="ru-RU" sz="800">
-                        <a:effectLst/>
-                        <a:latin typeface="Calibri" panose="020F0502020204030204" pitchFamily="34" charset="0"/>
-                        <a:ea typeface="Calibri" panose="020F0502020204030204" pitchFamily="34" charset="0"/>
-                        <a:cs typeface="Times New Roman" panose="02020603050405020304" pitchFamily="18" charset="0"/>
-                      </a:endParaRPr>
-                    </a:p>
-                  </a:txBody>
-                  <a:tcPr marL="50437" marR="50437" marT="0" marB="0"/>
-                </a:tc>
-                <a:extLst>
-                  <a:ext uri="{0D108BD9-81ED-4DB2-BD59-A6C34878D82A}">
-                    <a16:rowId xmlns:a16="http://schemas.microsoft.com/office/drawing/2014/main" val="3187624153"/>
-                  </a:ext>
-                </a:extLst>
-              </a:tr>
-              <a:tr h="306304">
-                <a:tc>
-                  <a:txBody>
-                    <a:bodyPr/>
-                    <a:lstStyle/>
-                    <a:p>
-                      <a:pPr>
-                        <a:lnSpc>
-                          <a:spcPct val="107000"/>
-                        </a:lnSpc>
-                        <a:spcAft>
-                          <a:spcPts val="0"/>
-                        </a:spcAft>
-                      </a:pPr>
-                      <a:r>
-                        <a:rPr lang="ru-RU" sz="900">
-                          <a:effectLst/>
-                        </a:rPr>
-                        <a:t>Фильтр пользователя</a:t>
-                      </a:r>
-                      <a:endParaRPr lang="ru-RU" sz="800">
-                        <a:effectLst/>
-                        <a:latin typeface="Calibri" panose="020F0502020204030204" pitchFamily="34" charset="0"/>
-                        <a:ea typeface="Calibri" panose="020F0502020204030204" pitchFamily="34" charset="0"/>
-                        <a:cs typeface="Times New Roman" panose="02020603050405020304" pitchFamily="18" charset="0"/>
-                      </a:endParaRPr>
-                    </a:p>
-                  </a:txBody>
-                  <a:tcPr marL="50437" marR="50437" marT="0" marB="0"/>
-                </a:tc>
-                <a:tc>
-                  <a:txBody>
-                    <a:bodyPr/>
-                    <a:lstStyle/>
-                    <a:p>
-                      <a:pPr algn="ctr">
-                        <a:lnSpc>
-                          <a:spcPct val="107000"/>
-                        </a:lnSpc>
-                        <a:spcAft>
-                          <a:spcPts val="0"/>
-                        </a:spcAft>
-                      </a:pPr>
-                      <a:r>
-                        <a:rPr lang="ru-RU" sz="900">
-                          <a:effectLst/>
-                        </a:rPr>
-                        <a:t>13</a:t>
-                      </a:r>
-                      <a:endParaRPr lang="ru-RU" sz="800">
-                        <a:effectLst/>
-                        <a:latin typeface="Calibri" panose="020F0502020204030204" pitchFamily="34" charset="0"/>
-                        <a:ea typeface="Calibri" panose="020F0502020204030204" pitchFamily="34" charset="0"/>
-                        <a:cs typeface="Times New Roman" panose="02020603050405020304" pitchFamily="18" charset="0"/>
-                      </a:endParaRPr>
-                    </a:p>
-                  </a:txBody>
-                  <a:tcPr marL="50437" marR="50437" marT="0" marB="0"/>
-                </a:tc>
-                <a:tc>
-                  <a:txBody>
-                    <a:bodyPr/>
-                    <a:lstStyle/>
-                    <a:p>
-                      <a:pPr algn="ctr">
-                        <a:lnSpc>
-                          <a:spcPct val="107000"/>
-                        </a:lnSpc>
-                        <a:spcAft>
-                          <a:spcPts val="0"/>
-                        </a:spcAft>
-                      </a:pPr>
-                      <a:r>
-                        <a:rPr lang="ru-RU" sz="900">
-                          <a:effectLst/>
-                        </a:rPr>
-                        <a:t>13</a:t>
-                      </a:r>
-                      <a:endParaRPr lang="ru-RU" sz="800">
-                        <a:effectLst/>
-                        <a:latin typeface="Calibri" panose="020F0502020204030204" pitchFamily="34" charset="0"/>
-                        <a:ea typeface="Calibri" panose="020F0502020204030204" pitchFamily="34" charset="0"/>
-                        <a:cs typeface="Times New Roman" panose="02020603050405020304" pitchFamily="18" charset="0"/>
-                      </a:endParaRPr>
-                    </a:p>
-                  </a:txBody>
-                  <a:tcPr marL="50437" marR="50437" marT="0" marB="0"/>
-                </a:tc>
-                <a:tc>
-                  <a:txBody>
-                    <a:bodyPr/>
-                    <a:lstStyle/>
-                    <a:p>
-                      <a:pPr algn="ctr">
-                        <a:lnSpc>
-                          <a:spcPct val="107000"/>
-                        </a:lnSpc>
-                        <a:spcAft>
-                          <a:spcPts val="0"/>
-                        </a:spcAft>
-                      </a:pPr>
-                      <a:r>
-                        <a:rPr lang="ru-RU" sz="900">
-                          <a:effectLst/>
-                        </a:rPr>
-                        <a:t>0</a:t>
-                      </a:r>
-                      <a:endParaRPr lang="ru-RU" sz="800">
-                        <a:effectLst/>
-                        <a:latin typeface="Calibri" panose="020F0502020204030204" pitchFamily="34" charset="0"/>
-                        <a:ea typeface="Calibri" panose="020F0502020204030204" pitchFamily="34" charset="0"/>
-                        <a:cs typeface="Times New Roman" panose="02020603050405020304" pitchFamily="18" charset="0"/>
-                      </a:endParaRPr>
-                    </a:p>
-                  </a:txBody>
-                  <a:tcPr marL="50437" marR="50437" marT="0" marB="0"/>
-                </a:tc>
-                <a:tc>
-                  <a:txBody>
-                    <a:bodyPr/>
-                    <a:lstStyle/>
-                    <a:p>
-                      <a:pPr algn="ctr">
-                        <a:lnSpc>
-                          <a:spcPct val="107000"/>
-                        </a:lnSpc>
-                        <a:spcAft>
-                          <a:spcPts val="0"/>
-                        </a:spcAft>
-                      </a:pPr>
-                      <a:r>
-                        <a:rPr lang="ru-RU" sz="900">
-                          <a:effectLst/>
-                        </a:rPr>
-                        <a:t>100%</a:t>
-                      </a:r>
-                      <a:endParaRPr lang="ru-RU" sz="800">
-                        <a:effectLst/>
-                        <a:latin typeface="Calibri" panose="020F0502020204030204" pitchFamily="34" charset="0"/>
-                        <a:ea typeface="Calibri" panose="020F0502020204030204" pitchFamily="34" charset="0"/>
-                        <a:cs typeface="Times New Roman" panose="02020603050405020304" pitchFamily="18" charset="0"/>
-                      </a:endParaRPr>
-                    </a:p>
-                  </a:txBody>
-                  <a:tcPr marL="50437" marR="50437" marT="0" marB="0"/>
-                </a:tc>
-                <a:extLst>
-                  <a:ext uri="{0D108BD9-81ED-4DB2-BD59-A6C34878D82A}">
-                    <a16:rowId xmlns:a16="http://schemas.microsoft.com/office/drawing/2014/main" val="2561461905"/>
-                  </a:ext>
-                </a:extLst>
-              </a:tr>
-              <a:tr h="304187">
-                <a:tc>
-                  <a:txBody>
-                    <a:bodyPr/>
-                    <a:lstStyle/>
-                    <a:p>
-                      <a:pPr>
-                        <a:lnSpc>
-                          <a:spcPct val="107000"/>
-                        </a:lnSpc>
-                        <a:spcAft>
-                          <a:spcPts val="0"/>
-                        </a:spcAft>
-                      </a:pPr>
-                      <a:r>
-                        <a:rPr lang="ru-RU" sz="900">
-                          <a:effectLst/>
-                        </a:rPr>
-                        <a:t>Строка состояния</a:t>
-                      </a:r>
-                      <a:endParaRPr lang="ru-RU" sz="800">
-                        <a:effectLst/>
-                        <a:latin typeface="Calibri" panose="020F0502020204030204" pitchFamily="34" charset="0"/>
-                        <a:ea typeface="Calibri" panose="020F0502020204030204" pitchFamily="34" charset="0"/>
-                        <a:cs typeface="Times New Roman" panose="02020603050405020304" pitchFamily="18" charset="0"/>
-                      </a:endParaRPr>
-                    </a:p>
-                  </a:txBody>
-                  <a:tcPr marL="50437" marR="50437" marT="0" marB="0"/>
-                </a:tc>
-                <a:tc>
-                  <a:txBody>
-                    <a:bodyPr/>
-                    <a:lstStyle/>
-                    <a:p>
-                      <a:pPr algn="ctr">
-                        <a:lnSpc>
-                          <a:spcPct val="107000"/>
-                        </a:lnSpc>
-                        <a:spcAft>
-                          <a:spcPts val="0"/>
-                        </a:spcAft>
-                      </a:pPr>
-                      <a:r>
-                        <a:rPr lang="ru-RU" sz="900">
-                          <a:effectLst/>
-                        </a:rPr>
-                        <a:t>4</a:t>
-                      </a:r>
-                      <a:endParaRPr lang="ru-RU" sz="800">
-                        <a:effectLst/>
-                        <a:latin typeface="Calibri" panose="020F0502020204030204" pitchFamily="34" charset="0"/>
-                        <a:ea typeface="Calibri" panose="020F0502020204030204" pitchFamily="34" charset="0"/>
-                        <a:cs typeface="Times New Roman" panose="02020603050405020304" pitchFamily="18" charset="0"/>
-                      </a:endParaRPr>
-                    </a:p>
-                  </a:txBody>
-                  <a:tcPr marL="50437" marR="50437" marT="0" marB="0"/>
-                </a:tc>
-                <a:tc>
-                  <a:txBody>
-                    <a:bodyPr/>
-                    <a:lstStyle/>
-                    <a:p>
-                      <a:pPr algn="ctr">
-                        <a:lnSpc>
-                          <a:spcPct val="107000"/>
-                        </a:lnSpc>
-                        <a:spcAft>
-                          <a:spcPts val="0"/>
-                        </a:spcAft>
-                      </a:pPr>
-                      <a:r>
-                        <a:rPr lang="ru-RU" sz="900">
-                          <a:effectLst/>
-                        </a:rPr>
-                        <a:t>4</a:t>
-                      </a:r>
-                      <a:endParaRPr lang="ru-RU" sz="800">
-                        <a:effectLst/>
-                        <a:latin typeface="Calibri" panose="020F0502020204030204" pitchFamily="34" charset="0"/>
-                        <a:ea typeface="Calibri" panose="020F0502020204030204" pitchFamily="34" charset="0"/>
-                        <a:cs typeface="Times New Roman" panose="02020603050405020304" pitchFamily="18" charset="0"/>
-                      </a:endParaRPr>
-                    </a:p>
-                  </a:txBody>
-                  <a:tcPr marL="50437" marR="50437" marT="0" marB="0"/>
-                </a:tc>
-                <a:tc>
-                  <a:txBody>
-                    <a:bodyPr/>
-                    <a:lstStyle/>
-                    <a:p>
-                      <a:pPr algn="ctr">
-                        <a:lnSpc>
-                          <a:spcPct val="107000"/>
-                        </a:lnSpc>
-                        <a:spcAft>
-                          <a:spcPts val="0"/>
-                        </a:spcAft>
-                      </a:pPr>
-                      <a:r>
-                        <a:rPr lang="ru-RU" sz="900">
-                          <a:effectLst/>
-                        </a:rPr>
-                        <a:t>0</a:t>
-                      </a:r>
-                      <a:endParaRPr lang="ru-RU" sz="800">
-                        <a:effectLst/>
-                        <a:latin typeface="Calibri" panose="020F0502020204030204" pitchFamily="34" charset="0"/>
-                        <a:ea typeface="Calibri" panose="020F0502020204030204" pitchFamily="34" charset="0"/>
-                        <a:cs typeface="Times New Roman" panose="02020603050405020304" pitchFamily="18" charset="0"/>
-                      </a:endParaRPr>
-                    </a:p>
-                  </a:txBody>
-                  <a:tcPr marL="50437" marR="50437" marT="0" marB="0"/>
-                </a:tc>
-                <a:tc>
-                  <a:txBody>
-                    <a:bodyPr/>
-                    <a:lstStyle/>
-                    <a:p>
-                      <a:pPr algn="ctr">
-                        <a:lnSpc>
-                          <a:spcPct val="107000"/>
-                        </a:lnSpc>
-                        <a:spcAft>
-                          <a:spcPts val="0"/>
-                        </a:spcAft>
-                      </a:pPr>
-                      <a:r>
-                        <a:rPr lang="ru-RU" sz="900">
-                          <a:effectLst/>
-                        </a:rPr>
-                        <a:t>100%</a:t>
-                      </a:r>
-                      <a:endParaRPr lang="ru-RU" sz="800">
-                        <a:effectLst/>
-                        <a:latin typeface="Calibri" panose="020F0502020204030204" pitchFamily="34" charset="0"/>
-                        <a:ea typeface="Calibri" panose="020F0502020204030204" pitchFamily="34" charset="0"/>
-                        <a:cs typeface="Times New Roman" panose="02020603050405020304" pitchFamily="18" charset="0"/>
-                      </a:endParaRPr>
-                    </a:p>
-                  </a:txBody>
-                  <a:tcPr marL="50437" marR="50437" marT="0" marB="0"/>
-                </a:tc>
-                <a:extLst>
-                  <a:ext uri="{0D108BD9-81ED-4DB2-BD59-A6C34878D82A}">
-                    <a16:rowId xmlns:a16="http://schemas.microsoft.com/office/drawing/2014/main" val="55117554"/>
-                  </a:ext>
-                </a:extLst>
-              </a:tr>
-              <a:tr h="460335">
-                <a:tc>
-                  <a:txBody>
-                    <a:bodyPr/>
-                    <a:lstStyle/>
-                    <a:p>
-                      <a:pPr>
-                        <a:lnSpc>
-                          <a:spcPct val="107000"/>
-                        </a:lnSpc>
-                        <a:spcAft>
-                          <a:spcPts val="0"/>
-                        </a:spcAft>
-                      </a:pPr>
-                      <a:r>
-                        <a:rPr lang="ru-RU" sz="900">
-                          <a:effectLst/>
-                        </a:rPr>
-                        <a:t>Работа с файлами конфигураций</a:t>
-                      </a:r>
-                      <a:endParaRPr lang="ru-RU" sz="800">
-                        <a:effectLst/>
-                        <a:latin typeface="Calibri" panose="020F0502020204030204" pitchFamily="34" charset="0"/>
-                        <a:ea typeface="Calibri" panose="020F0502020204030204" pitchFamily="34" charset="0"/>
-                        <a:cs typeface="Times New Roman" panose="02020603050405020304" pitchFamily="18" charset="0"/>
-                      </a:endParaRPr>
-                    </a:p>
-                  </a:txBody>
-                  <a:tcPr marL="50437" marR="50437" marT="0" marB="0"/>
-                </a:tc>
-                <a:tc>
-                  <a:txBody>
-                    <a:bodyPr/>
-                    <a:lstStyle/>
-                    <a:p>
-                      <a:pPr algn="ctr">
-                        <a:lnSpc>
-                          <a:spcPct val="107000"/>
-                        </a:lnSpc>
-                        <a:spcAft>
-                          <a:spcPts val="0"/>
-                        </a:spcAft>
-                      </a:pPr>
-                      <a:r>
-                        <a:rPr lang="ru-RU" sz="900">
-                          <a:effectLst/>
-                        </a:rPr>
-                        <a:t>5</a:t>
-                      </a:r>
-                      <a:endParaRPr lang="ru-RU" sz="800">
-                        <a:effectLst/>
-                        <a:latin typeface="Calibri" panose="020F0502020204030204" pitchFamily="34" charset="0"/>
-                        <a:ea typeface="Calibri" panose="020F0502020204030204" pitchFamily="34" charset="0"/>
-                        <a:cs typeface="Times New Roman" panose="02020603050405020304" pitchFamily="18" charset="0"/>
-                      </a:endParaRPr>
-                    </a:p>
-                  </a:txBody>
-                  <a:tcPr marL="50437" marR="50437" marT="0" marB="0"/>
-                </a:tc>
-                <a:tc>
-                  <a:txBody>
-                    <a:bodyPr/>
-                    <a:lstStyle/>
-                    <a:p>
-                      <a:pPr algn="ctr">
-                        <a:lnSpc>
-                          <a:spcPct val="107000"/>
-                        </a:lnSpc>
-                        <a:spcAft>
-                          <a:spcPts val="0"/>
-                        </a:spcAft>
-                      </a:pPr>
-                      <a:r>
-                        <a:rPr lang="ru-RU" sz="900">
-                          <a:effectLst/>
-                        </a:rPr>
-                        <a:t>5</a:t>
-                      </a:r>
-                      <a:endParaRPr lang="ru-RU" sz="800">
-                        <a:effectLst/>
-                        <a:latin typeface="Calibri" panose="020F0502020204030204" pitchFamily="34" charset="0"/>
-                        <a:ea typeface="Calibri" panose="020F0502020204030204" pitchFamily="34" charset="0"/>
-                        <a:cs typeface="Times New Roman" panose="02020603050405020304" pitchFamily="18" charset="0"/>
-                      </a:endParaRPr>
-                    </a:p>
-                  </a:txBody>
-                  <a:tcPr marL="50437" marR="50437" marT="0" marB="0"/>
-                </a:tc>
-                <a:tc>
-                  <a:txBody>
-                    <a:bodyPr/>
-                    <a:lstStyle/>
-                    <a:p>
-                      <a:pPr algn="ctr">
-                        <a:lnSpc>
-                          <a:spcPct val="107000"/>
-                        </a:lnSpc>
-                        <a:spcAft>
-                          <a:spcPts val="0"/>
-                        </a:spcAft>
-                      </a:pPr>
-                      <a:r>
-                        <a:rPr lang="ru-RU" sz="900">
-                          <a:effectLst/>
-                        </a:rPr>
-                        <a:t>0</a:t>
-                      </a:r>
-                      <a:endParaRPr lang="ru-RU" sz="800">
-                        <a:effectLst/>
-                        <a:latin typeface="Calibri" panose="020F0502020204030204" pitchFamily="34" charset="0"/>
-                        <a:ea typeface="Calibri" panose="020F0502020204030204" pitchFamily="34" charset="0"/>
-                        <a:cs typeface="Times New Roman" panose="02020603050405020304" pitchFamily="18" charset="0"/>
-                      </a:endParaRPr>
-                    </a:p>
-                  </a:txBody>
-                  <a:tcPr marL="50437" marR="50437" marT="0" marB="0"/>
-                </a:tc>
-                <a:tc>
-                  <a:txBody>
-                    <a:bodyPr/>
-                    <a:lstStyle/>
-                    <a:p>
-                      <a:pPr algn="ctr">
-                        <a:lnSpc>
-                          <a:spcPct val="107000"/>
-                        </a:lnSpc>
-                        <a:spcAft>
-                          <a:spcPts val="0"/>
-                        </a:spcAft>
-                      </a:pPr>
-                      <a:r>
-                        <a:rPr lang="ru-RU" sz="900">
-                          <a:effectLst/>
-                        </a:rPr>
-                        <a:t>100%</a:t>
-                      </a:r>
-                      <a:endParaRPr lang="ru-RU" sz="800">
-                        <a:effectLst/>
-                        <a:latin typeface="Calibri" panose="020F0502020204030204" pitchFamily="34" charset="0"/>
+                        <a:latin typeface="Areal"/>
                         <a:ea typeface="Calibri" panose="020F0502020204030204" pitchFamily="34" charset="0"/>
                         <a:cs typeface="Times New Roman" panose="02020603050405020304" pitchFamily="18" charset="0"/>
                       </a:endParaRPr>
@@ -12725,12 +11392,13 @@
                       <a:r>
                         <a:rPr lang="ru-RU" sz="900">
                           <a:effectLst/>
+                          <a:latin typeface="Areal"/>
                         </a:rPr>
                         <a:t>Сумма</a:t>
                       </a:r>
                       <a:endParaRPr lang="ru-RU" sz="800">
                         <a:effectLst/>
-                        <a:latin typeface="Calibri" panose="020F0502020204030204" pitchFamily="34" charset="0"/>
+                        <a:latin typeface="Areal"/>
                         <a:ea typeface="Calibri" panose="020F0502020204030204" pitchFamily="34" charset="0"/>
                         <a:cs typeface="Times New Roman" panose="02020603050405020304" pitchFamily="18" charset="0"/>
                       </a:endParaRPr>
@@ -12754,12 +11422,13 @@
                       <a:r>
                         <a:rPr lang="ru-RU" sz="900">
                           <a:effectLst/>
+                          <a:latin typeface="Areal"/>
                         </a:rPr>
                         <a:t>113</a:t>
                       </a:r>
                       <a:endParaRPr lang="ru-RU" sz="800">
                         <a:effectLst/>
-                        <a:latin typeface="Calibri" panose="020F0502020204030204" pitchFamily="34" charset="0"/>
+                        <a:latin typeface="Areal"/>
                         <a:ea typeface="Calibri" panose="020F0502020204030204" pitchFamily="34" charset="0"/>
                         <a:cs typeface="Times New Roman" panose="02020603050405020304" pitchFamily="18" charset="0"/>
                       </a:endParaRPr>
@@ -12783,12 +11452,13 @@
                       <a:r>
                         <a:rPr lang="ru-RU" sz="900">
                           <a:effectLst/>
+                          <a:latin typeface="Areal"/>
                         </a:rPr>
                         <a:t>73</a:t>
                       </a:r>
                       <a:endParaRPr lang="ru-RU" sz="800">
                         <a:effectLst/>
-                        <a:latin typeface="Calibri" panose="020F0502020204030204" pitchFamily="34" charset="0"/>
+                        <a:latin typeface="Areal"/>
                         <a:ea typeface="Calibri" panose="020F0502020204030204" pitchFamily="34" charset="0"/>
                         <a:cs typeface="Times New Roman" panose="02020603050405020304" pitchFamily="18" charset="0"/>
                       </a:endParaRPr>
@@ -12812,12 +11482,13 @@
                       <a:r>
                         <a:rPr lang="ru-RU" sz="900">
                           <a:effectLst/>
+                          <a:latin typeface="Areal"/>
                         </a:rPr>
                         <a:t>40</a:t>
                       </a:r>
                       <a:endParaRPr lang="ru-RU" sz="800">
                         <a:effectLst/>
-                        <a:latin typeface="Calibri" panose="020F0502020204030204" pitchFamily="34" charset="0"/>
+                        <a:latin typeface="Areal"/>
                         <a:ea typeface="Calibri" panose="020F0502020204030204" pitchFamily="34" charset="0"/>
                         <a:cs typeface="Times New Roman" panose="02020603050405020304" pitchFamily="18" charset="0"/>
                       </a:endParaRPr>
@@ -12841,12 +11512,13 @@
                       <a:r>
                         <a:rPr lang="ru-RU" sz="900" dirty="0">
                           <a:effectLst/>
+                          <a:latin typeface="Areal"/>
                         </a:rPr>
                         <a:t>64.5 %</a:t>
                       </a:r>
                       <a:endParaRPr lang="ru-RU" sz="800" dirty="0">
                         <a:effectLst/>
-                        <a:latin typeface="Calibri" panose="020F0502020204030204" pitchFamily="34" charset="0"/>
+                        <a:latin typeface="Areal"/>
                         <a:ea typeface="Calibri" panose="020F0502020204030204" pitchFamily="34" charset="0"/>
                         <a:cs typeface="Times New Roman" panose="02020603050405020304" pitchFamily="18" charset="0"/>
                       </a:endParaRPr>
@@ -12868,6 +11540,2636 @@
     <p:extLst>
       <p:ext uri="{BB962C8B-B14F-4D97-AF65-F5344CB8AC3E}">
         <p14:creationId xmlns:p14="http://schemas.microsoft.com/office/powerpoint/2010/main" val="2759366048"/>
+      </p:ext>
+    </p:extLst>
+  </p:cSld>
+  <p:clrMapOvr>
+    <a:masterClrMapping/>
+  </p:clrMapOvr>
+  <p:timing>
+    <p:tnLst>
+      <p:par>
+        <p:cTn id="1" dur="indefinite" restart="never" nodeType="tmRoot"/>
+      </p:par>
+    </p:tnLst>
+  </p:timing>
+</p:sld>
+</file>
+
+<file path=ppt/slides/slide12.xml><?xml version="1.0" encoding="utf-8"?>
+<p:sld xmlns:a="http://schemas.openxmlformats.org/drawingml/2006/main" xmlns:r="http://schemas.openxmlformats.org/officeDocument/2006/relationships" xmlns:p="http://schemas.openxmlformats.org/presentationml/2006/main">
+  <p:cSld>
+    <p:spTree>
+      <p:nvGrpSpPr>
+        <p:cNvPr id="1" name=""/>
+        <p:cNvGrpSpPr/>
+        <p:nvPr/>
+      </p:nvGrpSpPr>
+      <p:grpSpPr>
+        <a:xfrm>
+          <a:off x="0" y="0"/>
+          <a:ext cx="0" cy="0"/>
+          <a:chOff x="0" y="0"/>
+          <a:chExt cx="0" cy="0"/>
+        </a:xfrm>
+      </p:grpSpPr>
+      <p:sp>
+        <p:nvSpPr>
+          <p:cNvPr id="2" name="Заголовок 1"/>
+          <p:cNvSpPr>
+            <a:spLocks noGrp="1"/>
+          </p:cNvSpPr>
+          <p:nvPr>
+            <p:ph type="title"/>
+          </p:nvPr>
+        </p:nvSpPr>
+        <p:spPr/>
+        <p:txBody>
+          <a:bodyPr/>
+          <a:lstStyle/>
+          <a:p>
+            <a:pPr algn="r"/>
+            <a:r>
+              <a:rPr lang="ru-RU" b="1" dirty="0" smtClean="0">
+                <a:latin typeface="Areal"/>
+              </a:rPr>
+              <a:t>Тест на проверку получения оперативных событий</a:t>
+            </a:r>
+            <a:endParaRPr lang="ru-RU" b="1" dirty="0">
+              <a:latin typeface="Areal"/>
+            </a:endParaRPr>
+          </a:p>
+        </p:txBody>
+      </p:sp>
+      <p:sp>
+        <p:nvSpPr>
+          <p:cNvPr id="4" name="Номер слайда 3"/>
+          <p:cNvSpPr>
+            <a:spLocks noGrp="1"/>
+          </p:cNvSpPr>
+          <p:nvPr>
+            <p:ph type="sldNum" sz="quarter" idx="12"/>
+          </p:nvPr>
+        </p:nvSpPr>
+        <p:spPr/>
+        <p:txBody>
+          <a:bodyPr/>
+          <a:lstStyle/>
+          <a:p>
+            <a:fld id="{56BE2FE7-2BDA-41F3-A8F8-8456B6B69E41}" type="slidenum">
+              <a:rPr lang="ru-RU" smtClean="0"/>
+              <a:pPr/>
+              <a:t>12</a:t>
+            </a:fld>
+            <a:endParaRPr lang="ru-RU" dirty="0"/>
+          </a:p>
+        </p:txBody>
+      </p:sp>
+      <p:pic>
+        <p:nvPicPr>
+          <p:cNvPr id="6" name="Рисунок 5"/>
+          <p:cNvPicPr/>
+          <p:nvPr/>
+        </p:nvPicPr>
+        <p:blipFill>
+          <a:blip r:embed="rId2">
+            <a:extLst>
+              <a:ext uri="{28A0092B-C50C-407E-A947-70E740481C1C}">
+                <a14:useLocalDpi xmlns:a14="http://schemas.microsoft.com/office/drawing/2010/main" val="0"/>
+              </a:ext>
+            </a:extLst>
+          </a:blip>
+          <a:stretch>
+            <a:fillRect/>
+          </a:stretch>
+        </p:blipFill>
+        <p:spPr>
+          <a:xfrm>
+            <a:off x="2592925" y="2200054"/>
+            <a:ext cx="7720656" cy="3637221"/>
+          </a:xfrm>
+          <a:prstGeom prst="rect">
+            <a:avLst/>
+          </a:prstGeom>
+        </p:spPr>
+      </p:pic>
+      <p:sp>
+        <p:nvSpPr>
+          <p:cNvPr id="7" name="Заголовок 1"/>
+          <p:cNvSpPr txBox="1">
+            <a:spLocks/>
+          </p:cNvSpPr>
+          <p:nvPr/>
+        </p:nvSpPr>
+        <p:spPr>
+          <a:xfrm>
+            <a:off x="4861382" y="6437168"/>
+            <a:ext cx="3183741" cy="420832"/>
+          </a:xfrm>
+          <a:prstGeom prst="rect">
+            <a:avLst/>
+          </a:prstGeom>
+        </p:spPr>
+        <p:txBody>
+          <a:bodyPr vert="horz" lIns="91440" tIns="45720" rIns="91440" bIns="45720" rtlCol="0" anchor="t">
+            <a:normAutofit/>
+          </a:bodyPr>
+          <a:lstStyle>
+            <a:lvl1pPr algn="l" defTabSz="457200" rtl="0" eaLnBrk="1" latinLnBrk="0" hangingPunct="1">
+              <a:spcBef>
+                <a:spcPct val="0"/>
+              </a:spcBef>
+              <a:buNone/>
+              <a:defRPr sz="3600" kern="1200">
+                <a:solidFill>
+                  <a:schemeClr val="tx1">
+                    <a:lumMod val="85000"/>
+                    <a:lumOff val="15000"/>
+                  </a:schemeClr>
+                </a:solidFill>
+                <a:latin typeface="+mj-lt"/>
+                <a:ea typeface="+mj-ea"/>
+                <a:cs typeface="+mj-cs"/>
+              </a:defRPr>
+            </a:lvl1pPr>
+            <a:lvl2pPr eaLnBrk="1" hangingPunct="1">
+              <a:defRPr>
+                <a:solidFill>
+                  <a:schemeClr val="tx2"/>
+                </a:solidFill>
+              </a:defRPr>
+            </a:lvl2pPr>
+            <a:lvl3pPr eaLnBrk="1" hangingPunct="1">
+              <a:defRPr>
+                <a:solidFill>
+                  <a:schemeClr val="tx2"/>
+                </a:solidFill>
+              </a:defRPr>
+            </a:lvl3pPr>
+            <a:lvl4pPr eaLnBrk="1" hangingPunct="1">
+              <a:defRPr>
+                <a:solidFill>
+                  <a:schemeClr val="tx2"/>
+                </a:solidFill>
+              </a:defRPr>
+            </a:lvl4pPr>
+            <a:lvl5pPr eaLnBrk="1" hangingPunct="1">
+              <a:defRPr>
+                <a:solidFill>
+                  <a:schemeClr val="tx2"/>
+                </a:solidFill>
+              </a:defRPr>
+            </a:lvl5pPr>
+            <a:lvl6pPr eaLnBrk="1" hangingPunct="1">
+              <a:defRPr>
+                <a:solidFill>
+                  <a:schemeClr val="tx2"/>
+                </a:solidFill>
+              </a:defRPr>
+            </a:lvl6pPr>
+            <a:lvl7pPr eaLnBrk="1" hangingPunct="1">
+              <a:defRPr>
+                <a:solidFill>
+                  <a:schemeClr val="tx2"/>
+                </a:solidFill>
+              </a:defRPr>
+            </a:lvl7pPr>
+            <a:lvl8pPr eaLnBrk="1" hangingPunct="1">
+              <a:defRPr>
+                <a:solidFill>
+                  <a:schemeClr val="tx2"/>
+                </a:solidFill>
+              </a:defRPr>
+            </a:lvl8pPr>
+            <a:lvl9pPr eaLnBrk="1" hangingPunct="1">
+              <a:defRPr>
+                <a:solidFill>
+                  <a:schemeClr val="tx2"/>
+                </a:solidFill>
+              </a:defRPr>
+            </a:lvl9pPr>
+          </a:lstStyle>
+          <a:p>
+            <a:pPr algn="r"/>
+            <a:r>
+              <a:rPr lang="ru-RU" sz="1400" b="1" dirty="0" smtClean="0">
+                <a:latin typeface="Areal"/>
+              </a:rPr>
+              <a:t>Проверка оперативных событий</a:t>
+            </a:r>
+            <a:endParaRPr lang="ru-RU" sz="1400" b="1" dirty="0">
+              <a:latin typeface="Areal"/>
+            </a:endParaRPr>
+          </a:p>
+        </p:txBody>
+      </p:sp>
+    </p:spTree>
+    <p:extLst>
+      <p:ext uri="{BB962C8B-B14F-4D97-AF65-F5344CB8AC3E}">
+        <p14:creationId xmlns:p14="http://schemas.microsoft.com/office/powerpoint/2010/main" val="1029309018"/>
+      </p:ext>
+    </p:extLst>
+  </p:cSld>
+  <p:clrMapOvr>
+    <a:masterClrMapping/>
+  </p:clrMapOvr>
+  <p:timing>
+    <p:tnLst>
+      <p:par>
+        <p:cTn id="1" dur="indefinite" restart="never" nodeType="tmRoot"/>
+      </p:par>
+    </p:tnLst>
+  </p:timing>
+</p:sld>
+</file>
+
+<file path=ppt/slides/slide13.xml><?xml version="1.0" encoding="utf-8"?>
+<p:sld xmlns:a="http://schemas.openxmlformats.org/drawingml/2006/main" xmlns:r="http://schemas.openxmlformats.org/officeDocument/2006/relationships" xmlns:p="http://schemas.openxmlformats.org/presentationml/2006/main">
+  <p:cSld>
+    <p:spTree>
+      <p:nvGrpSpPr>
+        <p:cNvPr id="1" name=""/>
+        <p:cNvGrpSpPr/>
+        <p:nvPr/>
+      </p:nvGrpSpPr>
+      <p:grpSpPr>
+        <a:xfrm>
+          <a:off x="0" y="0"/>
+          <a:ext cx="0" cy="0"/>
+          <a:chOff x="0" y="0"/>
+          <a:chExt cx="0" cy="0"/>
+        </a:xfrm>
+      </p:grpSpPr>
+      <p:sp>
+        <p:nvSpPr>
+          <p:cNvPr id="2" name="Заголовок 1"/>
+          <p:cNvSpPr>
+            <a:spLocks noGrp="1"/>
+          </p:cNvSpPr>
+          <p:nvPr>
+            <p:ph type="title"/>
+          </p:nvPr>
+        </p:nvSpPr>
+        <p:spPr/>
+        <p:txBody>
+          <a:bodyPr/>
+          <a:lstStyle/>
+          <a:p>
+            <a:pPr algn="r"/>
+            <a:r>
+              <a:rPr lang="ru-RU" b="1" dirty="0" smtClean="0"/>
+              <a:t>Ветка </a:t>
+            </a:r>
+            <a:r>
+              <a:rPr lang="en-US" b="1" dirty="0" smtClean="0"/>
+              <a:t>Trunk </a:t>
+            </a:r>
+            <a:r>
+              <a:rPr lang="ru-RU" b="1" dirty="0" smtClean="0"/>
+              <a:t>с графиком результатов тестирования</a:t>
+            </a:r>
+            <a:endParaRPr lang="ru-RU" b="1" dirty="0"/>
+          </a:p>
+        </p:txBody>
+      </p:sp>
+      <p:pic>
+        <p:nvPicPr>
+          <p:cNvPr id="5" name="Объект 4"/>
+          <p:cNvPicPr>
+            <a:picLocks noGrp="1" noChangeAspect="1"/>
+          </p:cNvPicPr>
+          <p:nvPr>
+            <p:ph idx="1"/>
+          </p:nvPr>
+        </p:nvPicPr>
+        <p:blipFill>
+          <a:blip r:embed="rId2">
+            <a:extLst>
+              <a:ext uri="{28A0092B-C50C-407E-A947-70E740481C1C}">
+                <a14:useLocalDpi xmlns:a14="http://schemas.microsoft.com/office/drawing/2010/main" val="0"/>
+              </a:ext>
+            </a:extLst>
+          </a:blip>
+          <a:stretch>
+            <a:fillRect/>
+          </a:stretch>
+        </p:blipFill>
+        <p:spPr>
+          <a:xfrm>
+            <a:off x="2071929" y="1766777"/>
+            <a:ext cx="8911687" cy="4578595"/>
+          </a:xfrm>
+        </p:spPr>
+      </p:pic>
+      <p:sp>
+        <p:nvSpPr>
+          <p:cNvPr id="4" name="Номер слайда 3"/>
+          <p:cNvSpPr>
+            <a:spLocks noGrp="1"/>
+          </p:cNvSpPr>
+          <p:nvPr>
+            <p:ph type="sldNum" sz="quarter" idx="12"/>
+          </p:nvPr>
+        </p:nvSpPr>
+        <p:spPr/>
+        <p:txBody>
+          <a:bodyPr/>
+          <a:lstStyle/>
+          <a:p>
+            <a:fld id="{56BE2FE7-2BDA-41F3-A8F8-8456B6B69E41}" type="slidenum">
+              <a:rPr lang="ru-RU" smtClean="0"/>
+              <a:pPr/>
+              <a:t>13</a:t>
+            </a:fld>
+            <a:endParaRPr lang="ru-RU" dirty="0"/>
+          </a:p>
+        </p:txBody>
+      </p:sp>
+      <p:sp>
+        <p:nvSpPr>
+          <p:cNvPr id="6" name="Заголовок 1"/>
+          <p:cNvSpPr txBox="1">
+            <a:spLocks/>
+          </p:cNvSpPr>
+          <p:nvPr/>
+        </p:nvSpPr>
+        <p:spPr>
+          <a:xfrm>
+            <a:off x="4877376" y="6437168"/>
+            <a:ext cx="3300791" cy="420832"/>
+          </a:xfrm>
+          <a:prstGeom prst="rect">
+            <a:avLst/>
+          </a:prstGeom>
+        </p:spPr>
+        <p:txBody>
+          <a:bodyPr vert="horz" lIns="91440" tIns="45720" rIns="91440" bIns="45720" rtlCol="0" anchor="t">
+            <a:normAutofit/>
+          </a:bodyPr>
+          <a:lstStyle>
+            <a:lvl1pPr algn="l" defTabSz="457200" rtl="0" eaLnBrk="1" latinLnBrk="0" hangingPunct="1">
+              <a:spcBef>
+                <a:spcPct val="0"/>
+              </a:spcBef>
+              <a:buNone/>
+              <a:defRPr sz="3600" kern="1200">
+                <a:solidFill>
+                  <a:schemeClr val="tx1">
+                    <a:lumMod val="85000"/>
+                    <a:lumOff val="15000"/>
+                  </a:schemeClr>
+                </a:solidFill>
+                <a:latin typeface="+mj-lt"/>
+                <a:ea typeface="+mj-ea"/>
+                <a:cs typeface="+mj-cs"/>
+              </a:defRPr>
+            </a:lvl1pPr>
+            <a:lvl2pPr eaLnBrk="1" hangingPunct="1">
+              <a:defRPr>
+                <a:solidFill>
+                  <a:schemeClr val="tx2"/>
+                </a:solidFill>
+              </a:defRPr>
+            </a:lvl2pPr>
+            <a:lvl3pPr eaLnBrk="1" hangingPunct="1">
+              <a:defRPr>
+                <a:solidFill>
+                  <a:schemeClr val="tx2"/>
+                </a:solidFill>
+              </a:defRPr>
+            </a:lvl3pPr>
+            <a:lvl4pPr eaLnBrk="1" hangingPunct="1">
+              <a:defRPr>
+                <a:solidFill>
+                  <a:schemeClr val="tx2"/>
+                </a:solidFill>
+              </a:defRPr>
+            </a:lvl4pPr>
+            <a:lvl5pPr eaLnBrk="1" hangingPunct="1">
+              <a:defRPr>
+                <a:solidFill>
+                  <a:schemeClr val="tx2"/>
+                </a:solidFill>
+              </a:defRPr>
+            </a:lvl5pPr>
+            <a:lvl6pPr eaLnBrk="1" hangingPunct="1">
+              <a:defRPr>
+                <a:solidFill>
+                  <a:schemeClr val="tx2"/>
+                </a:solidFill>
+              </a:defRPr>
+            </a:lvl6pPr>
+            <a:lvl7pPr eaLnBrk="1" hangingPunct="1">
+              <a:defRPr>
+                <a:solidFill>
+                  <a:schemeClr val="tx2"/>
+                </a:solidFill>
+              </a:defRPr>
+            </a:lvl7pPr>
+            <a:lvl8pPr eaLnBrk="1" hangingPunct="1">
+              <a:defRPr>
+                <a:solidFill>
+                  <a:schemeClr val="tx2"/>
+                </a:solidFill>
+              </a:defRPr>
+            </a:lvl8pPr>
+            <a:lvl9pPr eaLnBrk="1" hangingPunct="1">
+              <a:defRPr>
+                <a:solidFill>
+                  <a:schemeClr val="tx2"/>
+                </a:solidFill>
+              </a:defRPr>
+            </a:lvl9pPr>
+          </a:lstStyle>
+          <a:p>
+            <a:pPr algn="r"/>
+            <a:r>
+              <a:rPr lang="ru-RU" sz="1400" b="1" dirty="0" smtClean="0">
+                <a:latin typeface="Areal"/>
+              </a:rPr>
+              <a:t>График результатов тестирования</a:t>
+            </a:r>
+            <a:endParaRPr lang="ru-RU" sz="1400" b="1" dirty="0">
+              <a:latin typeface="Areal"/>
+            </a:endParaRPr>
+          </a:p>
+        </p:txBody>
+      </p:sp>
+    </p:spTree>
+    <p:extLst>
+      <p:ext uri="{BB962C8B-B14F-4D97-AF65-F5344CB8AC3E}">
+        <p14:creationId xmlns:p14="http://schemas.microsoft.com/office/powerpoint/2010/main" val="4044083018"/>
+      </p:ext>
+    </p:extLst>
+  </p:cSld>
+  <p:clrMapOvr>
+    <a:masterClrMapping/>
+  </p:clrMapOvr>
+  <p:timing>
+    <p:tnLst>
+      <p:par>
+        <p:cTn id="1" dur="indefinite" restart="never" nodeType="tmRoot"/>
+      </p:par>
+    </p:tnLst>
+  </p:timing>
+</p:sld>
+</file>
+
+<file path=ppt/slides/slide14.xml><?xml version="1.0" encoding="utf-8"?>
+<p:sld xmlns:a="http://schemas.openxmlformats.org/drawingml/2006/main" xmlns:r="http://schemas.openxmlformats.org/officeDocument/2006/relationships" xmlns:p="http://schemas.openxmlformats.org/presentationml/2006/main">
+  <p:cSld>
+    <p:spTree>
+      <p:nvGrpSpPr>
+        <p:cNvPr id="1" name=""/>
+        <p:cNvGrpSpPr/>
+        <p:nvPr/>
+      </p:nvGrpSpPr>
+      <p:grpSpPr>
+        <a:xfrm>
+          <a:off x="0" y="0"/>
+          <a:ext cx="0" cy="0"/>
+          <a:chOff x="0" y="0"/>
+          <a:chExt cx="0" cy="0"/>
+        </a:xfrm>
+      </p:grpSpPr>
+      <p:sp>
+        <p:nvSpPr>
+          <p:cNvPr id="2" name="Заголовок 1"/>
+          <p:cNvSpPr>
+            <a:spLocks noGrp="1"/>
+          </p:cNvSpPr>
+          <p:nvPr>
+            <p:ph type="title"/>
+          </p:nvPr>
+        </p:nvSpPr>
+        <p:spPr/>
+        <p:txBody>
+          <a:bodyPr/>
+          <a:lstStyle/>
+          <a:p>
+            <a:pPr algn="r"/>
+            <a:r>
+              <a:rPr lang="ru-RU" b="1" dirty="0" smtClean="0">
+                <a:latin typeface="Areal"/>
+              </a:rPr>
+              <a:t>Подробный лог </a:t>
+            </a:r>
+            <a:r>
+              <a:rPr lang="en-US" b="1" dirty="0" smtClean="0">
+                <a:latin typeface="Areal"/>
+              </a:rPr>
+              <a:t>Jenkins</a:t>
+            </a:r>
+            <a:endParaRPr lang="ru-RU" b="1" dirty="0">
+              <a:latin typeface="Areal"/>
+            </a:endParaRPr>
+          </a:p>
+        </p:txBody>
+      </p:sp>
+      <p:pic>
+        <p:nvPicPr>
+          <p:cNvPr id="5" name="Объект 4"/>
+          <p:cNvPicPr>
+            <a:picLocks noGrp="1" noChangeAspect="1"/>
+          </p:cNvPicPr>
+          <p:nvPr>
+            <p:ph idx="1"/>
+          </p:nvPr>
+        </p:nvPicPr>
+        <p:blipFill>
+          <a:blip r:embed="rId2">
+            <a:extLst>
+              <a:ext uri="{28A0092B-C50C-407E-A947-70E740481C1C}">
+                <a14:useLocalDpi xmlns:a14="http://schemas.microsoft.com/office/drawing/2010/main" val="0"/>
+              </a:ext>
+            </a:extLst>
+          </a:blip>
+          <a:stretch>
+            <a:fillRect/>
+          </a:stretch>
+        </p:blipFill>
+        <p:spPr>
+          <a:xfrm>
+            <a:off x="2745325" y="1586023"/>
+            <a:ext cx="6742461" cy="4505588"/>
+          </a:xfrm>
+        </p:spPr>
+      </p:pic>
+      <p:sp>
+        <p:nvSpPr>
+          <p:cNvPr id="4" name="Номер слайда 3"/>
+          <p:cNvSpPr>
+            <a:spLocks noGrp="1"/>
+          </p:cNvSpPr>
+          <p:nvPr>
+            <p:ph type="sldNum" sz="quarter" idx="12"/>
+          </p:nvPr>
+        </p:nvSpPr>
+        <p:spPr/>
+        <p:txBody>
+          <a:bodyPr/>
+          <a:lstStyle/>
+          <a:p>
+            <a:fld id="{56BE2FE7-2BDA-41F3-A8F8-8456B6B69E41}" type="slidenum">
+              <a:rPr lang="ru-RU" smtClean="0"/>
+              <a:pPr/>
+              <a:t>14</a:t>
+            </a:fld>
+            <a:endParaRPr lang="ru-RU" dirty="0"/>
+          </a:p>
+        </p:txBody>
+      </p:sp>
+      <p:sp>
+        <p:nvSpPr>
+          <p:cNvPr id="7" name="Заголовок 1"/>
+          <p:cNvSpPr txBox="1">
+            <a:spLocks/>
+          </p:cNvSpPr>
+          <p:nvPr/>
+        </p:nvSpPr>
+        <p:spPr>
+          <a:xfrm>
+            <a:off x="4250540" y="6091611"/>
+            <a:ext cx="3732029" cy="420832"/>
+          </a:xfrm>
+          <a:prstGeom prst="rect">
+            <a:avLst/>
+          </a:prstGeom>
+        </p:spPr>
+        <p:txBody>
+          <a:bodyPr vert="horz" lIns="91440" tIns="45720" rIns="91440" bIns="45720" rtlCol="0" anchor="t">
+            <a:normAutofit fontScale="92500"/>
+          </a:bodyPr>
+          <a:lstStyle>
+            <a:lvl1pPr algn="l" defTabSz="457200" rtl="0" eaLnBrk="1" latinLnBrk="0" hangingPunct="1">
+              <a:spcBef>
+                <a:spcPct val="0"/>
+              </a:spcBef>
+              <a:buNone/>
+              <a:defRPr sz="3600" kern="1200">
+                <a:solidFill>
+                  <a:schemeClr val="tx1">
+                    <a:lumMod val="85000"/>
+                    <a:lumOff val="15000"/>
+                  </a:schemeClr>
+                </a:solidFill>
+                <a:latin typeface="+mj-lt"/>
+                <a:ea typeface="+mj-ea"/>
+                <a:cs typeface="+mj-cs"/>
+              </a:defRPr>
+            </a:lvl1pPr>
+            <a:lvl2pPr eaLnBrk="1" hangingPunct="1">
+              <a:defRPr>
+                <a:solidFill>
+                  <a:schemeClr val="tx2"/>
+                </a:solidFill>
+              </a:defRPr>
+            </a:lvl2pPr>
+            <a:lvl3pPr eaLnBrk="1" hangingPunct="1">
+              <a:defRPr>
+                <a:solidFill>
+                  <a:schemeClr val="tx2"/>
+                </a:solidFill>
+              </a:defRPr>
+            </a:lvl3pPr>
+            <a:lvl4pPr eaLnBrk="1" hangingPunct="1">
+              <a:defRPr>
+                <a:solidFill>
+                  <a:schemeClr val="tx2"/>
+                </a:solidFill>
+              </a:defRPr>
+            </a:lvl4pPr>
+            <a:lvl5pPr eaLnBrk="1" hangingPunct="1">
+              <a:defRPr>
+                <a:solidFill>
+                  <a:schemeClr val="tx2"/>
+                </a:solidFill>
+              </a:defRPr>
+            </a:lvl5pPr>
+            <a:lvl6pPr eaLnBrk="1" hangingPunct="1">
+              <a:defRPr>
+                <a:solidFill>
+                  <a:schemeClr val="tx2"/>
+                </a:solidFill>
+              </a:defRPr>
+            </a:lvl6pPr>
+            <a:lvl7pPr eaLnBrk="1" hangingPunct="1">
+              <a:defRPr>
+                <a:solidFill>
+                  <a:schemeClr val="tx2"/>
+                </a:solidFill>
+              </a:defRPr>
+            </a:lvl7pPr>
+            <a:lvl8pPr eaLnBrk="1" hangingPunct="1">
+              <a:defRPr>
+                <a:solidFill>
+                  <a:schemeClr val="tx2"/>
+                </a:solidFill>
+              </a:defRPr>
+            </a:lvl8pPr>
+            <a:lvl9pPr eaLnBrk="1" hangingPunct="1">
+              <a:defRPr>
+                <a:solidFill>
+                  <a:schemeClr val="tx2"/>
+                </a:solidFill>
+              </a:defRPr>
+            </a:lvl9pPr>
+          </a:lstStyle>
+          <a:p>
+            <a:pPr algn="r"/>
+            <a:r>
+              <a:rPr lang="ru-RU" sz="1400" b="1" dirty="0" smtClean="0">
+                <a:latin typeface="Areal"/>
+              </a:rPr>
+              <a:t>Результаты тестового запуска на </a:t>
+            </a:r>
+            <a:r>
+              <a:rPr lang="en-US" sz="1400" b="1" dirty="0" smtClean="0">
+                <a:latin typeface="Areal"/>
+              </a:rPr>
+              <a:t>Jenkins</a:t>
+            </a:r>
+            <a:endParaRPr lang="ru-RU" sz="1400" b="1" dirty="0">
+              <a:latin typeface="Areal"/>
+            </a:endParaRPr>
+          </a:p>
+        </p:txBody>
+      </p:sp>
+    </p:spTree>
+    <p:extLst>
+      <p:ext uri="{BB962C8B-B14F-4D97-AF65-F5344CB8AC3E}">
+        <p14:creationId xmlns:p14="http://schemas.microsoft.com/office/powerpoint/2010/main" val="1018637313"/>
+      </p:ext>
+    </p:extLst>
+  </p:cSld>
+  <p:clrMapOvr>
+    <a:masterClrMapping/>
+  </p:clrMapOvr>
+  <p:timing>
+    <p:tnLst>
+      <p:par>
+        <p:cTn id="1" dur="indefinite" restart="never" nodeType="tmRoot"/>
+      </p:par>
+    </p:tnLst>
+  </p:timing>
+</p:sld>
+</file>
+
+<file path=ppt/slides/slide15.xml><?xml version="1.0" encoding="utf-8"?>
+<p:sld xmlns:a="http://schemas.openxmlformats.org/drawingml/2006/main" xmlns:r="http://schemas.openxmlformats.org/officeDocument/2006/relationships" xmlns:p="http://schemas.openxmlformats.org/presentationml/2006/main">
+  <p:cSld>
+    <p:spTree>
+      <p:nvGrpSpPr>
+        <p:cNvPr id="1" name=""/>
+        <p:cNvGrpSpPr/>
+        <p:nvPr/>
+      </p:nvGrpSpPr>
+      <p:grpSpPr>
+        <a:xfrm>
+          <a:off x="0" y="0"/>
+          <a:ext cx="0" cy="0"/>
+          <a:chOff x="0" y="0"/>
+          <a:chExt cx="0" cy="0"/>
+        </a:xfrm>
+      </p:grpSpPr>
+      <p:sp>
+        <p:nvSpPr>
+          <p:cNvPr id="4" name="Заголовок 1"/>
+          <p:cNvSpPr>
+            <a:spLocks noGrp="1"/>
+          </p:cNvSpPr>
+          <p:nvPr>
+            <p:ph type="title"/>
+          </p:nvPr>
+        </p:nvSpPr>
+        <p:spPr>
+          <a:xfrm>
+            <a:off x="1618770" y="766536"/>
+            <a:ext cx="8802827" cy="1293028"/>
+          </a:xfrm>
+        </p:spPr>
+        <p:txBody>
+          <a:bodyPr>
+            <a:normAutofit/>
+          </a:bodyPr>
+          <a:lstStyle/>
+          <a:p>
+            <a:pPr algn="ctr"/>
+            <a:r>
+              <a:rPr lang="ru-RU" sz="3600" b="1" dirty="0" smtClean="0">
+                <a:latin typeface="Areal"/>
+                <a:cs typeface="Times New Roman" panose="02020603050405020304" pitchFamily="18" charset="0"/>
+              </a:rPr>
+              <a:t>Вывод</a:t>
+            </a:r>
+            <a:endParaRPr lang="ru-RU" sz="3600" b="1" dirty="0">
+              <a:latin typeface="Areal"/>
+              <a:cs typeface="Times New Roman" panose="02020603050405020304" pitchFamily="18" charset="0"/>
+            </a:endParaRPr>
+          </a:p>
+        </p:txBody>
+      </p:sp>
+      <p:sp>
+        <p:nvSpPr>
+          <p:cNvPr id="7" name="Объект 2"/>
+          <p:cNvSpPr>
+            <a:spLocks noGrp="1"/>
+          </p:cNvSpPr>
+          <p:nvPr>
+            <p:ph idx="1"/>
+          </p:nvPr>
+        </p:nvSpPr>
+        <p:spPr>
+          <a:xfrm>
+            <a:off x="1215784" y="1789158"/>
+            <a:ext cx="9608797" cy="4002042"/>
+          </a:xfrm>
+        </p:spPr>
+        <p:txBody>
+          <a:bodyPr>
+            <a:noAutofit/>
+          </a:bodyPr>
+          <a:lstStyle/>
+          <a:p>
+            <a:pPr marL="0" indent="0" algn="just">
+              <a:lnSpc>
+                <a:spcPct val="150000"/>
+              </a:lnSpc>
+              <a:buNone/>
+            </a:pPr>
+            <a:r>
+              <a:rPr lang="ru-RU" sz="2400" dirty="0" smtClean="0">
+                <a:latin typeface="Areal"/>
+              </a:rPr>
+              <a:t>	</a:t>
+            </a:r>
+            <a:endParaRPr lang="ru-RU" sz="2400" dirty="0">
+              <a:latin typeface="Areal"/>
+            </a:endParaRPr>
+          </a:p>
+        </p:txBody>
+      </p:sp>
+      <p:sp>
+        <p:nvSpPr>
+          <p:cNvPr id="5" name="Номер слайда 4"/>
+          <p:cNvSpPr>
+            <a:spLocks noGrp="1"/>
+          </p:cNvSpPr>
+          <p:nvPr>
+            <p:ph type="sldNum" sz="quarter" idx="12"/>
+          </p:nvPr>
+        </p:nvSpPr>
+        <p:spPr/>
+        <p:txBody>
+          <a:bodyPr/>
+          <a:lstStyle/>
+          <a:p>
+            <a:fld id="{56BE2FE7-2BDA-41F3-A8F8-8456B6B69E41}" type="slidenum">
+              <a:rPr lang="ru-RU" sz="1400" smtClean="0"/>
+              <a:pPr/>
+              <a:t>15</a:t>
+            </a:fld>
+            <a:endParaRPr lang="ru-RU" sz="1400" dirty="0"/>
+          </a:p>
+        </p:txBody>
+      </p:sp>
+      <p:sp>
+        <p:nvSpPr>
+          <p:cNvPr id="2" name="Прямоугольник 1"/>
+          <p:cNvSpPr/>
+          <p:nvPr/>
+        </p:nvSpPr>
+        <p:spPr>
+          <a:xfrm>
+            <a:off x="5715000" y="2059564"/>
+            <a:ext cx="6096000" cy="1338828"/>
+          </a:xfrm>
+          <a:prstGeom prst="rect">
+            <a:avLst/>
+          </a:prstGeom>
+        </p:spPr>
+        <p:txBody>
+          <a:bodyPr>
+            <a:spAutoFit/>
+          </a:bodyPr>
+          <a:lstStyle/>
+          <a:p>
+            <a:pPr indent="449580" algn="just">
+              <a:lnSpc>
+                <a:spcPct val="150000"/>
+              </a:lnSpc>
+              <a:spcAft>
+                <a:spcPts val="0"/>
+              </a:spcAft>
+            </a:pPr>
+            <a:r>
+              <a:rPr lang="ru-RU" dirty="0">
+                <a:latin typeface="Times New Roman" panose="02020603050405020304" pitchFamily="18" charset="0"/>
+                <a:ea typeface="Calibri" panose="020F0502020204030204" pitchFamily="34" charset="0"/>
+                <a:cs typeface="Times New Roman" panose="02020603050405020304" pitchFamily="18" charset="0"/>
+              </a:rPr>
+              <a:t>Для </a:t>
+            </a:r>
+            <a:r>
+              <a:rPr lang="en-US" dirty="0">
+                <a:latin typeface="Times New Roman" panose="02020603050405020304" pitchFamily="18" charset="0"/>
+                <a:ea typeface="Calibri" panose="020F0502020204030204" pitchFamily="34" charset="0"/>
+                <a:cs typeface="Times New Roman" panose="02020603050405020304" pitchFamily="18" charset="0"/>
+              </a:rPr>
+              <a:t>Alpha</a:t>
+            </a:r>
+            <a:r>
+              <a:rPr lang="ru-RU" dirty="0">
+                <a:latin typeface="Times New Roman" panose="02020603050405020304" pitchFamily="18" charset="0"/>
+                <a:ea typeface="Calibri" panose="020F0502020204030204" pitchFamily="34" charset="0"/>
+                <a:cs typeface="Times New Roman" panose="02020603050405020304" pitchFamily="18" charset="0"/>
+              </a:rPr>
+              <a:t>.</a:t>
+            </a:r>
+            <a:r>
+              <a:rPr lang="en-US" dirty="0">
+                <a:latin typeface="Times New Roman" panose="02020603050405020304" pitchFamily="18" charset="0"/>
+                <a:ea typeface="Calibri" panose="020F0502020204030204" pitchFamily="34" charset="0"/>
+                <a:cs typeface="Times New Roman" panose="02020603050405020304" pitchFamily="18" charset="0"/>
+              </a:rPr>
+              <a:t>Alarms</a:t>
+            </a:r>
+            <a:r>
+              <a:rPr lang="ru-RU" dirty="0">
+                <a:latin typeface="Times New Roman" panose="02020603050405020304" pitchFamily="18" charset="0"/>
+                <a:ea typeface="Calibri" panose="020F0502020204030204" pitchFamily="34" charset="0"/>
+                <a:cs typeface="Times New Roman" panose="02020603050405020304" pitchFamily="18" charset="0"/>
+              </a:rPr>
+              <a:t> существует ряд ручных тестов в системе </a:t>
+            </a:r>
+            <a:r>
+              <a:rPr lang="en-US" dirty="0">
+                <a:latin typeface="Times New Roman" panose="02020603050405020304" pitchFamily="18" charset="0"/>
+                <a:ea typeface="Calibri" panose="020F0502020204030204" pitchFamily="34" charset="0"/>
+                <a:cs typeface="Times New Roman" panose="02020603050405020304" pitchFamily="18" charset="0"/>
+              </a:rPr>
+              <a:t>TestLink</a:t>
+            </a:r>
+            <a:r>
+              <a:rPr lang="ru-RU" dirty="0">
+                <a:latin typeface="Times New Roman" panose="02020603050405020304" pitchFamily="18" charset="0"/>
+                <a:ea typeface="Calibri" panose="020F0502020204030204" pitchFamily="34" charset="0"/>
+                <a:cs typeface="Times New Roman" panose="02020603050405020304" pitchFamily="18" charset="0"/>
+              </a:rPr>
+              <a:t>. В будущем планируется автоматизация ручных тестов с использованием библиотеки </a:t>
+            </a:r>
+            <a:r>
+              <a:rPr lang="en-US" dirty="0">
+                <a:latin typeface="Times New Roman" panose="02020603050405020304" pitchFamily="18" charset="0"/>
+                <a:ea typeface="Calibri" panose="020F0502020204030204" pitchFamily="34" charset="0"/>
+                <a:cs typeface="Times New Roman" panose="02020603050405020304" pitchFamily="18" charset="0"/>
+              </a:rPr>
+              <a:t>NUnit</a:t>
+            </a:r>
+            <a:r>
+              <a:rPr lang="ru-RU" dirty="0">
+                <a:latin typeface="Times New Roman" panose="02020603050405020304" pitchFamily="18" charset="0"/>
+                <a:ea typeface="Calibri" panose="020F0502020204030204" pitchFamily="34" charset="0"/>
+                <a:cs typeface="Times New Roman" panose="02020603050405020304" pitchFamily="18" charset="0"/>
+              </a:rPr>
+              <a:t>.</a:t>
+            </a:r>
+            <a:endParaRPr lang="ru-RU" sz="1400" dirty="0">
+              <a:effectLst/>
+              <a:latin typeface="Calibri" panose="020F0502020204030204" pitchFamily="34" charset="0"/>
+              <a:ea typeface="Calibri" panose="020F0502020204030204" pitchFamily="34" charset="0"/>
+              <a:cs typeface="Times New Roman" panose="02020603050405020304" pitchFamily="18" charset="0"/>
+            </a:endParaRPr>
+          </a:p>
+        </p:txBody>
+      </p:sp>
+    </p:spTree>
+    <p:extLst>
+      <p:ext uri="{BB962C8B-B14F-4D97-AF65-F5344CB8AC3E}">
+        <p14:creationId xmlns:p14="http://schemas.microsoft.com/office/powerpoint/2010/main" val="3895185052"/>
+      </p:ext>
+    </p:extLst>
+  </p:cSld>
+  <p:clrMapOvr>
+    <a:masterClrMapping/>
+  </p:clrMapOvr>
+  <p:timing>
+    <p:tnLst>
+      <p:par>
+        <p:cTn id="1" dur="indefinite" restart="never" nodeType="tmRoot"/>
+      </p:par>
+    </p:tnLst>
+  </p:timing>
+</p:sld>
+</file>
+
+<file path=ppt/slides/slide16.xml><?xml version="1.0" encoding="utf-8"?>
+<p:sld xmlns:a="http://schemas.openxmlformats.org/drawingml/2006/main" xmlns:r="http://schemas.openxmlformats.org/officeDocument/2006/relationships" xmlns:p="http://schemas.openxmlformats.org/presentationml/2006/main">
+  <p:cSld>
+    <p:spTree>
+      <p:nvGrpSpPr>
+        <p:cNvPr id="1" name=""/>
+        <p:cNvGrpSpPr/>
+        <p:nvPr/>
+      </p:nvGrpSpPr>
+      <p:grpSpPr>
+        <a:xfrm>
+          <a:off x="0" y="0"/>
+          <a:ext cx="0" cy="0"/>
+          <a:chOff x="0" y="0"/>
+          <a:chExt cx="0" cy="0"/>
+        </a:xfrm>
+      </p:grpSpPr>
+      <p:sp>
+        <p:nvSpPr>
+          <p:cNvPr id="6" name="Объект 2"/>
+          <p:cNvSpPr>
+            <a:spLocks noGrp="1"/>
+          </p:cNvSpPr>
+          <p:nvPr>
+            <p:ph idx="1"/>
+          </p:nvPr>
+        </p:nvSpPr>
+        <p:spPr>
+          <a:xfrm>
+            <a:off x="1757873" y="2526707"/>
+            <a:ext cx="9142355" cy="1827579"/>
+          </a:xfrm>
+        </p:spPr>
+        <p:txBody>
+          <a:bodyPr>
+            <a:normAutofit/>
+          </a:bodyPr>
+          <a:lstStyle/>
+          <a:p>
+            <a:pPr marL="0" indent="0">
+              <a:buNone/>
+            </a:pPr>
+            <a:r>
+              <a:rPr lang="ru-RU" sz="2400" dirty="0" smtClean="0"/>
+              <a:t>	</a:t>
+            </a:r>
+            <a:endParaRPr lang="ru-RU" sz="4000" dirty="0" smtClean="0">
+              <a:latin typeface="Times New Roman" panose="02020603050405020304" pitchFamily="18" charset="0"/>
+              <a:cs typeface="Times New Roman" panose="02020603050405020304" pitchFamily="18" charset="0"/>
+            </a:endParaRPr>
+          </a:p>
+          <a:p>
+            <a:pPr marL="0" indent="0" algn="ctr">
+              <a:buNone/>
+            </a:pPr>
+            <a:r>
+              <a:rPr lang="ru-RU" sz="6000" dirty="0" smtClean="0">
+                <a:latin typeface="Areal"/>
+                <a:cs typeface="Times New Roman" panose="02020603050405020304" pitchFamily="18" charset="0"/>
+              </a:rPr>
+              <a:t>Спасибо за внимание</a:t>
+            </a:r>
+            <a:endParaRPr lang="ru-RU" sz="6000" dirty="0">
+              <a:latin typeface="Areal"/>
+              <a:cs typeface="Times New Roman" panose="02020603050405020304" pitchFamily="18" charset="0"/>
+            </a:endParaRPr>
+          </a:p>
+          <a:p>
+            <a:pPr marL="0" indent="0" algn="just">
+              <a:buNone/>
+            </a:pPr>
+            <a:endParaRPr lang="ru-RU" dirty="0">
+              <a:latin typeface="Areal"/>
+              <a:cs typeface="Times New Roman" panose="02020603050405020304" pitchFamily="18" charset="0"/>
+            </a:endParaRPr>
+          </a:p>
+        </p:txBody>
+      </p:sp>
+      <p:sp>
+        <p:nvSpPr>
+          <p:cNvPr id="3" name="Номер слайда 2"/>
+          <p:cNvSpPr>
+            <a:spLocks noGrp="1"/>
+          </p:cNvSpPr>
+          <p:nvPr>
+            <p:ph type="sldNum" sz="quarter" idx="12"/>
+          </p:nvPr>
+        </p:nvSpPr>
+        <p:spPr/>
+        <p:txBody>
+          <a:bodyPr/>
+          <a:lstStyle/>
+          <a:p>
+            <a:fld id="{56BE2FE7-2BDA-41F3-A8F8-8456B6B69E41}" type="slidenum">
+              <a:rPr lang="ru-RU" smtClean="0"/>
+              <a:pPr/>
+              <a:t>16</a:t>
+            </a:fld>
+            <a:endParaRPr lang="ru-RU" dirty="0"/>
+          </a:p>
+        </p:txBody>
+      </p:sp>
+    </p:spTree>
+    <p:extLst>
+      <p:ext uri="{BB962C8B-B14F-4D97-AF65-F5344CB8AC3E}">
+        <p14:creationId xmlns:p14="http://schemas.microsoft.com/office/powerpoint/2010/main" val="958453480"/>
+      </p:ext>
+    </p:extLst>
+  </p:cSld>
+  <p:clrMapOvr>
+    <a:masterClrMapping/>
+  </p:clrMapOvr>
+  <p:timing>
+    <p:tnLst>
+      <p:par>
+        <p:cTn id="1" dur="indefinite" restart="never" nodeType="tmRoot"/>
+      </p:par>
+    </p:tnLst>
+  </p:timing>
+</p:sld>
+</file>
+
+<file path=ppt/slides/slide2.xml><?xml version="1.0" encoding="utf-8"?>
+<p:sld xmlns:a="http://schemas.openxmlformats.org/drawingml/2006/main" xmlns:r="http://schemas.openxmlformats.org/officeDocument/2006/relationships" xmlns:p="http://schemas.openxmlformats.org/presentationml/2006/main">
+  <p:cSld>
+    <p:spTree>
+      <p:nvGrpSpPr>
+        <p:cNvPr id="1" name=""/>
+        <p:cNvGrpSpPr/>
+        <p:nvPr/>
+      </p:nvGrpSpPr>
+      <p:grpSpPr>
+        <a:xfrm>
+          <a:off x="0" y="0"/>
+          <a:ext cx="0" cy="0"/>
+          <a:chOff x="0" y="0"/>
+          <a:chExt cx="0" cy="0"/>
+        </a:xfrm>
+      </p:grpSpPr>
+      <p:sp>
+        <p:nvSpPr>
+          <p:cNvPr id="4" name="Заголовок 1"/>
+          <p:cNvSpPr>
+            <a:spLocks noGrp="1"/>
+          </p:cNvSpPr>
+          <p:nvPr>
+            <p:ph type="title"/>
+          </p:nvPr>
+        </p:nvSpPr>
+        <p:spPr>
+          <a:xfrm>
+            <a:off x="8960003" y="610677"/>
+            <a:ext cx="3118582" cy="719333"/>
+          </a:xfrm>
+        </p:spPr>
+        <p:txBody>
+          <a:bodyPr/>
+          <a:lstStyle/>
+          <a:p>
+            <a:pPr algn="ctr"/>
+            <a:r>
+              <a:rPr lang="ru-RU" b="1" dirty="0" smtClean="0">
+                <a:latin typeface="Areal"/>
+                <a:cs typeface="Times New Roman" panose="02020603050405020304" pitchFamily="18" charset="0"/>
+              </a:rPr>
+              <a:t>Введение</a:t>
+            </a:r>
+            <a:endParaRPr lang="ru-RU" b="1" dirty="0">
+              <a:latin typeface="Areal"/>
+              <a:cs typeface="Times New Roman" panose="02020603050405020304" pitchFamily="18" charset="0"/>
+            </a:endParaRPr>
+          </a:p>
+        </p:txBody>
+      </p:sp>
+      <p:sp>
+        <p:nvSpPr>
+          <p:cNvPr id="5" name="Номер слайда 4"/>
+          <p:cNvSpPr>
+            <a:spLocks noGrp="1"/>
+          </p:cNvSpPr>
+          <p:nvPr>
+            <p:ph type="sldNum" sz="quarter" idx="12"/>
+          </p:nvPr>
+        </p:nvSpPr>
+        <p:spPr/>
+        <p:txBody>
+          <a:bodyPr/>
+          <a:lstStyle/>
+          <a:p>
+            <a:fld id="{56BE2FE7-2BDA-41F3-A8F8-8456B6B69E41}" type="slidenum">
+              <a:rPr lang="ru-RU" sz="1400" smtClean="0"/>
+              <a:pPr/>
+              <a:t>2</a:t>
+            </a:fld>
+            <a:endParaRPr lang="ru-RU" sz="1400" dirty="0"/>
+          </a:p>
+        </p:txBody>
+      </p:sp>
+      <p:sp>
+        <p:nvSpPr>
+          <p:cNvPr id="2" name="Объект 1"/>
+          <p:cNvSpPr>
+            <a:spLocks noGrp="1"/>
+          </p:cNvSpPr>
+          <p:nvPr>
+            <p:ph idx="1"/>
+          </p:nvPr>
+        </p:nvSpPr>
+        <p:spPr>
+          <a:xfrm>
+            <a:off x="1908728" y="1772094"/>
+            <a:ext cx="8915400" cy="3777622"/>
+          </a:xfrm>
+        </p:spPr>
+        <p:txBody>
+          <a:bodyPr>
+            <a:normAutofit/>
+          </a:bodyPr>
+          <a:lstStyle/>
+          <a:p>
+            <a:pPr marL="0" indent="0" algn="just">
+              <a:buNone/>
+            </a:pPr>
+            <a:r>
+              <a:rPr lang="ru-RU" sz="2000" dirty="0" smtClean="0">
+                <a:latin typeface="Areal"/>
+              </a:rPr>
+              <a:t>	</a:t>
+            </a:r>
+            <a:r>
+              <a:rPr lang="ru-RU" sz="3200" dirty="0" smtClean="0">
+                <a:latin typeface="Areal"/>
+              </a:rPr>
+              <a:t>Тестирование </a:t>
+            </a:r>
+            <a:r>
+              <a:rPr lang="ru-RU" sz="3200" dirty="0">
+                <a:latin typeface="Areal"/>
+              </a:rPr>
+              <a:t>программного обеспечения - это неотъемлемая часть создания программного продукта. От того, насколько хорошо проведены тесты, зависит качество и эффективность работы программы. </a:t>
+            </a:r>
+            <a:endParaRPr lang="ru-RU" sz="3200" dirty="0" smtClean="0">
+              <a:latin typeface="Areal"/>
+            </a:endParaRPr>
+          </a:p>
+          <a:p>
+            <a:endParaRPr lang="ru-RU" dirty="0"/>
+          </a:p>
+        </p:txBody>
+      </p:sp>
+    </p:spTree>
+    <p:extLst>
+      <p:ext uri="{BB962C8B-B14F-4D97-AF65-F5344CB8AC3E}">
+        <p14:creationId xmlns:p14="http://schemas.microsoft.com/office/powerpoint/2010/main" val="513498043"/>
+      </p:ext>
+    </p:extLst>
+  </p:cSld>
+  <p:clrMapOvr>
+    <a:masterClrMapping/>
+  </p:clrMapOvr>
+  <p:timing>
+    <p:tnLst>
+      <p:par>
+        <p:cTn id="1" dur="indefinite" restart="never" nodeType="tmRoot"/>
+      </p:par>
+    </p:tnLst>
+  </p:timing>
+</p:sld>
+</file>
+
+<file path=ppt/slides/slide3.xml><?xml version="1.0" encoding="utf-8"?>
+<p:sld xmlns:a="http://schemas.openxmlformats.org/drawingml/2006/main" xmlns:r="http://schemas.openxmlformats.org/officeDocument/2006/relationships" xmlns:p="http://schemas.openxmlformats.org/presentationml/2006/main">
+  <p:cSld>
+    <p:spTree>
+      <p:nvGrpSpPr>
+        <p:cNvPr id="1" name=""/>
+        <p:cNvGrpSpPr/>
+        <p:nvPr/>
+      </p:nvGrpSpPr>
+      <p:grpSpPr>
+        <a:xfrm>
+          <a:off x="0" y="0"/>
+          <a:ext cx="0" cy="0"/>
+          <a:chOff x="0" y="0"/>
+          <a:chExt cx="0" cy="0"/>
+        </a:xfrm>
+      </p:grpSpPr>
+      <p:sp>
+        <p:nvSpPr>
+          <p:cNvPr id="2" name="Заголовок 1"/>
+          <p:cNvSpPr>
+            <a:spLocks noGrp="1"/>
+          </p:cNvSpPr>
+          <p:nvPr>
+            <p:ph type="title"/>
+          </p:nvPr>
+        </p:nvSpPr>
+        <p:spPr>
+          <a:xfrm>
+            <a:off x="8419568" y="524645"/>
+            <a:ext cx="3531428" cy="891398"/>
+          </a:xfrm>
+        </p:spPr>
+        <p:txBody>
+          <a:bodyPr/>
+          <a:lstStyle/>
+          <a:p>
+            <a:r>
+              <a:rPr lang="ru-RU" altLang="ru-RU" b="1" dirty="0">
+                <a:latin typeface="Areal"/>
+                <a:cs typeface="Times New Roman" panose="02020603050405020304" pitchFamily="18" charset="0"/>
+              </a:rPr>
+              <a:t>Цели и </a:t>
+            </a:r>
+            <a:r>
+              <a:rPr lang="ru-RU" altLang="ru-RU" b="1" dirty="0" smtClean="0">
+                <a:latin typeface="Areal"/>
+                <a:cs typeface="Times New Roman" panose="02020603050405020304" pitchFamily="18" charset="0"/>
+              </a:rPr>
+              <a:t>Задачи</a:t>
+            </a:r>
+            <a:endParaRPr lang="ru-RU" dirty="0">
+              <a:latin typeface="Areal"/>
+            </a:endParaRPr>
+          </a:p>
+        </p:txBody>
+      </p:sp>
+      <p:sp>
+        <p:nvSpPr>
+          <p:cNvPr id="4" name="Номер слайда 3"/>
+          <p:cNvSpPr>
+            <a:spLocks noGrp="1"/>
+          </p:cNvSpPr>
+          <p:nvPr>
+            <p:ph type="sldNum" sz="quarter" idx="12"/>
+          </p:nvPr>
+        </p:nvSpPr>
+        <p:spPr/>
+        <p:txBody>
+          <a:bodyPr/>
+          <a:lstStyle/>
+          <a:p>
+            <a:fld id="{56BE2FE7-2BDA-41F3-A8F8-8456B6B69E41}" type="slidenum">
+              <a:rPr lang="ru-RU" smtClean="0"/>
+              <a:pPr/>
+              <a:t>3</a:t>
+            </a:fld>
+            <a:endParaRPr lang="ru-RU" dirty="0"/>
+          </a:p>
+        </p:txBody>
+      </p:sp>
+      <p:sp>
+        <p:nvSpPr>
+          <p:cNvPr id="6" name="Прямоугольник 5"/>
+          <p:cNvSpPr/>
+          <p:nvPr/>
+        </p:nvSpPr>
+        <p:spPr>
+          <a:xfrm>
+            <a:off x="963607" y="1515508"/>
+            <a:ext cx="10660681" cy="4524315"/>
+          </a:xfrm>
+          <a:prstGeom prst="rect">
+            <a:avLst/>
+          </a:prstGeom>
+        </p:spPr>
+        <p:txBody>
+          <a:bodyPr wrap="square">
+            <a:spAutoFit/>
+          </a:bodyPr>
+          <a:lstStyle/>
+          <a:p>
+            <a:pPr indent="450215" algn="just">
+              <a:spcAft>
+                <a:spcPts val="0"/>
+              </a:spcAft>
+            </a:pPr>
+            <a:r>
+              <a:rPr lang="ru-RU" b="1" dirty="0" smtClean="0">
+                <a:latin typeface="Areal"/>
+                <a:ea typeface="Times New Roman" panose="02020603050405020304" pitchFamily="18" charset="0"/>
+              </a:rPr>
+              <a:t>Цель:</a:t>
+            </a:r>
+            <a:r>
+              <a:rPr lang="ru-RU" dirty="0" smtClean="0">
+                <a:latin typeface="Areal"/>
+                <a:ea typeface="Times New Roman" panose="02020603050405020304" pitchFamily="18" charset="0"/>
+              </a:rPr>
+              <a:t> </a:t>
+            </a:r>
+            <a:r>
+              <a:rPr lang="ru-RU" dirty="0">
+                <a:latin typeface="Areal"/>
+                <a:ea typeface="Times New Roman" panose="02020603050405020304" pitchFamily="18" charset="0"/>
+              </a:rPr>
+              <a:t>создание программного продукта по автоматизированному тестированию, способного за приемлемое время производить анализ качества, функций, задач тестируемого программного продукта </a:t>
+            </a:r>
+            <a:r>
+              <a:rPr lang="en-US" dirty="0">
+                <a:latin typeface="Areal"/>
+                <a:ea typeface="Times New Roman" panose="02020603050405020304" pitchFamily="18" charset="0"/>
+              </a:rPr>
+              <a:t>Alpha</a:t>
+            </a:r>
+            <a:r>
+              <a:rPr lang="ru-RU" dirty="0">
+                <a:latin typeface="Areal"/>
+                <a:ea typeface="Times New Roman" panose="02020603050405020304" pitchFamily="18" charset="0"/>
+              </a:rPr>
+              <a:t>.</a:t>
+            </a:r>
+            <a:r>
+              <a:rPr lang="en-US" dirty="0">
+                <a:latin typeface="Areal"/>
+                <a:ea typeface="Times New Roman" panose="02020603050405020304" pitchFamily="18" charset="0"/>
+              </a:rPr>
+              <a:t>Alarm</a:t>
+            </a:r>
+            <a:r>
+              <a:rPr lang="ru-RU" dirty="0">
+                <a:latin typeface="Areal"/>
+                <a:ea typeface="Times New Roman" panose="02020603050405020304" pitchFamily="18" charset="0"/>
+              </a:rPr>
+              <a:t>s компании АО «Атомик Софт».</a:t>
+            </a:r>
+          </a:p>
+          <a:p>
+            <a:pPr indent="450215" algn="just">
+              <a:spcAft>
+                <a:spcPts val="0"/>
+              </a:spcAft>
+            </a:pPr>
+            <a:r>
+              <a:rPr lang="ru-RU" b="1" dirty="0">
+                <a:latin typeface="Areal"/>
+                <a:ea typeface="Times New Roman" panose="02020603050405020304" pitchFamily="18" charset="0"/>
+              </a:rPr>
+              <a:t>Реализация данной цели требует </a:t>
+            </a:r>
+            <a:r>
+              <a:rPr lang="ru-RU" b="1" dirty="0" smtClean="0">
+                <a:latin typeface="Areal"/>
+                <a:ea typeface="Times New Roman" panose="02020603050405020304" pitchFamily="18" charset="0"/>
+              </a:rPr>
+              <a:t>выполнение </a:t>
+            </a:r>
+            <a:r>
+              <a:rPr lang="ru-RU" b="1" dirty="0">
+                <a:latin typeface="Areal"/>
+                <a:ea typeface="Times New Roman" panose="02020603050405020304" pitchFamily="18" charset="0"/>
+              </a:rPr>
+              <a:t>следующих задач: </a:t>
+            </a:r>
+            <a:endParaRPr lang="ru-RU" dirty="0" smtClean="0">
+              <a:latin typeface="Areal"/>
+              <a:ea typeface="Times New Roman" panose="02020603050405020304" pitchFamily="18" charset="0"/>
+            </a:endParaRPr>
+          </a:p>
+          <a:p>
+            <a:pPr marL="800100" lvl="1" indent="-342900" algn="just">
+              <a:buFont typeface="+mj-lt"/>
+              <a:buAutoNum type="arabicParenR"/>
+            </a:pPr>
+            <a:r>
+              <a:rPr lang="ru-RU" dirty="0" smtClean="0">
+                <a:latin typeface="Areal"/>
+                <a:ea typeface="Times New Roman" panose="02020603050405020304" pitchFamily="18" charset="0"/>
+              </a:rPr>
+              <a:t>изучить </a:t>
+            </a:r>
+            <a:r>
+              <a:rPr lang="ru-RU" dirty="0">
+                <a:latin typeface="Areal"/>
+                <a:ea typeface="Times New Roman" panose="02020603050405020304" pitchFamily="18" charset="0"/>
+              </a:rPr>
+              <a:t>понятие тестирования ПО, классификацию видов тестирования, а также методологию и процесс тестирования;</a:t>
+            </a:r>
+          </a:p>
+          <a:p>
+            <a:pPr marL="800100" lvl="1" indent="-342900" algn="just">
+              <a:buFont typeface="+mj-lt"/>
+              <a:buAutoNum type="arabicParenR"/>
+            </a:pPr>
+            <a:r>
+              <a:rPr lang="ru-RU" dirty="0">
+                <a:latin typeface="Areal"/>
+                <a:ea typeface="Times New Roman" panose="02020603050405020304" pitchFamily="18" charset="0"/>
+              </a:rPr>
+              <a:t>изучить понятие непрерывной интеграции, а также проанализировать популярные </a:t>
+            </a:r>
+            <a:r>
+              <a:rPr lang="en-US" dirty="0">
+                <a:latin typeface="Areal"/>
+                <a:ea typeface="Times New Roman" panose="02020603050405020304" pitchFamily="18" charset="0"/>
+              </a:rPr>
+              <a:t>CI</a:t>
+            </a:r>
+            <a:r>
+              <a:rPr lang="ru-RU" dirty="0">
+                <a:latin typeface="Areal"/>
+                <a:ea typeface="Times New Roman" panose="02020603050405020304" pitchFamily="18" charset="0"/>
+              </a:rPr>
+              <a:t> платформы;</a:t>
+            </a:r>
+          </a:p>
+          <a:p>
+            <a:pPr marL="800100" lvl="1" indent="-342900" algn="just">
+              <a:buFont typeface="+mj-lt"/>
+              <a:buAutoNum type="arabicParenR"/>
+            </a:pPr>
+            <a:r>
+              <a:rPr lang="ru-RU" dirty="0">
+                <a:latin typeface="Areal"/>
+                <a:ea typeface="Times New Roman" panose="02020603050405020304" pitchFamily="18" charset="0"/>
+              </a:rPr>
+              <a:t>проанализировать популярные фреймворки автоматизированного тестирования;</a:t>
+            </a:r>
+          </a:p>
+          <a:p>
+            <a:pPr marL="800100" lvl="1" indent="-342900" algn="just">
+              <a:buFont typeface="+mj-lt"/>
+              <a:buAutoNum type="arabicParenR"/>
+            </a:pPr>
+            <a:r>
+              <a:rPr lang="ru-RU" dirty="0">
+                <a:latin typeface="Areal"/>
+                <a:ea typeface="Times New Roman" panose="02020603050405020304" pitchFamily="18" charset="0"/>
+              </a:rPr>
+              <a:t>провести обзор наиболее распространенных систем контроля версий;</a:t>
+            </a:r>
+          </a:p>
+          <a:p>
+            <a:pPr marL="800100" lvl="1" indent="-342900" algn="just">
+              <a:buFont typeface="+mj-lt"/>
+              <a:buAutoNum type="arabicParenR"/>
+            </a:pPr>
+            <a:r>
+              <a:rPr lang="ru-RU" dirty="0">
+                <a:latin typeface="Areal"/>
+                <a:ea typeface="Times New Roman" panose="02020603050405020304" pitchFamily="18" charset="0"/>
+              </a:rPr>
+              <a:t>изучить программный продукт Alpha.Alarms компании АО «Атомик Софт»;</a:t>
+            </a:r>
+          </a:p>
+          <a:p>
+            <a:pPr marL="800100" lvl="1" indent="-342900" algn="just">
+              <a:buFont typeface="+mj-lt"/>
+              <a:buAutoNum type="arabicParenR"/>
+            </a:pPr>
+            <a:r>
+              <a:rPr lang="ru-RU" dirty="0">
+                <a:latin typeface="Areal"/>
+                <a:ea typeface="Times New Roman" panose="02020603050405020304" pitchFamily="18" charset="0"/>
+              </a:rPr>
+              <a:t>рассмотреть уровни автоматизации тестирования и архитектуру скриптов;</a:t>
+            </a:r>
+          </a:p>
+          <a:p>
+            <a:pPr marL="800100" lvl="1" indent="-342900" algn="just">
+              <a:buFont typeface="+mj-lt"/>
+              <a:buAutoNum type="arabicParenR"/>
+            </a:pPr>
+            <a:r>
+              <a:rPr lang="ru-RU" dirty="0">
+                <a:latin typeface="Areal"/>
+                <a:ea typeface="Times New Roman" panose="02020603050405020304" pitchFamily="18" charset="0"/>
+              </a:rPr>
+              <a:t>проанализировать экономическую рентабельность и временную эффективность автоматизации тестирования выбранного программного продукта;</a:t>
+            </a:r>
+          </a:p>
+          <a:p>
+            <a:pPr marL="800100" lvl="1" indent="-342900" algn="just">
+              <a:buFont typeface="+mj-lt"/>
+              <a:buAutoNum type="arabicParenR"/>
+            </a:pPr>
+            <a:r>
+              <a:rPr lang="ru-RU" dirty="0">
+                <a:latin typeface="Areal"/>
+                <a:ea typeface="Times New Roman" panose="02020603050405020304" pitchFamily="18" charset="0"/>
+              </a:rPr>
+              <a:t>разработать приложение для автоматизированного тестирования программного продукта Alpha.Alarms.</a:t>
+            </a:r>
+          </a:p>
+        </p:txBody>
+      </p:sp>
+    </p:spTree>
+    <p:extLst>
+      <p:ext uri="{BB962C8B-B14F-4D97-AF65-F5344CB8AC3E}">
+        <p14:creationId xmlns:p14="http://schemas.microsoft.com/office/powerpoint/2010/main" val="1882048791"/>
+      </p:ext>
+    </p:extLst>
+  </p:cSld>
+  <p:clrMapOvr>
+    <a:masterClrMapping/>
+  </p:clrMapOvr>
+  <p:timing>
+    <p:tnLst>
+      <p:par>
+        <p:cTn id="1" dur="indefinite" restart="never" nodeType="tmRoot"/>
+      </p:par>
+    </p:tnLst>
+  </p:timing>
+</p:sld>
+</file>
+
+<file path=ppt/slides/slide4.xml><?xml version="1.0" encoding="utf-8"?>
+<p:sld xmlns:a="http://schemas.openxmlformats.org/drawingml/2006/main" xmlns:r="http://schemas.openxmlformats.org/officeDocument/2006/relationships" xmlns:p="http://schemas.openxmlformats.org/presentationml/2006/main">
+  <p:cSld>
+    <p:spTree>
+      <p:nvGrpSpPr>
+        <p:cNvPr id="1" name=""/>
+        <p:cNvGrpSpPr/>
+        <p:nvPr/>
+      </p:nvGrpSpPr>
+      <p:grpSpPr>
+        <a:xfrm>
+          <a:off x="0" y="0"/>
+          <a:ext cx="0" cy="0"/>
+          <a:chOff x="0" y="0"/>
+          <a:chExt cx="0" cy="0"/>
+        </a:xfrm>
+      </p:grpSpPr>
+      <p:sp>
+        <p:nvSpPr>
+          <p:cNvPr id="2" name="Заголовок 1"/>
+          <p:cNvSpPr>
+            <a:spLocks noGrp="1"/>
+          </p:cNvSpPr>
+          <p:nvPr>
+            <p:ph type="title"/>
+          </p:nvPr>
+        </p:nvSpPr>
+        <p:spPr/>
+        <p:txBody>
+          <a:bodyPr/>
+          <a:lstStyle/>
+          <a:p>
+            <a:pPr algn="r"/>
+            <a:r>
+              <a:rPr lang="ru-RU" b="1" dirty="0" smtClean="0">
+                <a:latin typeface="Areal"/>
+              </a:rPr>
+              <a:t>Тестирование</a:t>
+            </a:r>
+            <a:endParaRPr lang="ru-RU" b="1" dirty="0">
+              <a:latin typeface="Areal"/>
+            </a:endParaRPr>
+          </a:p>
+        </p:txBody>
+      </p:sp>
+      <p:sp>
+        <p:nvSpPr>
+          <p:cNvPr id="4" name="Номер слайда 3"/>
+          <p:cNvSpPr>
+            <a:spLocks noGrp="1"/>
+          </p:cNvSpPr>
+          <p:nvPr>
+            <p:ph type="sldNum" sz="quarter" idx="12"/>
+          </p:nvPr>
+        </p:nvSpPr>
+        <p:spPr/>
+        <p:txBody>
+          <a:bodyPr/>
+          <a:lstStyle/>
+          <a:p>
+            <a:fld id="{56BE2FE7-2BDA-41F3-A8F8-8456B6B69E41}" type="slidenum">
+              <a:rPr lang="ru-RU" smtClean="0"/>
+              <a:pPr/>
+              <a:t>4</a:t>
+            </a:fld>
+            <a:endParaRPr lang="ru-RU" dirty="0"/>
+          </a:p>
+        </p:txBody>
+      </p:sp>
+      <p:sp>
+        <p:nvSpPr>
+          <p:cNvPr id="5" name="Прямоугольник 4"/>
+          <p:cNvSpPr/>
+          <p:nvPr/>
+        </p:nvSpPr>
+        <p:spPr>
+          <a:xfrm>
+            <a:off x="1678524" y="1905000"/>
+            <a:ext cx="9262377" cy="3416320"/>
+          </a:xfrm>
+          <a:prstGeom prst="rect">
+            <a:avLst/>
+          </a:prstGeom>
+        </p:spPr>
+        <p:txBody>
+          <a:bodyPr wrap="square">
+            <a:spAutoFit/>
+          </a:bodyPr>
+          <a:lstStyle/>
+          <a:p>
+            <a:pPr algn="just"/>
+            <a:r>
+              <a:rPr lang="ru-RU" sz="2000" dirty="0" smtClean="0">
+                <a:latin typeface="Areal"/>
+              </a:rPr>
+              <a:t>	</a:t>
+            </a:r>
+            <a:r>
+              <a:rPr lang="ru-RU" sz="2400" dirty="0" smtClean="0">
+                <a:latin typeface="Areal"/>
+              </a:rPr>
+              <a:t>Тестирование </a:t>
+            </a:r>
+            <a:r>
+              <a:rPr lang="ru-RU" sz="2400" dirty="0">
+                <a:latin typeface="Areal"/>
+              </a:rPr>
+              <a:t>(</a:t>
+            </a:r>
+            <a:r>
+              <a:rPr lang="ru-RU" sz="2400" dirty="0" err="1">
+                <a:latin typeface="Areal"/>
+              </a:rPr>
+              <a:t>testing</a:t>
+            </a:r>
+            <a:r>
+              <a:rPr lang="ru-RU" sz="2400" dirty="0">
+                <a:latin typeface="Areal"/>
+              </a:rPr>
+              <a:t>) программного обеспечения (ПО) - это процесс исследования ПО с целью выявления ошибок и определения соответствия между реальным и ожидаемым поведением ПО, осуществляемый на основе набора тестов, выбранных определённым образом</a:t>
+            </a:r>
+            <a:r>
+              <a:rPr lang="ru-RU" sz="2400" dirty="0" smtClean="0">
+                <a:latin typeface="Areal"/>
+              </a:rPr>
+              <a:t>.</a:t>
+            </a:r>
+          </a:p>
+          <a:p>
+            <a:pPr algn="just"/>
+            <a:r>
+              <a:rPr lang="ru-RU" sz="2400" dirty="0" smtClean="0">
+                <a:latin typeface="Areal"/>
+              </a:rPr>
+              <a:t>	В </a:t>
+            </a:r>
+            <a:r>
+              <a:rPr lang="ru-RU" sz="2400" dirty="0">
+                <a:latin typeface="Areal"/>
+              </a:rPr>
+              <a:t>более широком смысле, тестирование ПО - это техника контроля качества программного продукта, включающая в себя проектирование тестов, выполнение тестирования и анализ полученных результатов.</a:t>
+            </a:r>
+          </a:p>
+        </p:txBody>
+      </p:sp>
+    </p:spTree>
+    <p:extLst>
+      <p:ext uri="{BB962C8B-B14F-4D97-AF65-F5344CB8AC3E}">
+        <p14:creationId xmlns:p14="http://schemas.microsoft.com/office/powerpoint/2010/main" val="240506462"/>
+      </p:ext>
+    </p:extLst>
+  </p:cSld>
+  <p:clrMapOvr>
+    <a:masterClrMapping/>
+  </p:clrMapOvr>
+  <p:timing>
+    <p:tnLst>
+      <p:par>
+        <p:cTn id="1" dur="indefinite" restart="never" nodeType="tmRoot"/>
+      </p:par>
+    </p:tnLst>
+  </p:timing>
+</p:sld>
+</file>
+
+<file path=ppt/slides/slide5.xml><?xml version="1.0" encoding="utf-8"?>
+<p:sld xmlns:a="http://schemas.openxmlformats.org/drawingml/2006/main" xmlns:r="http://schemas.openxmlformats.org/officeDocument/2006/relationships" xmlns:p="http://schemas.openxmlformats.org/presentationml/2006/main">
+  <p:cSld>
+    <p:spTree>
+      <p:nvGrpSpPr>
+        <p:cNvPr id="1" name=""/>
+        <p:cNvGrpSpPr/>
+        <p:nvPr/>
+      </p:nvGrpSpPr>
+      <p:grpSpPr>
+        <a:xfrm>
+          <a:off x="0" y="0"/>
+          <a:ext cx="0" cy="0"/>
+          <a:chOff x="0" y="0"/>
+          <a:chExt cx="0" cy="0"/>
+        </a:xfrm>
+      </p:grpSpPr>
+      <p:sp>
+        <p:nvSpPr>
+          <p:cNvPr id="4" name="Номер слайда 3"/>
+          <p:cNvSpPr>
+            <a:spLocks noGrp="1"/>
+          </p:cNvSpPr>
+          <p:nvPr>
+            <p:ph type="sldNum" sz="quarter" idx="12"/>
+          </p:nvPr>
+        </p:nvSpPr>
+        <p:spPr/>
+        <p:txBody>
+          <a:bodyPr/>
+          <a:lstStyle/>
+          <a:p>
+            <a:fld id="{56BE2FE7-2BDA-41F3-A8F8-8456B6B69E41}" type="slidenum">
+              <a:rPr lang="ru-RU" smtClean="0"/>
+              <a:pPr/>
+              <a:t>5</a:t>
+            </a:fld>
+            <a:endParaRPr lang="ru-RU" dirty="0"/>
+          </a:p>
+        </p:txBody>
+      </p:sp>
+      <p:pic>
+        <p:nvPicPr>
+          <p:cNvPr id="3" name="Рисунок 2"/>
+          <p:cNvPicPr>
+            <a:picLocks noChangeAspect="1"/>
+          </p:cNvPicPr>
+          <p:nvPr/>
+        </p:nvPicPr>
+        <p:blipFill>
+          <a:blip r:embed="rId2">
+            <a:extLst>
+              <a:ext uri="{28A0092B-C50C-407E-A947-70E740481C1C}">
+                <a14:useLocalDpi xmlns:a14="http://schemas.microsoft.com/office/drawing/2010/main" val="0"/>
+              </a:ext>
+            </a:extLst>
+          </a:blip>
+          <a:stretch>
+            <a:fillRect/>
+          </a:stretch>
+        </p:blipFill>
+        <p:spPr>
+          <a:xfrm>
+            <a:off x="2538070" y="233918"/>
+            <a:ext cx="8445362" cy="6868066"/>
+          </a:xfrm>
+          <a:prstGeom prst="rect">
+            <a:avLst/>
+          </a:prstGeom>
+        </p:spPr>
+      </p:pic>
+    </p:spTree>
+    <p:extLst>
+      <p:ext uri="{BB962C8B-B14F-4D97-AF65-F5344CB8AC3E}">
+        <p14:creationId xmlns:p14="http://schemas.microsoft.com/office/powerpoint/2010/main" val="1655694987"/>
+      </p:ext>
+    </p:extLst>
+  </p:cSld>
+  <p:clrMapOvr>
+    <a:masterClrMapping/>
+  </p:clrMapOvr>
+  <p:timing>
+    <p:tnLst>
+      <p:par>
+        <p:cTn id="1" dur="indefinite" restart="never" nodeType="tmRoot"/>
+      </p:par>
+    </p:tnLst>
+  </p:timing>
+</p:sld>
+</file>
+
+<file path=ppt/slides/slide6.xml><?xml version="1.0" encoding="utf-8"?>
+<p:sld xmlns:a="http://schemas.openxmlformats.org/drawingml/2006/main" xmlns:r="http://schemas.openxmlformats.org/officeDocument/2006/relationships" xmlns:p="http://schemas.openxmlformats.org/presentationml/2006/main">
+  <p:cSld>
+    <p:spTree>
+      <p:nvGrpSpPr>
+        <p:cNvPr id="1" name=""/>
+        <p:cNvGrpSpPr/>
+        <p:nvPr/>
+      </p:nvGrpSpPr>
+      <p:grpSpPr>
+        <a:xfrm>
+          <a:off x="0" y="0"/>
+          <a:ext cx="0" cy="0"/>
+          <a:chOff x="0" y="0"/>
+          <a:chExt cx="0" cy="0"/>
+        </a:xfrm>
+      </p:grpSpPr>
+      <p:sp>
+        <p:nvSpPr>
+          <p:cNvPr id="2" name="Заголовок 1"/>
+          <p:cNvSpPr>
+            <a:spLocks noGrp="1"/>
+          </p:cNvSpPr>
+          <p:nvPr>
+            <p:ph type="title"/>
+          </p:nvPr>
+        </p:nvSpPr>
+        <p:spPr>
+          <a:xfrm>
+            <a:off x="2592925" y="624110"/>
+            <a:ext cx="8911687" cy="736857"/>
+          </a:xfrm>
+        </p:spPr>
+        <p:txBody>
+          <a:bodyPr>
+            <a:normAutofit/>
+          </a:bodyPr>
+          <a:lstStyle/>
+          <a:p>
+            <a:pPr algn="r"/>
+            <a:r>
+              <a:rPr lang="ru-RU" sz="3200" b="1" dirty="0" smtClean="0">
+                <a:latin typeface="Areal"/>
+              </a:rPr>
+              <a:t>Автоматизированное тестирование</a:t>
+            </a:r>
+            <a:endParaRPr lang="ru-RU" sz="3200" b="1" dirty="0">
+              <a:latin typeface="Areal"/>
+            </a:endParaRPr>
+          </a:p>
+        </p:txBody>
+      </p:sp>
+      <p:sp>
+        <p:nvSpPr>
+          <p:cNvPr id="4" name="Номер слайда 3"/>
+          <p:cNvSpPr>
+            <a:spLocks noGrp="1"/>
+          </p:cNvSpPr>
+          <p:nvPr>
+            <p:ph type="sldNum" sz="quarter" idx="12"/>
+          </p:nvPr>
+        </p:nvSpPr>
+        <p:spPr/>
+        <p:txBody>
+          <a:bodyPr/>
+          <a:lstStyle/>
+          <a:p>
+            <a:fld id="{56BE2FE7-2BDA-41F3-A8F8-8456B6B69E41}" type="slidenum">
+              <a:rPr lang="ru-RU" smtClean="0"/>
+              <a:pPr/>
+              <a:t>6</a:t>
+            </a:fld>
+            <a:endParaRPr lang="ru-RU" dirty="0"/>
+          </a:p>
+        </p:txBody>
+      </p:sp>
+      <p:sp>
+        <p:nvSpPr>
+          <p:cNvPr id="5" name="Прямоугольник 4"/>
+          <p:cNvSpPr/>
+          <p:nvPr/>
+        </p:nvSpPr>
+        <p:spPr>
+          <a:xfrm>
+            <a:off x="2592925" y="1818190"/>
+            <a:ext cx="8052391" cy="3416320"/>
+          </a:xfrm>
+          <a:prstGeom prst="rect">
+            <a:avLst/>
+          </a:prstGeom>
+        </p:spPr>
+        <p:txBody>
+          <a:bodyPr wrap="square">
+            <a:spAutoFit/>
+          </a:bodyPr>
+          <a:lstStyle/>
+          <a:p>
+            <a:pPr algn="just"/>
+            <a:r>
+              <a:rPr lang="ru-RU" sz="2400" dirty="0" smtClean="0">
+                <a:latin typeface="Areal"/>
+              </a:rPr>
+              <a:t>	Автоматизация </a:t>
+            </a:r>
+            <a:r>
+              <a:rPr lang="ru-RU" sz="2400" dirty="0">
+                <a:latin typeface="Areal"/>
+              </a:rPr>
+              <a:t>тестирования приложений – это процесс проверки программного обеспечения, который включает проведение таких основных функций и шагов теста, как запуск, инициализация, выполнение, анализ и выдача результата, автоматически посредством специализированных инструментов</a:t>
+            </a:r>
+            <a:r>
+              <a:rPr lang="ru-RU" sz="2400" dirty="0" smtClean="0">
+                <a:latin typeface="Areal"/>
+              </a:rPr>
+              <a:t>.</a:t>
+            </a:r>
+          </a:p>
+          <a:p>
+            <a:pPr algn="just"/>
+            <a:r>
+              <a:rPr lang="ru-RU" sz="2400" dirty="0" smtClean="0">
+                <a:latin typeface="Areal"/>
+              </a:rPr>
+              <a:t>	Автоматизированное </a:t>
+            </a:r>
+            <a:r>
+              <a:rPr lang="ru-RU" sz="2400" dirty="0">
+                <a:latin typeface="Areal"/>
+              </a:rPr>
+              <a:t>тестирование – аналог ручного функционального тестирования , который выполняется программой-роботом, а не человеком.</a:t>
+            </a:r>
+            <a:endParaRPr lang="ru-RU" sz="2400" dirty="0">
+              <a:latin typeface="Areal"/>
+            </a:endParaRPr>
+          </a:p>
+        </p:txBody>
+      </p:sp>
+    </p:spTree>
+    <p:extLst>
+      <p:ext uri="{BB962C8B-B14F-4D97-AF65-F5344CB8AC3E}">
+        <p14:creationId xmlns:p14="http://schemas.microsoft.com/office/powerpoint/2010/main" val="2290181987"/>
+      </p:ext>
+    </p:extLst>
+  </p:cSld>
+  <p:clrMapOvr>
+    <a:masterClrMapping/>
+  </p:clrMapOvr>
+  <p:timing>
+    <p:tnLst>
+      <p:par>
+        <p:cTn id="1" dur="indefinite" restart="never" nodeType="tmRoot"/>
+      </p:par>
+    </p:tnLst>
+  </p:timing>
+</p:sld>
+</file>
+
+<file path=ppt/slides/slide7.xml><?xml version="1.0" encoding="utf-8"?>
+<p:sld xmlns:a="http://schemas.openxmlformats.org/drawingml/2006/main" xmlns:r="http://schemas.openxmlformats.org/officeDocument/2006/relationships" xmlns:p="http://schemas.openxmlformats.org/presentationml/2006/main">
+  <p:cSld>
+    <p:spTree>
+      <p:nvGrpSpPr>
+        <p:cNvPr id="1" name=""/>
+        <p:cNvGrpSpPr/>
+        <p:nvPr/>
+      </p:nvGrpSpPr>
+      <p:grpSpPr>
+        <a:xfrm>
+          <a:off x="0" y="0"/>
+          <a:ext cx="0" cy="0"/>
+          <a:chOff x="0" y="0"/>
+          <a:chExt cx="0" cy="0"/>
+        </a:xfrm>
+      </p:grpSpPr>
+      <p:sp>
+        <p:nvSpPr>
+          <p:cNvPr id="2" name="Заголовок 1"/>
+          <p:cNvSpPr>
+            <a:spLocks noGrp="1"/>
+          </p:cNvSpPr>
+          <p:nvPr>
+            <p:ph type="title"/>
+          </p:nvPr>
+        </p:nvSpPr>
+        <p:spPr/>
+        <p:txBody>
+          <a:bodyPr/>
+          <a:lstStyle/>
+          <a:p>
+            <a:pPr algn="r"/>
+            <a:r>
+              <a:rPr lang="ru-RU" b="1" dirty="0" smtClean="0">
+                <a:latin typeface="Areal"/>
+              </a:rPr>
+              <a:t>Преимущества автоматизированного тестирования</a:t>
+            </a:r>
+            <a:endParaRPr lang="ru-RU" b="1" dirty="0">
+              <a:latin typeface="Areal"/>
+            </a:endParaRPr>
+          </a:p>
+        </p:txBody>
+      </p:sp>
+      <p:sp>
+        <p:nvSpPr>
+          <p:cNvPr id="4" name="Номер слайда 3"/>
+          <p:cNvSpPr>
+            <a:spLocks noGrp="1"/>
+          </p:cNvSpPr>
+          <p:nvPr>
+            <p:ph type="sldNum" sz="quarter" idx="12"/>
+          </p:nvPr>
+        </p:nvSpPr>
+        <p:spPr/>
+        <p:txBody>
+          <a:bodyPr/>
+          <a:lstStyle/>
+          <a:p>
+            <a:fld id="{56BE2FE7-2BDA-41F3-A8F8-8456B6B69E41}" type="slidenum">
+              <a:rPr lang="ru-RU" smtClean="0"/>
+              <a:pPr/>
+              <a:t>7</a:t>
+            </a:fld>
+            <a:endParaRPr lang="ru-RU" dirty="0"/>
+          </a:p>
+        </p:txBody>
+      </p:sp>
+      <p:sp>
+        <p:nvSpPr>
+          <p:cNvPr id="6" name="Прямоугольник 5"/>
+          <p:cNvSpPr/>
+          <p:nvPr/>
+        </p:nvSpPr>
+        <p:spPr>
+          <a:xfrm>
+            <a:off x="1729563" y="2009553"/>
+            <a:ext cx="9636642" cy="4247317"/>
+          </a:xfrm>
+          <a:prstGeom prst="rect">
+            <a:avLst/>
+          </a:prstGeom>
+        </p:spPr>
+        <p:txBody>
+          <a:bodyPr wrap="square">
+            <a:spAutoFit/>
+          </a:bodyPr>
+          <a:lstStyle/>
+          <a:p>
+            <a:pPr algn="just"/>
+            <a:r>
+              <a:rPr lang="ru-RU" dirty="0">
+                <a:latin typeface="Areal"/>
+              </a:rPr>
+              <a:t>К преимуществам автоматизированного тестирования относится: </a:t>
+            </a:r>
+            <a:endParaRPr lang="ru-RU" dirty="0" smtClean="0">
+              <a:latin typeface="Areal"/>
+            </a:endParaRPr>
+          </a:p>
+          <a:p>
+            <a:pPr algn="just"/>
+            <a:r>
+              <a:rPr lang="ru-RU" dirty="0" smtClean="0">
+                <a:latin typeface="Areal"/>
+              </a:rPr>
+              <a:t>1) Повторяемость </a:t>
+            </a:r>
+            <a:r>
+              <a:rPr lang="ru-RU" dirty="0">
+                <a:latin typeface="Areal"/>
+              </a:rPr>
+              <a:t>– все написанные тесты всегда будут выполняться однообразно, то есть исключен «человеческий фактор». Тестировщик не пропустит тест по неосторожности и ничего не напутает в результатах.</a:t>
+            </a:r>
+          </a:p>
+          <a:p>
+            <a:pPr algn="just"/>
+            <a:r>
+              <a:rPr lang="ru-RU" dirty="0" smtClean="0">
+                <a:latin typeface="Areal"/>
+              </a:rPr>
+              <a:t>2) Быстрое </a:t>
+            </a:r>
+            <a:r>
+              <a:rPr lang="ru-RU" dirty="0">
+                <a:latin typeface="Areal"/>
+              </a:rPr>
+              <a:t>выполнение – автоматизированному скрипту не нужно сверяться с инструкциями и документациями, это сильно экономит время выполнения.</a:t>
+            </a:r>
+          </a:p>
+          <a:p>
+            <a:pPr algn="just"/>
+            <a:r>
+              <a:rPr lang="ru-RU" dirty="0" smtClean="0">
+                <a:latin typeface="Areal"/>
+              </a:rPr>
+              <a:t>3) Меньшие </a:t>
+            </a:r>
+            <a:r>
+              <a:rPr lang="ru-RU" dirty="0">
+                <a:latin typeface="Areal"/>
+              </a:rPr>
+              <a:t>затраты на поддержку – когда автоматические скрипты уже написаны, на их поддержку и анализ результатов требуется, как правило, меньшее время чем на проведение того же объема тестирования вручную.</a:t>
+            </a:r>
+          </a:p>
+          <a:p>
+            <a:pPr algn="just"/>
+            <a:r>
+              <a:rPr lang="ru-RU" dirty="0" smtClean="0">
+                <a:latin typeface="Areal"/>
+              </a:rPr>
+              <a:t>4) Отчеты </a:t>
+            </a:r>
+            <a:r>
+              <a:rPr lang="ru-RU" dirty="0">
+                <a:latin typeface="Areal"/>
+              </a:rPr>
+              <a:t>– автоматически рассылаемые и сохраняемые отчеты о результатах тестирования.</a:t>
+            </a:r>
+          </a:p>
+          <a:p>
+            <a:pPr algn="just"/>
+            <a:r>
+              <a:rPr lang="ru-RU" dirty="0" smtClean="0">
+                <a:latin typeface="Areal"/>
+              </a:rPr>
+              <a:t>5) Выполнение </a:t>
+            </a:r>
+            <a:r>
+              <a:rPr lang="ru-RU" dirty="0">
+                <a:latin typeface="Areal"/>
+              </a:rPr>
+              <a:t>без вмешательства – во время выполнения тестов инженер-тестировщик может заниматься другими полезными делами, или тесты могут выполняться в нерабочее время (этот метод предпочтительнее, так как нагрузка на локальные сети ночью снижена).</a:t>
+            </a:r>
+            <a:endParaRPr lang="ru-RU" b="0" i="0" dirty="0">
+              <a:effectLst/>
+              <a:latin typeface="Areal"/>
+            </a:endParaRPr>
+          </a:p>
+        </p:txBody>
+      </p:sp>
+    </p:spTree>
+    <p:extLst>
+      <p:ext uri="{BB962C8B-B14F-4D97-AF65-F5344CB8AC3E}">
+        <p14:creationId xmlns:p14="http://schemas.microsoft.com/office/powerpoint/2010/main" val="2027610225"/>
+      </p:ext>
+    </p:extLst>
+  </p:cSld>
+  <p:clrMapOvr>
+    <a:masterClrMapping/>
+  </p:clrMapOvr>
+  <p:timing>
+    <p:tnLst>
+      <p:par>
+        <p:cTn id="1" dur="indefinite" restart="never" nodeType="tmRoot"/>
+      </p:par>
+    </p:tnLst>
+  </p:timing>
+</p:sld>
+</file>
+
+<file path=ppt/slides/slide8.xml><?xml version="1.0" encoding="utf-8"?>
+<p:sld xmlns:a="http://schemas.openxmlformats.org/drawingml/2006/main" xmlns:r="http://schemas.openxmlformats.org/officeDocument/2006/relationships" xmlns:p="http://schemas.openxmlformats.org/presentationml/2006/main">
+  <p:cSld>
+    <p:spTree>
+      <p:nvGrpSpPr>
+        <p:cNvPr id="1" name=""/>
+        <p:cNvGrpSpPr/>
+        <p:nvPr/>
+      </p:nvGrpSpPr>
+      <p:grpSpPr>
+        <a:xfrm>
+          <a:off x="0" y="0"/>
+          <a:ext cx="0" cy="0"/>
+          <a:chOff x="0" y="0"/>
+          <a:chExt cx="0" cy="0"/>
+        </a:xfrm>
+      </p:grpSpPr>
+      <p:sp>
+        <p:nvSpPr>
+          <p:cNvPr id="2" name="Заголовок 1"/>
+          <p:cNvSpPr>
+            <a:spLocks noGrp="1"/>
+          </p:cNvSpPr>
+          <p:nvPr>
+            <p:ph type="title"/>
+          </p:nvPr>
+        </p:nvSpPr>
+        <p:spPr>
+          <a:xfrm>
+            <a:off x="3050125" y="512462"/>
+            <a:ext cx="8911687" cy="1280890"/>
+          </a:xfrm>
+        </p:spPr>
+        <p:txBody>
+          <a:bodyPr>
+            <a:normAutofit fontScale="90000"/>
+          </a:bodyPr>
+          <a:lstStyle/>
+          <a:p>
+            <a:pPr algn="r"/>
+            <a:r>
+              <a:rPr lang="ru-RU" sz="2800" b="1" smtClean="0">
+                <a:latin typeface="Areal"/>
+              </a:rPr>
+              <a:t>Расчёт экономической и временно целесообразности введения автоматизированного тестирования</a:t>
+            </a:r>
+            <a:endParaRPr lang="ru-RU" sz="2800" b="1" dirty="0">
+              <a:latin typeface="Areal"/>
+            </a:endParaRPr>
+          </a:p>
+        </p:txBody>
+      </p:sp>
+      <p:sp>
+        <p:nvSpPr>
+          <p:cNvPr id="4" name="Номер слайда 3"/>
+          <p:cNvSpPr>
+            <a:spLocks noGrp="1"/>
+          </p:cNvSpPr>
+          <p:nvPr>
+            <p:ph type="sldNum" sz="quarter" idx="12"/>
+          </p:nvPr>
+        </p:nvSpPr>
+        <p:spPr/>
+        <p:txBody>
+          <a:bodyPr/>
+          <a:lstStyle/>
+          <a:p>
+            <a:fld id="{56BE2FE7-2BDA-41F3-A8F8-8456B6B69E41}" type="slidenum">
+              <a:rPr lang="ru-RU" smtClean="0"/>
+              <a:pPr/>
+              <a:t>8</a:t>
+            </a:fld>
+            <a:endParaRPr lang="ru-RU" dirty="0"/>
+          </a:p>
+        </p:txBody>
+      </p:sp>
+      <p:sp>
+        <p:nvSpPr>
+          <p:cNvPr id="5" name="Прямоугольник 4"/>
+          <p:cNvSpPr/>
+          <p:nvPr/>
+        </p:nvSpPr>
+        <p:spPr>
+          <a:xfrm>
+            <a:off x="2101702" y="1793352"/>
+            <a:ext cx="8754140" cy="4570482"/>
+          </a:xfrm>
+          <a:prstGeom prst="rect">
+            <a:avLst/>
+          </a:prstGeom>
+        </p:spPr>
+        <p:txBody>
+          <a:bodyPr wrap="square">
+            <a:spAutoFit/>
+          </a:bodyPr>
+          <a:lstStyle/>
+          <a:p>
+            <a:pPr indent="450215" algn="just">
+              <a:lnSpc>
+                <a:spcPct val="150000"/>
+              </a:lnSpc>
+              <a:spcAft>
+                <a:spcPts val="0"/>
+              </a:spcAft>
+            </a:pPr>
+            <a:r>
+              <a:rPr lang="ru-RU" sz="2000" dirty="0" smtClean="0">
+                <a:latin typeface="Areal"/>
+                <a:ea typeface="Calibri" panose="020F0502020204030204" pitchFamily="34" charset="0"/>
+                <a:cs typeface="Times New Roman" panose="02020603050405020304" pitchFamily="18" charset="0"/>
+              </a:rPr>
+              <a:t>Был </a:t>
+            </a:r>
+            <a:r>
+              <a:rPr lang="ru-RU" sz="2000" dirty="0">
+                <a:latin typeface="Areal"/>
+                <a:ea typeface="Calibri" panose="020F0502020204030204" pitchFamily="34" charset="0"/>
+                <a:cs typeface="Times New Roman" panose="02020603050405020304" pitchFamily="18" charset="0"/>
+              </a:rPr>
+              <a:t>проведен расчет экономической </a:t>
+            </a:r>
+            <a:r>
+              <a:rPr lang="ru-RU" sz="2000" dirty="0" smtClean="0">
+                <a:latin typeface="Areal"/>
+                <a:ea typeface="Calibri" panose="020F0502020204030204" pitchFamily="34" charset="0"/>
+                <a:cs typeface="Times New Roman" panose="02020603050405020304" pitchFamily="18" charset="0"/>
+              </a:rPr>
+              <a:t>рентабельности и </a:t>
+            </a:r>
+            <a:r>
+              <a:rPr lang="ru-RU" sz="2000" dirty="0">
+                <a:latin typeface="Areal"/>
+                <a:ea typeface="Calibri" panose="020F0502020204030204" pitchFamily="34" charset="0"/>
+                <a:cs typeface="Times New Roman" panose="02020603050405020304" pitchFamily="18" charset="0"/>
+              </a:rPr>
+              <a:t>временной эффективности замены набора ручных скриптов на автоматизированное тестирование. Данные расчёты показали, что автоматизированное тестирование в несколько раз эффективней ручного тестирования</a:t>
+            </a:r>
+            <a:r>
+              <a:rPr lang="ru-RU" sz="2000" dirty="0" smtClean="0">
+                <a:latin typeface="Areal"/>
+                <a:ea typeface="Calibri" panose="020F0502020204030204" pitchFamily="34" charset="0"/>
+                <a:cs typeface="Times New Roman" panose="02020603050405020304" pitchFamily="18" charset="0"/>
+              </a:rPr>
+              <a:t>.</a:t>
+            </a:r>
+          </a:p>
+          <a:p>
+            <a:pPr indent="450215" algn="just">
+              <a:lnSpc>
+                <a:spcPct val="150000"/>
+              </a:lnSpc>
+            </a:pPr>
+            <a:r>
+              <a:rPr lang="ru-RU" sz="2000" dirty="0">
+                <a:latin typeface="Areal"/>
+                <a:ea typeface="Calibri" panose="020F0502020204030204" pitchFamily="34" charset="0"/>
+                <a:cs typeface="Times New Roman" panose="02020603050405020304" pitchFamily="18" charset="0"/>
+              </a:rPr>
+              <a:t>Данные расчеты показали что за три года эксплуатации и поддержания автоматизированных тестом </a:t>
+            </a:r>
+            <a:endParaRPr lang="ru-RU" sz="2000" dirty="0" smtClean="0">
+              <a:latin typeface="Areal"/>
+              <a:ea typeface="Calibri" panose="020F0502020204030204" pitchFamily="34" charset="0"/>
+              <a:cs typeface="Times New Roman" panose="02020603050405020304" pitchFamily="18" charset="0"/>
+            </a:endParaRPr>
+          </a:p>
+          <a:p>
+            <a:pPr indent="450215" algn="just">
+              <a:lnSpc>
+                <a:spcPct val="150000"/>
+              </a:lnSpc>
+            </a:pPr>
+            <a:r>
+              <a:rPr lang="ru-RU" sz="2000" dirty="0">
+                <a:latin typeface="Areal"/>
+                <a:ea typeface="Calibri" panose="020F0502020204030204" pitchFamily="34" charset="0"/>
+                <a:cs typeface="Times New Roman" panose="02020603050405020304" pitchFamily="18" charset="0"/>
+              </a:rPr>
+              <a:t>Экономия денег </a:t>
+            </a:r>
+            <a:r>
+              <a:rPr lang="ru-RU" sz="2000" dirty="0" smtClean="0">
+                <a:latin typeface="Areal"/>
+                <a:ea typeface="Calibri" panose="020F0502020204030204" pitchFamily="34" charset="0"/>
+                <a:cs typeface="Times New Roman" panose="02020603050405020304" pitchFamily="18" charset="0"/>
+              </a:rPr>
+              <a:t>592 635 рублей</a:t>
+            </a:r>
+          </a:p>
+          <a:p>
+            <a:pPr indent="450215" algn="just">
+              <a:lnSpc>
+                <a:spcPct val="150000"/>
+              </a:lnSpc>
+            </a:pPr>
+            <a:r>
+              <a:rPr lang="ru-RU" sz="2000" dirty="0">
+                <a:latin typeface="Areal"/>
+                <a:ea typeface="Calibri" panose="020F0502020204030204" pitchFamily="34" charset="0"/>
+                <a:cs typeface="Times New Roman" panose="02020603050405020304" pitchFamily="18" charset="0"/>
+              </a:rPr>
+              <a:t>Времени 4735 часов или </a:t>
+            </a:r>
+            <a:r>
+              <a:rPr lang="ru-RU" sz="2000" dirty="0" smtClean="0">
+                <a:latin typeface="Areal"/>
+                <a:ea typeface="Calibri" panose="020F0502020204030204" pitchFamily="34" charset="0"/>
+                <a:cs typeface="Times New Roman" panose="02020603050405020304" pitchFamily="18" charset="0"/>
+              </a:rPr>
+              <a:t>197 дней</a:t>
+            </a:r>
+            <a:endParaRPr lang="ru-RU" sz="1600" dirty="0">
+              <a:latin typeface="Areal"/>
+              <a:ea typeface="Calibri" panose="020F0502020204030204" pitchFamily="34" charset="0"/>
+              <a:cs typeface="Times New Roman" panose="02020603050405020304" pitchFamily="18" charset="0"/>
+            </a:endParaRPr>
+          </a:p>
+          <a:p>
+            <a:pPr indent="450215" algn="just">
+              <a:lnSpc>
+                <a:spcPct val="150000"/>
+              </a:lnSpc>
+              <a:spcAft>
+                <a:spcPts val="0"/>
+              </a:spcAft>
+            </a:pPr>
+            <a:endParaRPr lang="ru-RU" sz="1400" dirty="0">
+              <a:effectLst/>
+              <a:latin typeface="Calibri" panose="020F0502020204030204" pitchFamily="34" charset="0"/>
+              <a:ea typeface="Calibri" panose="020F0502020204030204" pitchFamily="34" charset="0"/>
+              <a:cs typeface="Times New Roman" panose="02020603050405020304" pitchFamily="18" charset="0"/>
+            </a:endParaRPr>
+          </a:p>
+        </p:txBody>
+      </p:sp>
+    </p:spTree>
+    <p:extLst>
+      <p:ext uri="{BB962C8B-B14F-4D97-AF65-F5344CB8AC3E}">
+        <p14:creationId xmlns:p14="http://schemas.microsoft.com/office/powerpoint/2010/main" val="2344514277"/>
+      </p:ext>
+    </p:extLst>
+  </p:cSld>
+  <p:clrMapOvr>
+    <a:masterClrMapping/>
+  </p:clrMapOvr>
+  <p:timing>
+    <p:tnLst>
+      <p:par>
+        <p:cTn id="1" dur="indefinite" restart="never" nodeType="tmRoot"/>
+      </p:par>
+    </p:tnLst>
+  </p:timing>
+</p:sld>
+</file>
+
+<file path=ppt/slides/slide9.xml><?xml version="1.0" encoding="utf-8"?>
+<p:sld xmlns:a="http://schemas.openxmlformats.org/drawingml/2006/main" xmlns:r="http://schemas.openxmlformats.org/officeDocument/2006/relationships" xmlns:p="http://schemas.openxmlformats.org/presentationml/2006/main">
+  <p:cSld>
+    <p:spTree>
+      <p:nvGrpSpPr>
+        <p:cNvPr id="1" name=""/>
+        <p:cNvGrpSpPr/>
+        <p:nvPr/>
+      </p:nvGrpSpPr>
+      <p:grpSpPr>
+        <a:xfrm>
+          <a:off x="0" y="0"/>
+          <a:ext cx="0" cy="0"/>
+          <a:chOff x="0" y="0"/>
+          <a:chExt cx="0" cy="0"/>
+        </a:xfrm>
+      </p:grpSpPr>
+      <p:sp>
+        <p:nvSpPr>
+          <p:cNvPr id="2" name="Заголовок 1"/>
+          <p:cNvSpPr>
+            <a:spLocks noGrp="1"/>
+          </p:cNvSpPr>
+          <p:nvPr>
+            <p:ph type="title"/>
+          </p:nvPr>
+        </p:nvSpPr>
+        <p:spPr>
+          <a:xfrm>
+            <a:off x="8642851" y="628496"/>
+            <a:ext cx="3371940" cy="683695"/>
+          </a:xfrm>
+        </p:spPr>
+        <p:txBody>
+          <a:bodyPr/>
+          <a:lstStyle/>
+          <a:p>
+            <a:r>
+              <a:rPr lang="en-US" b="1" dirty="0">
+                <a:latin typeface="Areal"/>
+              </a:rPr>
+              <a:t>Alpha.Alarms</a:t>
+            </a:r>
+            <a:endParaRPr lang="ru-RU" b="1" dirty="0">
+              <a:latin typeface="Areal"/>
+            </a:endParaRPr>
+          </a:p>
+        </p:txBody>
+      </p:sp>
+      <p:pic>
+        <p:nvPicPr>
+          <p:cNvPr id="5" name="Объект 4"/>
+          <p:cNvPicPr>
+            <a:picLocks noGrp="1" noChangeAspect="1"/>
+          </p:cNvPicPr>
+          <p:nvPr>
+            <p:ph idx="1"/>
+          </p:nvPr>
+        </p:nvPicPr>
+        <p:blipFill>
+          <a:blip r:embed="rId2">
+            <a:extLst>
+              <a:ext uri="{28A0092B-C50C-407E-A947-70E740481C1C}">
+                <a14:useLocalDpi xmlns:a14="http://schemas.microsoft.com/office/drawing/2010/main" val="0"/>
+              </a:ext>
+            </a:extLst>
+          </a:blip>
+          <a:stretch>
+            <a:fillRect/>
+          </a:stretch>
+        </p:blipFill>
+        <p:spPr>
+          <a:xfrm>
+            <a:off x="333153" y="1767305"/>
+            <a:ext cx="6935240" cy="3683882"/>
+          </a:xfrm>
+        </p:spPr>
+      </p:pic>
+      <p:sp>
+        <p:nvSpPr>
+          <p:cNvPr id="4" name="Номер слайда 3"/>
+          <p:cNvSpPr>
+            <a:spLocks noGrp="1"/>
+          </p:cNvSpPr>
+          <p:nvPr>
+            <p:ph type="sldNum" sz="quarter" idx="12"/>
+          </p:nvPr>
+        </p:nvSpPr>
+        <p:spPr/>
+        <p:txBody>
+          <a:bodyPr/>
+          <a:lstStyle/>
+          <a:p>
+            <a:fld id="{56BE2FE7-2BDA-41F3-A8F8-8456B6B69E41}" type="slidenum">
+              <a:rPr lang="ru-RU" smtClean="0"/>
+              <a:pPr/>
+              <a:t>9</a:t>
+            </a:fld>
+            <a:endParaRPr lang="ru-RU" dirty="0"/>
+          </a:p>
+        </p:txBody>
+      </p:sp>
+      <p:sp>
+        <p:nvSpPr>
+          <p:cNvPr id="6" name="Прямоугольник 5"/>
+          <p:cNvSpPr/>
+          <p:nvPr/>
+        </p:nvSpPr>
+        <p:spPr>
+          <a:xfrm>
+            <a:off x="2683080" y="5451187"/>
+            <a:ext cx="1818639" cy="338554"/>
+          </a:xfrm>
+          <a:prstGeom prst="rect">
+            <a:avLst/>
+          </a:prstGeom>
+        </p:spPr>
+        <p:txBody>
+          <a:bodyPr wrap="none">
+            <a:spAutoFit/>
+          </a:bodyPr>
+          <a:lstStyle/>
+          <a:p>
+            <a:r>
+              <a:rPr lang="ru-RU" sz="1600" dirty="0" smtClean="0">
+                <a:latin typeface="Areal"/>
+              </a:rPr>
+              <a:t>Стартовый экран</a:t>
+            </a:r>
+            <a:endParaRPr lang="ru-RU" sz="1600" dirty="0"/>
+          </a:p>
+        </p:txBody>
+      </p:sp>
+      <p:sp>
+        <p:nvSpPr>
+          <p:cNvPr id="7" name="Прямоугольник 6"/>
+          <p:cNvSpPr/>
+          <p:nvPr/>
+        </p:nvSpPr>
+        <p:spPr>
+          <a:xfrm>
+            <a:off x="7268392" y="2057401"/>
+            <a:ext cx="4746399" cy="2585323"/>
+          </a:xfrm>
+          <a:prstGeom prst="rect">
+            <a:avLst/>
+          </a:prstGeom>
+        </p:spPr>
+        <p:txBody>
+          <a:bodyPr wrap="square">
+            <a:spAutoFit/>
+          </a:bodyPr>
+          <a:lstStyle/>
+          <a:p>
+            <a:pPr indent="228600" algn="just">
+              <a:lnSpc>
+                <a:spcPct val="150000"/>
+              </a:lnSpc>
+              <a:spcAft>
+                <a:spcPts val="0"/>
+              </a:spcAft>
+            </a:pPr>
+            <a:r>
+              <a:rPr lang="ru-RU" dirty="0" smtClean="0">
+                <a:latin typeface="Areal"/>
+                <a:ea typeface="Calibri" panose="020F0502020204030204" pitchFamily="34" charset="0"/>
+                <a:cs typeface="Times New Roman" panose="02020603050405020304" pitchFamily="18" charset="0"/>
+              </a:rPr>
+              <a:t>Приложение </a:t>
+            </a:r>
+            <a:r>
+              <a:rPr lang="ru-RU" dirty="0">
+                <a:latin typeface="Areal"/>
+                <a:ea typeface="Calibri" panose="020F0502020204030204" pitchFamily="34" charset="0"/>
+                <a:cs typeface="Times New Roman" panose="02020603050405020304" pitchFamily="18" charset="0"/>
+              </a:rPr>
+              <a:t>Alpha.Alarms используется в пунктах автоматизации и мониторинга технологических процессов. Применяется для отслеживания событий и тревог, которые появляются при изменении состояний технологических объектов. </a:t>
+            </a:r>
+            <a:endParaRPr lang="ru-RU" sz="1400" dirty="0">
+              <a:effectLst/>
+              <a:latin typeface="Areal"/>
+              <a:ea typeface="Calibri" panose="020F0502020204030204" pitchFamily="34" charset="0"/>
+              <a:cs typeface="Times New Roman" panose="02020603050405020304" pitchFamily="18" charset="0"/>
+            </a:endParaRPr>
+          </a:p>
+        </p:txBody>
+      </p:sp>
+    </p:spTree>
+    <p:extLst>
+      <p:ext uri="{BB962C8B-B14F-4D97-AF65-F5344CB8AC3E}">
+        <p14:creationId xmlns:p14="http://schemas.microsoft.com/office/powerpoint/2010/main" val="2956321876"/>
       </p:ext>
     </p:extLst>
   </p:cSld>

--- a/Презентация.pptx
+++ b/Презентация.pptx
@@ -17,9 +17,9 @@
     <p:sldId id="310" r:id="rId8"/>
     <p:sldId id="311" r:id="rId9"/>
     <p:sldId id="305" r:id="rId10"/>
-    <p:sldId id="307" r:id="rId11"/>
-    <p:sldId id="306" r:id="rId12"/>
-    <p:sldId id="315" r:id="rId13"/>
+    <p:sldId id="306" r:id="rId11"/>
+    <p:sldId id="315" r:id="rId12"/>
+    <p:sldId id="307" r:id="rId13"/>
     <p:sldId id="316" r:id="rId14"/>
     <p:sldId id="317" r:id="rId15"/>
     <p:sldId id="296" r:id="rId16"/>
@@ -8200,7 +8200,7 @@
         </p:nvSpPr>
         <p:spPr>
           <a:xfrm>
-            <a:off x="0" y="6389361"/>
+            <a:off x="0" y="6325566"/>
             <a:ext cx="12192000" cy="369332"/>
           </a:xfrm>
           <a:prstGeom prst="rect">
@@ -8599,128 +8599,6 @@
         </p:nvSpPr>
         <p:spPr>
           <a:xfrm>
-            <a:off x="2869372" y="624109"/>
-            <a:ext cx="8911687" cy="1280890"/>
-          </a:xfrm>
-        </p:spPr>
-        <p:txBody>
-          <a:bodyPr>
-            <a:normAutofit fontScale="90000"/>
-          </a:bodyPr>
-          <a:lstStyle/>
-          <a:p>
-            <a:pPr algn="r"/>
-            <a:r>
-              <a:rPr lang="ru-RU" b="1" dirty="0">
-                <a:latin typeface="Areal"/>
-              </a:rPr>
-              <a:t>Диаграмма последовательности выполнения автоматизированных тестов</a:t>
-            </a:r>
-          </a:p>
-        </p:txBody>
-      </p:sp>
-      <p:pic>
-        <p:nvPicPr>
-          <p:cNvPr id="5" name="Объект 4"/>
-          <p:cNvPicPr>
-            <a:picLocks noGrp="1" noChangeAspect="1"/>
-          </p:cNvPicPr>
-          <p:nvPr>
-            <p:ph idx="1"/>
-          </p:nvPr>
-        </p:nvPicPr>
-        <p:blipFill>
-          <a:blip r:embed="rId2">
-            <a:extLst>
-              <a:ext uri="{28A0092B-C50C-407E-A947-70E740481C1C}">
-                <a14:useLocalDpi xmlns:a14="http://schemas.microsoft.com/office/drawing/2010/main" val="0"/>
-              </a:ext>
-            </a:extLst>
-          </a:blip>
-          <a:stretch>
-            <a:fillRect/>
-          </a:stretch>
-        </p:blipFill>
-        <p:spPr>
-          <a:xfrm>
-            <a:off x="2157495" y="1904999"/>
-            <a:ext cx="9105993" cy="4669971"/>
-          </a:xfrm>
-        </p:spPr>
-      </p:pic>
-      <p:sp>
-        <p:nvSpPr>
-          <p:cNvPr id="4" name="Номер слайда 3"/>
-          <p:cNvSpPr>
-            <a:spLocks noGrp="1"/>
-          </p:cNvSpPr>
-          <p:nvPr>
-            <p:ph type="sldNum" sz="quarter" idx="12"/>
-          </p:nvPr>
-        </p:nvSpPr>
-        <p:spPr/>
-        <p:txBody>
-          <a:bodyPr/>
-          <a:lstStyle/>
-          <a:p>
-            <a:fld id="{56BE2FE7-2BDA-41F3-A8F8-8456B6B69E41}" type="slidenum">
-              <a:rPr lang="ru-RU" smtClean="0"/>
-              <a:pPr/>
-              <a:t>10</a:t>
-            </a:fld>
-            <a:endParaRPr lang="ru-RU" dirty="0"/>
-          </a:p>
-        </p:txBody>
-      </p:sp>
-    </p:spTree>
-    <p:extLst>
-      <p:ext uri="{BB962C8B-B14F-4D97-AF65-F5344CB8AC3E}">
-        <p14:creationId xmlns:p14="http://schemas.microsoft.com/office/powerpoint/2010/main" val="3009599633"/>
-      </p:ext>
-    </p:extLst>
-  </p:cSld>
-  <p:clrMapOvr>
-    <a:masterClrMapping/>
-  </p:clrMapOvr>
-  <p:timing>
-    <p:tnLst>
-      <p:par>
-        <p:cTn id="1" dur="indefinite" restart="never" nodeType="tmRoot"/>
-      </p:par>
-    </p:tnLst>
-  </p:timing>
-</p:sld>
-</file>
-
-<file path=ppt/slides/slide11.xml><?xml version="1.0" encoding="utf-8"?>
-<p:sld xmlns:a="http://schemas.openxmlformats.org/drawingml/2006/main" xmlns:r="http://schemas.openxmlformats.org/officeDocument/2006/relationships" xmlns:p="http://schemas.openxmlformats.org/presentationml/2006/main">
-  <p:cSld>
-    <p:spTree>
-      <p:nvGrpSpPr>
-        <p:cNvPr id="1" name=""/>
-        <p:cNvGrpSpPr/>
-        <p:nvPr/>
-      </p:nvGrpSpPr>
-      <p:grpSpPr>
-        <a:xfrm>
-          <a:off x="0" y="0"/>
-          <a:ext cx="0" cy="0"/>
-          <a:chOff x="0" y="0"/>
-          <a:chExt cx="0" cy="0"/>
-        </a:xfrm>
-      </p:grpSpPr>
-      <p:sp>
-        <p:nvSpPr>
-          <p:cNvPr id="2" name="Заголовок 1"/>
-          <p:cNvSpPr>
-            <a:spLocks noGrp="1"/>
-          </p:cNvSpPr>
-          <p:nvPr>
-            <p:ph type="title"/>
-          </p:nvPr>
-        </p:nvSpPr>
-        <p:spPr>
-          <a:xfrm>
             <a:off x="1503804" y="329899"/>
             <a:ext cx="10533321" cy="1280890"/>
           </a:xfrm>
@@ -8789,7 +8667,7 @@
             <a:fld id="{56BE2FE7-2BDA-41F3-A8F8-8456B6B69E41}" type="slidenum">
               <a:rPr lang="ru-RU" smtClean="0"/>
               <a:pPr/>
-              <a:t>11</a:t>
+              <a:t>10</a:t>
             </a:fld>
             <a:endParaRPr lang="ru-RU" dirty="0"/>
           </a:p>
@@ -11556,7 +11434,7 @@
 </p:sld>
 </file>
 
-<file path=ppt/slides/slide12.xml><?xml version="1.0" encoding="utf-8"?>
+<file path=ppt/slides/slide11.xml><?xml version="1.0" encoding="utf-8"?>
 <p:sld xmlns:a="http://schemas.openxmlformats.org/drawingml/2006/main" xmlns:r="http://schemas.openxmlformats.org/officeDocument/2006/relationships" xmlns:p="http://schemas.openxmlformats.org/presentationml/2006/main">
   <p:cSld>
     <p:spTree>
@@ -11619,7 +11497,7 @@
             <a:fld id="{56BE2FE7-2BDA-41F3-A8F8-8456B6B69E41}" type="slidenum">
               <a:rPr lang="ru-RU" smtClean="0"/>
               <a:pPr/>
-              <a:t>12</a:t>
+              <a:t>11</a:t>
             </a:fld>
             <a:endParaRPr lang="ru-RU" dirty="0"/>
           </a:p>
@@ -11783,6 +11661,128 @@
 </p:sld>
 </file>
 
+<file path=ppt/slides/slide12.xml><?xml version="1.0" encoding="utf-8"?>
+<p:sld xmlns:a="http://schemas.openxmlformats.org/drawingml/2006/main" xmlns:r="http://schemas.openxmlformats.org/officeDocument/2006/relationships" xmlns:p="http://schemas.openxmlformats.org/presentationml/2006/main">
+  <p:cSld>
+    <p:spTree>
+      <p:nvGrpSpPr>
+        <p:cNvPr id="1" name=""/>
+        <p:cNvGrpSpPr/>
+        <p:nvPr/>
+      </p:nvGrpSpPr>
+      <p:grpSpPr>
+        <a:xfrm>
+          <a:off x="0" y="0"/>
+          <a:ext cx="0" cy="0"/>
+          <a:chOff x="0" y="0"/>
+          <a:chExt cx="0" cy="0"/>
+        </a:xfrm>
+      </p:grpSpPr>
+      <p:sp>
+        <p:nvSpPr>
+          <p:cNvPr id="2" name="Заголовок 1"/>
+          <p:cNvSpPr>
+            <a:spLocks noGrp="1"/>
+          </p:cNvSpPr>
+          <p:nvPr>
+            <p:ph type="title"/>
+          </p:nvPr>
+        </p:nvSpPr>
+        <p:spPr>
+          <a:xfrm>
+            <a:off x="2869372" y="624109"/>
+            <a:ext cx="8911687" cy="1280890"/>
+          </a:xfrm>
+        </p:spPr>
+        <p:txBody>
+          <a:bodyPr>
+            <a:normAutofit fontScale="90000"/>
+          </a:bodyPr>
+          <a:lstStyle/>
+          <a:p>
+            <a:pPr algn="r"/>
+            <a:r>
+              <a:rPr lang="ru-RU" b="1" dirty="0">
+                <a:latin typeface="Areal"/>
+              </a:rPr>
+              <a:t>Диаграмма последовательности выполнения автоматизированных тестов</a:t>
+            </a:r>
+          </a:p>
+        </p:txBody>
+      </p:sp>
+      <p:pic>
+        <p:nvPicPr>
+          <p:cNvPr id="5" name="Объект 4"/>
+          <p:cNvPicPr>
+            <a:picLocks noGrp="1" noChangeAspect="1"/>
+          </p:cNvPicPr>
+          <p:nvPr>
+            <p:ph idx="1"/>
+          </p:nvPr>
+        </p:nvPicPr>
+        <p:blipFill>
+          <a:blip r:embed="rId2">
+            <a:extLst>
+              <a:ext uri="{28A0092B-C50C-407E-A947-70E740481C1C}">
+                <a14:useLocalDpi xmlns:a14="http://schemas.microsoft.com/office/drawing/2010/main" val="0"/>
+              </a:ext>
+            </a:extLst>
+          </a:blip>
+          <a:stretch>
+            <a:fillRect/>
+          </a:stretch>
+        </p:blipFill>
+        <p:spPr>
+          <a:xfrm>
+            <a:off x="2157495" y="1904999"/>
+            <a:ext cx="9105993" cy="4669971"/>
+          </a:xfrm>
+        </p:spPr>
+      </p:pic>
+      <p:sp>
+        <p:nvSpPr>
+          <p:cNvPr id="4" name="Номер слайда 3"/>
+          <p:cNvSpPr>
+            <a:spLocks noGrp="1"/>
+          </p:cNvSpPr>
+          <p:nvPr>
+            <p:ph type="sldNum" sz="quarter" idx="12"/>
+          </p:nvPr>
+        </p:nvSpPr>
+        <p:spPr/>
+        <p:txBody>
+          <a:bodyPr/>
+          <a:lstStyle/>
+          <a:p>
+            <a:fld id="{56BE2FE7-2BDA-41F3-A8F8-8456B6B69E41}" type="slidenum">
+              <a:rPr lang="ru-RU" smtClean="0"/>
+              <a:pPr/>
+              <a:t>12</a:t>
+            </a:fld>
+            <a:endParaRPr lang="ru-RU" dirty="0"/>
+          </a:p>
+        </p:txBody>
+      </p:sp>
+    </p:spTree>
+    <p:extLst>
+      <p:ext uri="{BB962C8B-B14F-4D97-AF65-F5344CB8AC3E}">
+        <p14:creationId xmlns:p14="http://schemas.microsoft.com/office/powerpoint/2010/main" val="3009599633"/>
+      </p:ext>
+    </p:extLst>
+  </p:cSld>
+  <p:clrMapOvr>
+    <a:masterClrMapping/>
+  </p:clrMapOvr>
+  <p:timing>
+    <p:tnLst>
+      <p:par>
+        <p:cTn id="1" dur="indefinite" restart="never" nodeType="tmRoot"/>
+      </p:par>
+    </p:tnLst>
+  </p:timing>
+</p:sld>
+</file>
+
 <file path=ppt/slides/slide13.xml><?xml version="1.0" encoding="utf-8"?>
 <p:sld xmlns:a="http://schemas.openxmlformats.org/drawingml/2006/main" xmlns:r="http://schemas.openxmlformats.org/officeDocument/2006/relationships" xmlns:p="http://schemas.openxmlformats.org/presentationml/2006/main">
   <p:cSld>
@@ -12284,8 +12284,8 @@
         </p:nvSpPr>
         <p:spPr>
           <a:xfrm>
-            <a:off x="1618770" y="766536"/>
-            <a:ext cx="8802827" cy="1293028"/>
+            <a:off x="8848911" y="628313"/>
+            <a:ext cx="3176514" cy="690124"/>
           </a:xfrm>
         </p:spPr>
         <p:txBody>
@@ -12311,46 +12311,6 @@
       </p:sp>
       <p:sp>
         <p:nvSpPr>
-          <p:cNvPr id="7" name="Объект 2"/>
-          <p:cNvSpPr>
-            <a:spLocks noGrp="1"/>
-          </p:cNvSpPr>
-          <p:nvPr>
-            <p:ph idx="1"/>
-          </p:nvPr>
-        </p:nvSpPr>
-        <p:spPr>
-          <a:xfrm>
-            <a:off x="1215784" y="1789158"/>
-            <a:ext cx="9608797" cy="4002042"/>
-          </a:xfrm>
-        </p:spPr>
-        <p:txBody>
-          <a:bodyPr>
-            <a:noAutofit/>
-          </a:bodyPr>
-          <a:lstStyle/>
-          <a:p>
-            <a:pPr marL="0" indent="0" algn="just">
-              <a:lnSpc>
-                <a:spcPct val="150000"/>
-              </a:lnSpc>
-              <a:buNone/>
-            </a:pPr>
-            <a:r>
-              <a:rPr lang="ru-RU" sz="2400" dirty="0" smtClean="0">
-                <a:latin typeface="Areal"/>
-              </a:rPr>
-              <a:t>	</a:t>
-            </a:r>
-            <a:endParaRPr lang="ru-RU" sz="2400" dirty="0">
-              <a:latin typeface="Areal"/>
-            </a:endParaRPr>
-          </a:p>
-        </p:txBody>
-      </p:sp>
-      <p:sp>
-        <p:nvSpPr>
           <p:cNvPr id="5" name="Номер слайда 4"/>
           <p:cNvSpPr>
             <a:spLocks noGrp="1"/>
@@ -12375,21 +12335,21 @@
       </p:sp>
       <p:sp>
         <p:nvSpPr>
-          <p:cNvPr id="2" name="Прямоугольник 1"/>
+          <p:cNvPr id="3" name="Прямоугольник 2"/>
           <p:cNvSpPr/>
           <p:nvPr/>
         </p:nvSpPr>
         <p:spPr>
           <a:xfrm>
-            <a:off x="5715000" y="2059564"/>
-            <a:ext cx="6096000" cy="1338828"/>
+            <a:off x="2314353" y="1318437"/>
+            <a:ext cx="8764772" cy="5539978"/>
           </a:xfrm>
           <a:prstGeom prst="rect">
             <a:avLst/>
           </a:prstGeom>
         </p:spPr>
         <p:txBody>
-          <a:bodyPr>
+          <a:bodyPr wrap="square">
             <a:spAutoFit/>
           </a:bodyPr>
           <a:lstStyle/>
@@ -12403,77 +12363,184 @@
               </a:spcAft>
             </a:pPr>
             <a:r>
-              <a:rPr lang="ru-RU" dirty="0">
-                <a:latin typeface="Times New Roman" panose="02020603050405020304" pitchFamily="18" charset="0"/>
+              <a:rPr lang="ru-RU" sz="1600" dirty="0">
+                <a:latin typeface="Areal"/>
                 <a:ea typeface="Calibri" panose="020F0502020204030204" pitchFamily="34" charset="0"/>
                 <a:cs typeface="Times New Roman" panose="02020603050405020304" pitchFamily="18" charset="0"/>
               </a:rPr>
-              <a:t>Для </a:t>
-            </a:r>
-            <a:r>
-              <a:rPr lang="en-US" dirty="0">
-                <a:latin typeface="Times New Roman" panose="02020603050405020304" pitchFamily="18" charset="0"/>
-                <a:ea typeface="Calibri" panose="020F0502020204030204" pitchFamily="34" charset="0"/>
-                <a:cs typeface="Times New Roman" panose="02020603050405020304" pitchFamily="18" charset="0"/>
-              </a:rPr>
-              <a:t>Alpha</a:t>
-            </a:r>
-            <a:r>
-              <a:rPr lang="ru-RU" dirty="0">
-                <a:latin typeface="Times New Roman" panose="02020603050405020304" pitchFamily="18" charset="0"/>
+              <a:t>В результате проделанной работы решены все поставленные задачи и тем самым достигнута цель данной работы</a:t>
+            </a:r>
+            <a:r>
+              <a:rPr lang="ru-RU" sz="1600" dirty="0" smtClean="0">
+                <a:latin typeface="Areal"/>
                 <a:ea typeface="Calibri" panose="020F0502020204030204" pitchFamily="34" charset="0"/>
                 <a:cs typeface="Times New Roman" panose="02020603050405020304" pitchFamily="18" charset="0"/>
               </a:rPr>
               <a:t>.</a:t>
             </a:r>
-            <a:r>
-              <a:rPr lang="en-US" dirty="0">
-                <a:latin typeface="Times New Roman" panose="02020603050405020304" pitchFamily="18" charset="0"/>
+          </a:p>
+          <a:p>
+            <a:pPr indent="449580" algn="just">
+              <a:lnSpc>
+                <a:spcPct val="150000"/>
+              </a:lnSpc>
+              <a:spcAft>
+                <a:spcPts val="0"/>
+              </a:spcAft>
+            </a:pPr>
+            <a:r>
+              <a:rPr lang="ru-RU" sz="1600" dirty="0" smtClean="0">
+                <a:latin typeface="Areal"/>
                 <a:ea typeface="Calibri" panose="020F0502020204030204" pitchFamily="34" charset="0"/>
                 <a:cs typeface="Times New Roman" panose="02020603050405020304" pitchFamily="18" charset="0"/>
               </a:rPr>
-              <a:t>Alarms</a:t>
-            </a:r>
-            <a:r>
-              <a:rPr lang="ru-RU" dirty="0">
-                <a:latin typeface="Times New Roman" panose="02020603050405020304" pitchFamily="18" charset="0"/>
+              <a:t>Результатом проведенного исследования является разработанное приложение, выполняющее автоматизированное тестирование программного продукта </a:t>
+            </a:r>
+            <a:r>
+              <a:rPr lang="en-US" sz="1600" dirty="0" smtClean="0">
+                <a:latin typeface="Areal"/>
                 <a:ea typeface="Calibri" panose="020F0502020204030204" pitchFamily="34" charset="0"/>
                 <a:cs typeface="Times New Roman" panose="02020603050405020304" pitchFamily="18" charset="0"/>
               </a:rPr>
-              <a:t> существует ряд ручных тестов в системе </a:t>
-            </a:r>
-            <a:r>
-              <a:rPr lang="en-US" dirty="0">
-                <a:latin typeface="Times New Roman" panose="02020603050405020304" pitchFamily="18" charset="0"/>
+              <a:t>Alpha.Alarms.</a:t>
+            </a:r>
+            <a:endParaRPr lang="ru-RU" sz="1600" dirty="0" smtClean="0">
+              <a:latin typeface="Areal"/>
+              <a:ea typeface="Calibri" panose="020F0502020204030204" pitchFamily="34" charset="0"/>
+              <a:cs typeface="Times New Roman" panose="02020603050405020304" pitchFamily="18" charset="0"/>
+            </a:endParaRPr>
+          </a:p>
+          <a:p>
+            <a:pPr indent="449580" algn="just">
+              <a:lnSpc>
+                <a:spcPct val="150000"/>
+              </a:lnSpc>
+              <a:spcAft>
+                <a:spcPts val="0"/>
+              </a:spcAft>
+            </a:pPr>
+            <a:r>
+              <a:rPr lang="ru-RU" sz="1600" dirty="0">
+                <a:latin typeface="Areal"/>
                 <a:ea typeface="Calibri" panose="020F0502020204030204" pitchFamily="34" charset="0"/>
                 <a:cs typeface="Times New Roman" panose="02020603050405020304" pitchFamily="18" charset="0"/>
               </a:rPr>
-              <a:t>TestLink</a:t>
-            </a:r>
-            <a:r>
-              <a:rPr lang="ru-RU" dirty="0">
-                <a:latin typeface="Times New Roman" panose="02020603050405020304" pitchFamily="18" charset="0"/>
+              <a:t>После внедрения данной программы </a:t>
+            </a:r>
+            <a:r>
+              <a:rPr lang="ru-RU" sz="1600" dirty="0" smtClean="0">
+                <a:latin typeface="Areal"/>
                 <a:ea typeface="Calibri" panose="020F0502020204030204" pitchFamily="34" charset="0"/>
                 <a:cs typeface="Times New Roman" panose="02020603050405020304" pitchFamily="18" charset="0"/>
               </a:rPr>
-              <a:t>. В будущем планируется автоматизация ручных тестов с использованием библиотеки </a:t>
-            </a:r>
-            <a:r>
-              <a:rPr lang="en-US" dirty="0">
-                <a:latin typeface="Times New Roman" panose="02020603050405020304" pitchFamily="18" charset="0"/>
+              <a:t>в производство удалось</a:t>
+            </a:r>
+            <a:r>
+              <a:rPr lang="ru-RU" sz="1600" dirty="0">
+                <a:latin typeface="Areal"/>
                 <a:ea typeface="Calibri" panose="020F0502020204030204" pitchFamily="34" charset="0"/>
                 <a:cs typeface="Times New Roman" panose="02020603050405020304" pitchFamily="18" charset="0"/>
               </a:rPr>
-              <a:t>NUnit</a:t>
-            </a:r>
-            <a:r>
-              <a:rPr lang="ru-RU" dirty="0">
-                <a:latin typeface="Times New Roman" panose="02020603050405020304" pitchFamily="18" charset="0"/>
+              <a:t>:</a:t>
+            </a:r>
+          </a:p>
+          <a:p>
+            <a:pPr indent="449580" algn="just">
+              <a:lnSpc>
+                <a:spcPct val="150000"/>
+              </a:lnSpc>
+              <a:spcAft>
+                <a:spcPts val="0"/>
+              </a:spcAft>
+            </a:pPr>
+            <a:r>
+              <a:rPr lang="ru-RU" sz="1600" dirty="0">
+                <a:latin typeface="Areal"/>
                 <a:ea typeface="Calibri" panose="020F0502020204030204" pitchFamily="34" charset="0"/>
                 <a:cs typeface="Times New Roman" panose="02020603050405020304" pitchFamily="18" charset="0"/>
               </a:rPr>
-              <a:t>.</a:t>
-            </a:r>
+              <a:t>1) сократить затраты на ресурсы и время для подготовки тестовых данных;</a:t>
+            </a:r>
+          </a:p>
+          <a:p>
+            <a:pPr indent="449580" algn="just">
+              <a:lnSpc>
+                <a:spcPct val="150000"/>
+              </a:lnSpc>
+              <a:spcAft>
+                <a:spcPts val="0"/>
+              </a:spcAft>
+            </a:pPr>
+            <a:r>
+              <a:rPr lang="ru-RU" sz="1600" dirty="0">
+                <a:latin typeface="Areal"/>
+                <a:ea typeface="Calibri" panose="020F0502020204030204" pitchFamily="34" charset="0"/>
+                <a:cs typeface="Times New Roman" panose="02020603050405020304" pitchFamily="18" charset="0"/>
+              </a:rPr>
+              <a:t>2) сократить время на анализ и формирование отчетов.</a:t>
+            </a:r>
+          </a:p>
+          <a:p>
+            <a:pPr indent="449580" algn="just">
+              <a:lnSpc>
+                <a:spcPct val="150000"/>
+              </a:lnSpc>
+              <a:spcAft>
+                <a:spcPts val="0"/>
+              </a:spcAft>
+            </a:pPr>
+            <a:r>
+              <a:rPr lang="ru-RU" sz="1600" dirty="0">
+                <a:latin typeface="Areal"/>
+                <a:ea typeface="Calibri" panose="020F0502020204030204" pitchFamily="34" charset="0"/>
+                <a:cs typeface="Times New Roman" panose="02020603050405020304" pitchFamily="18" charset="0"/>
+              </a:rPr>
+              <a:t>Программа по автоматизированному тестированию на данный момент применяется на реальном проекте.</a:t>
+            </a:r>
+          </a:p>
+          <a:p>
+            <a:pPr indent="449580" algn="just">
+              <a:lnSpc>
+                <a:spcPct val="150000"/>
+              </a:lnSpc>
+              <a:spcAft>
+                <a:spcPts val="0"/>
+              </a:spcAft>
+            </a:pPr>
+            <a:r>
+              <a:rPr lang="ru-RU" sz="1600" dirty="0">
+                <a:latin typeface="Areal"/>
+                <a:ea typeface="Calibri" panose="020F0502020204030204" pitchFamily="34" charset="0"/>
+                <a:cs typeface="Times New Roman" panose="02020603050405020304" pitchFamily="18" charset="0"/>
+              </a:rPr>
+              <a:t>В дальнейшем планируется развитие проекта автоматизированного тестирования, планируется увеличить количество автоматизированных тестов, которые учувствуют в тестовом запуске и увеличить зону покрытия тестами программного продукта Alpha.Alarms.</a:t>
+            </a:r>
+          </a:p>
+          <a:p>
+            <a:pPr indent="449580" algn="just">
+              <a:lnSpc>
+                <a:spcPct val="150000"/>
+              </a:lnSpc>
+              <a:spcAft>
+                <a:spcPts val="0"/>
+              </a:spcAft>
+            </a:pPr>
+            <a:endParaRPr lang="ru-RU" sz="1400" dirty="0" smtClean="0">
+              <a:effectLst/>
+              <a:latin typeface="Calibri" panose="020F0502020204030204" pitchFamily="34" charset="0"/>
+              <a:ea typeface="Calibri" panose="020F0502020204030204" pitchFamily="34" charset="0"/>
+              <a:cs typeface="Times New Roman" panose="02020603050405020304" pitchFamily="18" charset="0"/>
+            </a:endParaRPr>
+          </a:p>
+          <a:p>
+            <a:pPr indent="449580" algn="just">
+              <a:lnSpc>
+                <a:spcPct val="150000"/>
+              </a:lnSpc>
+              <a:spcAft>
+                <a:spcPts val="0"/>
+              </a:spcAft>
+            </a:pPr>
             <a:endParaRPr lang="ru-RU" sz="1400" dirty="0">
               <a:effectLst/>
               <a:latin typeface="Calibri" panose="020F0502020204030204" pitchFamily="34" charset="0"/>
@@ -13473,7 +13540,31 @@
               <a:rPr lang="ru-RU" sz="2400" dirty="0">
                 <a:latin typeface="Areal"/>
               </a:rPr>
-              <a:t>тестирования приложений – это процесс проверки программного обеспечения, который включает проведение таких основных функций и шагов теста, как запуск, инициализация, выполнение, анализ и выдача результата, автоматически посредством специализированных инструментов</a:t>
+              <a:t>тестирования приложений – это процесс проверки программного обеспечения, который </a:t>
+            </a:r>
+            <a:r>
+              <a:rPr lang="ru-RU" sz="2400" dirty="0" smtClean="0">
+                <a:latin typeface="Areal"/>
+              </a:rPr>
+              <a:t>включает в себя </a:t>
+            </a:r>
+            <a:r>
+              <a:rPr lang="ru-RU" sz="2400" dirty="0">
+                <a:latin typeface="Areal"/>
+              </a:rPr>
+              <a:t>проведение таких основных </a:t>
+            </a:r>
+            <a:r>
+              <a:rPr lang="ru-RU" sz="2400" dirty="0" smtClean="0">
+                <a:latin typeface="Areal"/>
+              </a:rPr>
+              <a:t>шагов </a:t>
+            </a:r>
+            <a:r>
+              <a:rPr lang="ru-RU" sz="2400" dirty="0">
+                <a:latin typeface="Areal"/>
+              </a:rPr>
+              <a:t>теста, как запуск, инициализация, выполнение, анализ и выдача результата, автоматически посредством специализированных инструментов</a:t>
             </a:r>
             <a:r>
               <a:rPr lang="ru-RU" sz="2400" dirty="0" smtClean="0">
@@ -13496,9 +13587,6 @@
               </a:rPr>
               <a:t>тестирование – аналог ручного функционального тестирования , который выполняется программой-роботом, а не человеком.</a:t>
             </a:r>
-            <a:endParaRPr lang="ru-RU" sz="2400" dirty="0">
-              <a:latin typeface="Areal"/>
-            </a:endParaRPr>
           </a:p>
         </p:txBody>
       </p:sp>
@@ -13599,8 +13687,8 @@
         </p:nvSpPr>
         <p:spPr>
           <a:xfrm>
-            <a:off x="1729563" y="2009553"/>
-            <a:ext cx="9636642" cy="4247317"/>
+            <a:off x="1796903" y="2190305"/>
+            <a:ext cx="9271591" cy="3970318"/>
           </a:xfrm>
           <a:prstGeom prst="rect">
             <a:avLst/>
@@ -13614,22 +13702,16 @@
           <a:p>
             <a:pPr algn="just"/>
             <a:r>
-              <a:rPr lang="ru-RU" dirty="0">
-                <a:latin typeface="Areal"/>
-              </a:rPr>
-              <a:t>К преимуществам автоматизированного тестирования относится: </a:t>
-            </a:r>
-            <a:endParaRPr lang="ru-RU" dirty="0" smtClean="0">
-              <a:latin typeface="Areal"/>
-            </a:endParaRPr>
-          </a:p>
-          <a:p>
-            <a:pPr algn="just"/>
-            <a:r>
               <a:rPr lang="ru-RU" dirty="0" smtClean="0">
                 <a:latin typeface="Areal"/>
               </a:rPr>
-              <a:t>1) Повторяемость </a:t>
+              <a:t>1</a:t>
+            </a:r>
+            <a:r>
+              <a:rPr lang="ru-RU" dirty="0" smtClean="0">
+                <a:latin typeface="Areal"/>
+              </a:rPr>
+              <a:t>) Повторяемость </a:t>
             </a:r>
             <a:r>
               <a:rPr lang="ru-RU" dirty="0">
@@ -13665,7 +13747,19 @@
               <a:rPr lang="ru-RU" dirty="0">
                 <a:latin typeface="Areal"/>
               </a:rPr>
-              <a:t>затраты на поддержку – когда автоматические скрипты уже написаны, на их поддержку и анализ результатов требуется, как правило, меньшее время чем на проведение того же объема тестирования вручную.</a:t>
+              <a:t>затраты на поддержку – когда автоматические скрипты уже написаны, на их поддержку и анализ результатов требуется, как правило, меньшее </a:t>
+            </a:r>
+            <a:r>
+              <a:rPr lang="ru-RU" dirty="0" smtClean="0">
+                <a:latin typeface="Areal"/>
+              </a:rPr>
+              <a:t>времени, </a:t>
+            </a:r>
+            <a:r>
+              <a:rPr lang="ru-RU" dirty="0">
+                <a:latin typeface="Areal"/>
+              </a:rPr>
+              <a:t>чем на проведение того же объема тестирования вручную.</a:t>
             </a:r>
           </a:p>
           <a:p>
@@ -13800,16 +13894,282 @@
           </a:p>
         </p:txBody>
       </p:sp>
-      <p:sp>
-        <p:nvSpPr>
-          <p:cNvPr id="5" name="Прямоугольник 4"/>
+      <p:graphicFrame>
+        <p:nvGraphicFramePr>
+          <p:cNvPr id="6" name="Таблица 5"/>
+          <p:cNvGraphicFramePr>
+            <a:graphicFrameLocks noGrp="1"/>
+          </p:cNvGraphicFramePr>
+          <p:nvPr>
+            <p:extLst>
+              <p:ext uri="{D42A27DB-BD31-4B8C-83A1-F6EECF244321}">
+                <p14:modId xmlns:p14="http://schemas.microsoft.com/office/powerpoint/2010/main" val="1005742999"/>
+              </p:ext>
+            </p:extLst>
+          </p:nvPr>
+        </p:nvGraphicFramePr>
+        <p:xfrm>
+          <a:off x="2542365" y="2217680"/>
+          <a:ext cx="8127999" cy="1651000"/>
+        </p:xfrm>
+        <a:graphic>
+          <a:graphicData uri="http://schemas.openxmlformats.org/drawingml/2006/table">
+            <a:tbl>
+              <a:tblPr firstRow="1" bandRow="1">
+                <a:tableStyleId>{5C22544A-7EE6-4342-B048-85BDC9FD1C3A}</a:tableStyleId>
+              </a:tblPr>
+              <a:tblGrid>
+                <a:gridCol w="2709333">
+                  <a:extLst>
+                    <a:ext uri="{9D8B030D-6E8A-4147-A177-3AD203B41FA5}">
+                      <a16:colId xmlns:a16="http://schemas.microsoft.com/office/drawing/2014/main" val="2789238383"/>
+                    </a:ext>
+                  </a:extLst>
+                </a:gridCol>
+                <a:gridCol w="2709333">
+                  <a:extLst>
+                    <a:ext uri="{9D8B030D-6E8A-4147-A177-3AD203B41FA5}">
+                      <a16:colId xmlns:a16="http://schemas.microsoft.com/office/drawing/2014/main" val="4202554100"/>
+                    </a:ext>
+                  </a:extLst>
+                </a:gridCol>
+                <a:gridCol w="2709333">
+                  <a:extLst>
+                    <a:ext uri="{9D8B030D-6E8A-4147-A177-3AD203B41FA5}">
+                      <a16:colId xmlns:a16="http://schemas.microsoft.com/office/drawing/2014/main" val="3898655762"/>
+                    </a:ext>
+                  </a:extLst>
+                </a:gridCol>
+              </a:tblGrid>
+              <a:tr h="455159">
+                <a:tc>
+                  <a:txBody>
+                    <a:bodyPr/>
+                    <a:lstStyle/>
+                    <a:p>
+                      <a:r>
+                        <a:rPr lang="ru-RU" dirty="0" smtClean="0"/>
+                        <a:t>Параметр</a:t>
+                      </a:r>
+                      <a:endParaRPr lang="ru-RU" dirty="0"/>
+                    </a:p>
+                  </a:txBody>
+                  <a:tcPr/>
+                </a:tc>
+                <a:tc>
+                  <a:txBody>
+                    <a:bodyPr/>
+                    <a:lstStyle/>
+                    <a:p>
+                      <a:r>
+                        <a:rPr lang="ru-RU" dirty="0" smtClean="0"/>
+                        <a:t>Ручное тестирование</a:t>
+                      </a:r>
+                      <a:endParaRPr lang="ru-RU" dirty="0"/>
+                    </a:p>
+                  </a:txBody>
+                  <a:tcPr/>
+                </a:tc>
+                <a:tc>
+                  <a:txBody>
+                    <a:bodyPr/>
+                    <a:lstStyle/>
+                    <a:p>
+                      <a:r>
+                        <a:rPr lang="ru-RU" dirty="0" smtClean="0"/>
+                        <a:t>Автоматизированное тестирование</a:t>
+                      </a:r>
+                      <a:endParaRPr lang="ru-RU" dirty="0"/>
+                    </a:p>
+                  </a:txBody>
+                  <a:tcPr/>
+                </a:tc>
+                <a:extLst>
+                  <a:ext uri="{0D108BD9-81ED-4DB2-BD59-A6C34878D82A}">
+                    <a16:rowId xmlns:a16="http://schemas.microsoft.com/office/drawing/2014/main" val="755322414"/>
+                  </a:ext>
+                </a:extLst>
+              </a:tr>
+              <a:tr h="370840">
+                <a:tc>
+                  <a:txBody>
+                    <a:bodyPr/>
+                    <a:lstStyle/>
+                    <a:p>
+                      <a:r>
+                        <a:rPr lang="ru-RU" dirty="0" smtClean="0"/>
+                        <a:t>Денежные</a:t>
+                      </a:r>
+                      <a:r>
+                        <a:rPr lang="ru-RU" baseline="0" dirty="0" smtClean="0"/>
+                        <a:t> расходы</a:t>
+                      </a:r>
+                      <a:endParaRPr lang="ru-RU" dirty="0"/>
+                    </a:p>
+                  </a:txBody>
+                  <a:tcPr/>
+                </a:tc>
+                <a:tc>
+                  <a:txBody>
+                    <a:bodyPr/>
+                    <a:lstStyle/>
+                    <a:p>
+                      <a:r>
+                        <a:rPr lang="ru-RU" sz="1800" kern="1200" dirty="0" smtClean="0">
+                          <a:solidFill>
+                            <a:schemeClr val="dk1"/>
+                          </a:solidFill>
+                          <a:effectLst/>
+                          <a:latin typeface="+mn-lt"/>
+                          <a:ea typeface="+mn-ea"/>
+                          <a:cs typeface="+mn-cs"/>
+                        </a:rPr>
+                        <a:t>720 735 рублей</a:t>
+                      </a:r>
+                      <a:endParaRPr lang="ru-RU" dirty="0"/>
+                    </a:p>
+                  </a:txBody>
+                  <a:tcPr/>
+                </a:tc>
+                <a:tc>
+                  <a:txBody>
+                    <a:bodyPr/>
+                    <a:lstStyle/>
+                    <a:p>
+                      <a:r>
+                        <a:rPr lang="ru-RU" sz="1800" kern="1200" dirty="0" smtClean="0">
+                          <a:solidFill>
+                            <a:schemeClr val="dk1"/>
+                          </a:solidFill>
+                          <a:effectLst/>
+                          <a:latin typeface="+mn-lt"/>
+                          <a:ea typeface="+mn-ea"/>
+                          <a:cs typeface="+mn-cs"/>
+                        </a:rPr>
+                        <a:t>128 100 рублей</a:t>
+                      </a:r>
+                      <a:endParaRPr lang="ru-RU" dirty="0"/>
+                    </a:p>
+                  </a:txBody>
+                  <a:tcPr/>
+                </a:tc>
+                <a:extLst>
+                  <a:ext uri="{0D108BD9-81ED-4DB2-BD59-A6C34878D82A}">
+                    <a16:rowId xmlns:a16="http://schemas.microsoft.com/office/drawing/2014/main" val="2678043351"/>
+                  </a:ext>
+                </a:extLst>
+              </a:tr>
+              <a:tr h="370840">
+                <a:tc>
+                  <a:txBody>
+                    <a:bodyPr/>
+                    <a:lstStyle/>
+                    <a:p>
+                      <a:r>
+                        <a:rPr lang="ru-RU" dirty="0" smtClean="0"/>
+                        <a:t>Расходы</a:t>
+                      </a:r>
+                      <a:r>
+                        <a:rPr lang="ru-RU" baseline="0" dirty="0" smtClean="0"/>
+                        <a:t> времени</a:t>
+                      </a:r>
+                      <a:endParaRPr lang="ru-RU" dirty="0"/>
+                    </a:p>
+                  </a:txBody>
+                  <a:tcPr/>
+                </a:tc>
+                <a:tc>
+                  <a:txBody>
+                    <a:bodyPr/>
+                    <a:lstStyle/>
+                    <a:p>
+                      <a:r>
+                        <a:rPr lang="ru-RU" sz="1800" kern="1200" dirty="0" smtClean="0">
+                          <a:solidFill>
+                            <a:schemeClr val="dk1"/>
+                          </a:solidFill>
+                          <a:effectLst/>
+                          <a:latin typeface="+mn-lt"/>
+                          <a:ea typeface="+mn-ea"/>
+                          <a:cs typeface="+mn-cs"/>
+                        </a:rPr>
+                        <a:t>5765 часов,</a:t>
+                      </a:r>
+                    </a:p>
+                    <a:p>
+                      <a:r>
+                        <a:rPr lang="ru-RU" sz="1800" kern="1200" dirty="0" smtClean="0">
+                          <a:solidFill>
+                            <a:schemeClr val="dk1"/>
+                          </a:solidFill>
+                          <a:effectLst/>
+                          <a:latin typeface="+mn-lt"/>
+                          <a:ea typeface="+mn-ea"/>
+                          <a:cs typeface="+mn-cs"/>
+                        </a:rPr>
+                        <a:t>721 рабочий день</a:t>
+                      </a:r>
+                      <a:endParaRPr lang="ru-RU" dirty="0"/>
+                    </a:p>
+                  </a:txBody>
+                  <a:tcPr/>
+                </a:tc>
+                <a:tc>
+                  <a:txBody>
+                    <a:bodyPr/>
+                    <a:lstStyle/>
+                    <a:p>
+                      <a:r>
+                        <a:rPr lang="ru-RU" sz="1800" kern="1200" dirty="0" smtClean="0">
+                          <a:solidFill>
+                            <a:schemeClr val="dk1"/>
+                          </a:solidFill>
+                          <a:effectLst/>
+                          <a:latin typeface="+mn-lt"/>
+                          <a:ea typeface="+mn-ea"/>
+                          <a:cs typeface="+mn-cs"/>
+                        </a:rPr>
+                        <a:t>1030 часов,</a:t>
+                      </a:r>
+                    </a:p>
+                    <a:p>
+                      <a:r>
+                        <a:rPr lang="ru-RU" sz="1800" kern="1200" dirty="0" smtClean="0">
+                          <a:solidFill>
+                            <a:schemeClr val="dk1"/>
+                          </a:solidFill>
+                          <a:effectLst/>
+                          <a:latin typeface="+mn-lt"/>
+                          <a:ea typeface="+mn-ea"/>
+                          <a:cs typeface="+mn-cs"/>
+                        </a:rPr>
+                        <a:t>129 рабочих дней</a:t>
+                      </a:r>
+                      <a:endParaRPr lang="ru-RU" dirty="0"/>
+                    </a:p>
+                  </a:txBody>
+                  <a:tcPr/>
+                </a:tc>
+                <a:extLst>
+                  <a:ext uri="{0D108BD9-81ED-4DB2-BD59-A6C34878D82A}">
+                    <a16:rowId xmlns:a16="http://schemas.microsoft.com/office/drawing/2014/main" val="1805314256"/>
+                  </a:ext>
+                </a:extLst>
+              </a:tr>
+            </a:tbl>
+          </a:graphicData>
+        </a:graphic>
+      </p:graphicFrame>
+      <p:sp>
+        <p:nvSpPr>
+          <p:cNvPr id="7" name="Прямоугольник 6"/>
           <p:cNvSpPr/>
           <p:nvPr/>
         </p:nvSpPr>
         <p:spPr>
           <a:xfrm>
-            <a:off x="2101702" y="1793352"/>
-            <a:ext cx="8754140" cy="4570482"/>
+            <a:off x="2542365" y="4293008"/>
+            <a:ext cx="7784453" cy="1015663"/>
           </a:xfrm>
           <a:prstGeom prst="rect">
             <a:avLst/>
@@ -13821,140 +14181,39 @@
           </a:bodyPr>
           <a:lstStyle/>
           <a:p>
-            <a:pPr indent="450215" algn="just">
-              <a:lnSpc>
-                <a:spcPct val="150000"/>
-              </a:lnSpc>
-              <a:spcAft>
-                <a:spcPts val="0"/>
-              </a:spcAft>
-            </a:pPr>
+            <a:pPr algn="just"/>
             <a:r>
               <a:rPr lang="ru-RU" sz="2000" dirty="0" smtClean="0">
                 <a:latin typeface="Areal"/>
-                <a:ea typeface="Calibri" panose="020F0502020204030204" pitchFamily="34" charset="0"/>
-                <a:cs typeface="Times New Roman" panose="02020603050405020304" pitchFamily="18" charset="0"/>
               </a:rPr>
-              <a:t>Был </a:t>
+              <a:t>	Таким образом, за 3 года эксплуатации автоматизированных тестов предприятию удастся сэкономить 592 </a:t>
             </a:r>
             <a:r>
               <a:rPr lang="ru-RU" sz="2000" dirty="0">
                 <a:latin typeface="Areal"/>
-                <a:ea typeface="Calibri" panose="020F0502020204030204" pitchFamily="34" charset="0"/>
-                <a:cs typeface="Times New Roman" panose="02020603050405020304" pitchFamily="18" charset="0"/>
               </a:rPr>
-              <a:t>проведен расчет экономической </a:t>
+              <a:t>635 </a:t>
             </a:r>
             <a:r>
               <a:rPr lang="ru-RU" sz="2000" dirty="0" smtClean="0">
                 <a:latin typeface="Areal"/>
-                <a:ea typeface="Calibri" panose="020F0502020204030204" pitchFamily="34" charset="0"/>
-                <a:cs typeface="Times New Roman" panose="02020603050405020304" pitchFamily="18" charset="0"/>
               </a:rPr>
-              <a:t>рентабельности и </a:t>
+              <a:t>рублей и 4735 часов </a:t>
             </a:r>
             <a:r>
               <a:rPr lang="ru-RU" sz="2000" dirty="0">
                 <a:latin typeface="Areal"/>
-                <a:ea typeface="Calibri" panose="020F0502020204030204" pitchFamily="34" charset="0"/>
-                <a:cs typeface="Times New Roman" panose="02020603050405020304" pitchFamily="18" charset="0"/>
               </a:rPr>
-              <a:t>временной эффективности замены набора ручных скриптов на автоматизированное тестирование. Данные расчёты показали, что автоматизированное тестирование в несколько раз эффективней ручного тестирования</a:t>
+              <a:t>или </a:t>
             </a:r>
             <a:r>
               <a:rPr lang="ru-RU" sz="2000" dirty="0" smtClean="0">
                 <a:latin typeface="Areal"/>
-                <a:ea typeface="Calibri" panose="020F0502020204030204" pitchFamily="34" charset="0"/>
-                <a:cs typeface="Times New Roman" panose="02020603050405020304" pitchFamily="18" charset="0"/>
               </a:rPr>
-              <a:t>.</a:t>
-            </a:r>
-          </a:p>
-          <a:p>
-            <a:pPr indent="450215" algn="just">
-              <a:lnSpc>
-                <a:spcPct val="150000"/>
-              </a:lnSpc>
-            </a:pPr>
-            <a:r>
-              <a:rPr lang="ru-RU" sz="2000" dirty="0">
-                <a:latin typeface="Areal"/>
-                <a:ea typeface="Calibri" panose="020F0502020204030204" pitchFamily="34" charset="0"/>
-                <a:cs typeface="Times New Roman" panose="02020603050405020304" pitchFamily="18" charset="0"/>
-              </a:rPr>
-              <a:t>Данные расчеты показали что за три года эксплуатации и поддержания автоматизированных тестом </a:t>
-            </a:r>
-            <a:endParaRPr lang="ru-RU" sz="2000" dirty="0" smtClean="0">
+              <a:t>592 полных рабочих дня. </a:t>
+            </a:r>
+            <a:endParaRPr lang="ru-RU" sz="2000" dirty="0">
               <a:latin typeface="Areal"/>
-              <a:ea typeface="Calibri" panose="020F0502020204030204" pitchFamily="34" charset="0"/>
-              <a:cs typeface="Times New Roman" panose="02020603050405020304" pitchFamily="18" charset="0"/>
-            </a:endParaRPr>
-          </a:p>
-          <a:p>
-            <a:pPr indent="450215" algn="just">
-              <a:lnSpc>
-                <a:spcPct val="150000"/>
-              </a:lnSpc>
-            </a:pPr>
-            <a:r>
-              <a:rPr lang="ru-RU" sz="2000" dirty="0">
-                <a:latin typeface="Areal"/>
-                <a:ea typeface="Calibri" panose="020F0502020204030204" pitchFamily="34" charset="0"/>
-                <a:cs typeface="Times New Roman" panose="02020603050405020304" pitchFamily="18" charset="0"/>
-              </a:rPr>
-              <a:t>Экономия денег </a:t>
-            </a:r>
-            <a:r>
-              <a:rPr lang="ru-RU" sz="2000" dirty="0" smtClean="0">
-                <a:latin typeface="Areal"/>
-                <a:ea typeface="Calibri" panose="020F0502020204030204" pitchFamily="34" charset="0"/>
-                <a:cs typeface="Times New Roman" panose="02020603050405020304" pitchFamily="18" charset="0"/>
-              </a:rPr>
-              <a:t>592 635 рублей</a:t>
-            </a:r>
-          </a:p>
-          <a:p>
-            <a:pPr indent="450215" algn="just">
-              <a:lnSpc>
-                <a:spcPct val="150000"/>
-              </a:lnSpc>
-            </a:pPr>
-            <a:r>
-              <a:rPr lang="ru-RU" sz="2000" dirty="0">
-                <a:latin typeface="Areal"/>
-                <a:ea typeface="Calibri" panose="020F0502020204030204" pitchFamily="34" charset="0"/>
-                <a:cs typeface="Times New Roman" panose="02020603050405020304" pitchFamily="18" charset="0"/>
-              </a:rPr>
-              <a:t>Времени 4735 часов или </a:t>
-            </a:r>
-            <a:r>
-              <a:rPr lang="ru-RU" sz="2000" dirty="0" smtClean="0">
-                <a:latin typeface="Areal"/>
-                <a:ea typeface="Calibri" panose="020F0502020204030204" pitchFamily="34" charset="0"/>
-                <a:cs typeface="Times New Roman" panose="02020603050405020304" pitchFamily="18" charset="0"/>
-              </a:rPr>
-              <a:t>197 дней</a:t>
-            </a:r>
-            <a:endParaRPr lang="ru-RU" sz="1600" dirty="0">
-              <a:latin typeface="Areal"/>
-              <a:ea typeface="Calibri" panose="020F0502020204030204" pitchFamily="34" charset="0"/>
-              <a:cs typeface="Times New Roman" panose="02020603050405020304" pitchFamily="18" charset="0"/>
-            </a:endParaRPr>
-          </a:p>
-          <a:p>
-            <a:pPr indent="450215" algn="just">
-              <a:lnSpc>
-                <a:spcPct val="150000"/>
-              </a:lnSpc>
-              <a:spcAft>
-                <a:spcPts val="0"/>
-              </a:spcAft>
-            </a:pPr>
-            <a:endParaRPr lang="ru-RU" sz="1400" dirty="0">
-              <a:effectLst/>
-              <a:latin typeface="Calibri" panose="020F0502020204030204" pitchFamily="34" charset="0"/>
-              <a:ea typeface="Calibri" panose="020F0502020204030204" pitchFamily="34" charset="0"/>
-              <a:cs typeface="Times New Roman" panose="02020603050405020304" pitchFamily="18" charset="0"/>
             </a:endParaRPr>
           </a:p>
         </p:txBody>
